--- a/SnapMap Final Presentation.pptx
+++ b/SnapMap Final Presentation.pptx
@@ -1,44 +1,44 @@
 
 <file path=ppt/presentation.xml><?xml version="1.0" encoding="utf-8"?>
-<p:presentation xmlns:a="http://schemas.openxmlformats.org/drawingml/2006/main" xmlns:r="http://schemas.openxmlformats.org/officeDocument/2006/relationships" xmlns:mc="http://schemas.openxmlformats.org/markup-compatibility/2006" xmlns:mv="urn:schemas-microsoft-com:mac:vml" xmlns:p="http://schemas.openxmlformats.org/presentationml/2006/main" xmlns:c="http://schemas.openxmlformats.org/drawingml/2006/chart" xmlns:dgm="http://schemas.openxmlformats.org/drawingml/2006/diagram" xmlns:o="urn:schemas-microsoft-com:office:office" xmlns:v="urn:schemas-microsoft-com:vml" xmlns:pvml="urn:schemas-microsoft-com:office:powerpoint" xmlns:com="http://schemas.openxmlformats.org/drawingml/2006/compatibility" xmlns:p14="http://schemas.microsoft.com/office/powerpoint/2010/main" autoCompressPictures="0" embedTrueTypeFonts="1" strictFirstAndLastChars="0" saveSubsetFonts="1">
+<p:presentation xmlns:a="http://schemas.openxmlformats.org/drawingml/2006/main" xmlns:r="http://schemas.openxmlformats.org/officeDocument/2006/relationships" xmlns:p="http://schemas.openxmlformats.org/presentationml/2006/main" strictFirstAndLastChars="0" embedTrueTypeFonts="1" saveSubsetFonts="1" autoCompressPictures="0">
   <p:sldMasterIdLst>
-    <p:sldMasterId id="2147483659" r:id="rId3"/>
+    <p:sldMasterId id="2147483659" r:id="rId1"/>
   </p:sldMasterIdLst>
   <p:notesMasterIdLst>
-    <p:notesMasterId r:id="rId4"/>
+    <p:notesMasterId r:id="rId16"/>
   </p:notesMasterIdLst>
   <p:sldIdLst>
-    <p:sldId id="256" r:id="rId5"/>
-    <p:sldId id="257" r:id="rId6"/>
-    <p:sldId id="258" r:id="rId7"/>
-    <p:sldId id="259" r:id="rId8"/>
-    <p:sldId id="260" r:id="rId9"/>
-    <p:sldId id="261" r:id="rId10"/>
-    <p:sldId id="262" r:id="rId11"/>
-    <p:sldId id="263" r:id="rId12"/>
-    <p:sldId id="264" r:id="rId13"/>
-    <p:sldId id="265" r:id="rId14"/>
-    <p:sldId id="266" r:id="rId15"/>
-    <p:sldId id="267" r:id="rId16"/>
-    <p:sldId id="268" r:id="rId17"/>
-    <p:sldId id="269" r:id="rId18"/>
+    <p:sldId id="256" r:id="rId2"/>
+    <p:sldId id="257" r:id="rId3"/>
+    <p:sldId id="258" r:id="rId4"/>
+    <p:sldId id="259" r:id="rId5"/>
+    <p:sldId id="260" r:id="rId6"/>
+    <p:sldId id="261" r:id="rId7"/>
+    <p:sldId id="262" r:id="rId8"/>
+    <p:sldId id="263" r:id="rId9"/>
+    <p:sldId id="264" r:id="rId10"/>
+    <p:sldId id="265" r:id="rId11"/>
+    <p:sldId id="266" r:id="rId12"/>
+    <p:sldId id="267" r:id="rId13"/>
+    <p:sldId id="268" r:id="rId14"/>
+    <p:sldId id="269" r:id="rId15"/>
   </p:sldIdLst>
-  <p:sldSz cy="5143500" cx="9144000"/>
+  <p:sldSz cx="9144000" cy="5143500" type="screen16x9"/>
   <p:notesSz cx="6858000" cy="9144000"/>
   <p:embeddedFontLst>
     <p:embeddedFont>
-      <p:font typeface="Amatic SC"/>
+      <p:font typeface="Amatic SC" panose="020B0604020202020204" charset="-79"/>
+      <p:regular r:id="rId17"/>
+      <p:bold r:id="rId18"/>
+    </p:embeddedFont>
+    <p:embeddedFont>
+      <p:font typeface="Source Code Pro" panose="020B0604020202020204" charset="0"/>
       <p:regular r:id="rId19"/>
       <p:bold r:id="rId20"/>
     </p:embeddedFont>
-    <p:embeddedFont>
-      <p:font typeface="Source Code Pro"/>
-      <p:regular r:id="rId21"/>
-      <p:bold r:id="rId22"/>
-    </p:embeddedFont>
   </p:embeddedFontLst>
   <p:defaultTextStyle>
-    <a:defPPr lvl="0" marR="0" rtl="0" algn="l">
+    <a:defPPr marR="0" lvl="0" algn="l" rtl="0">
       <a:lnSpc>
         <a:spcPct val="100000"/>
       </a:lnSpc>
@@ -49,7 +49,7 @@
         <a:spcPts val="0"/>
       </a:spcAft>
     </a:defPPr>
-    <a:lvl1pPr lvl="0" marR="0" rtl="0" algn="l">
+    <a:lvl1pPr marR="0" lvl="0" algn="l" rtl="0">
       <a:lnSpc>
         <a:spcPct val="100000"/>
       </a:lnSpc>
@@ -60,7 +60,7 @@
         <a:spcPts val="0"/>
       </a:spcAft>
       <a:buNone/>
-      <a:defRPr b="0" i="0" sz="1400" u="none" cap="none" strike="noStrike">
+      <a:defRPr sz="1400" b="0" i="0" u="none" strike="noStrike" cap="none">
         <a:solidFill>
           <a:srgbClr val="000000"/>
         </a:solidFill>
@@ -70,7 +70,7 @@
         <a:sym typeface="Arial"/>
       </a:defRPr>
     </a:lvl1pPr>
-    <a:lvl2pPr lvl="1" marR="0" rtl="0" algn="l">
+    <a:lvl2pPr marR="0" lvl="1" algn="l" rtl="0">
       <a:lnSpc>
         <a:spcPct val="100000"/>
       </a:lnSpc>
@@ -81,7 +81,7 @@
         <a:spcPts val="0"/>
       </a:spcAft>
       <a:buNone/>
-      <a:defRPr b="0" i="0" sz="1400" u="none" cap="none" strike="noStrike">
+      <a:defRPr sz="1400" b="0" i="0" u="none" strike="noStrike" cap="none">
         <a:solidFill>
           <a:srgbClr val="000000"/>
         </a:solidFill>
@@ -91,7 +91,7 @@
         <a:sym typeface="Arial"/>
       </a:defRPr>
     </a:lvl2pPr>
-    <a:lvl3pPr lvl="2" marR="0" rtl="0" algn="l">
+    <a:lvl3pPr marR="0" lvl="2" algn="l" rtl="0">
       <a:lnSpc>
         <a:spcPct val="100000"/>
       </a:lnSpc>
@@ -102,7 +102,7 @@
         <a:spcPts val="0"/>
       </a:spcAft>
       <a:buNone/>
-      <a:defRPr b="0" i="0" sz="1400" u="none" cap="none" strike="noStrike">
+      <a:defRPr sz="1400" b="0" i="0" u="none" strike="noStrike" cap="none">
         <a:solidFill>
           <a:srgbClr val="000000"/>
         </a:solidFill>
@@ -112,7 +112,7 @@
         <a:sym typeface="Arial"/>
       </a:defRPr>
     </a:lvl3pPr>
-    <a:lvl4pPr lvl="3" marR="0" rtl="0" algn="l">
+    <a:lvl4pPr marR="0" lvl="3" algn="l" rtl="0">
       <a:lnSpc>
         <a:spcPct val="100000"/>
       </a:lnSpc>
@@ -123,7 +123,7 @@
         <a:spcPts val="0"/>
       </a:spcAft>
       <a:buNone/>
-      <a:defRPr b="0" i="0" sz="1400" u="none" cap="none" strike="noStrike">
+      <a:defRPr sz="1400" b="0" i="0" u="none" strike="noStrike" cap="none">
         <a:solidFill>
           <a:srgbClr val="000000"/>
         </a:solidFill>
@@ -133,7 +133,7 @@
         <a:sym typeface="Arial"/>
       </a:defRPr>
     </a:lvl4pPr>
-    <a:lvl5pPr lvl="4" marR="0" rtl="0" algn="l">
+    <a:lvl5pPr marR="0" lvl="4" algn="l" rtl="0">
       <a:lnSpc>
         <a:spcPct val="100000"/>
       </a:lnSpc>
@@ -144,7 +144,7 @@
         <a:spcPts val="0"/>
       </a:spcAft>
       <a:buNone/>
-      <a:defRPr b="0" i="0" sz="1400" u="none" cap="none" strike="noStrike">
+      <a:defRPr sz="1400" b="0" i="0" u="none" strike="noStrike" cap="none">
         <a:solidFill>
           <a:srgbClr val="000000"/>
         </a:solidFill>
@@ -154,7 +154,7 @@
         <a:sym typeface="Arial"/>
       </a:defRPr>
     </a:lvl5pPr>
-    <a:lvl6pPr lvl="5" marR="0" rtl="0" algn="l">
+    <a:lvl6pPr marR="0" lvl="5" algn="l" rtl="0">
       <a:lnSpc>
         <a:spcPct val="100000"/>
       </a:lnSpc>
@@ -165,7 +165,7 @@
         <a:spcPts val="0"/>
       </a:spcAft>
       <a:buNone/>
-      <a:defRPr b="0" i="0" sz="1400" u="none" cap="none" strike="noStrike">
+      <a:defRPr sz="1400" b="0" i="0" u="none" strike="noStrike" cap="none">
         <a:solidFill>
           <a:srgbClr val="000000"/>
         </a:solidFill>
@@ -175,7 +175,7 @@
         <a:sym typeface="Arial"/>
       </a:defRPr>
     </a:lvl6pPr>
-    <a:lvl7pPr lvl="6" marR="0" rtl="0" algn="l">
+    <a:lvl7pPr marR="0" lvl="6" algn="l" rtl="0">
       <a:lnSpc>
         <a:spcPct val="100000"/>
       </a:lnSpc>
@@ -186,7 +186,7 @@
         <a:spcPts val="0"/>
       </a:spcAft>
       <a:buNone/>
-      <a:defRPr b="0" i="0" sz="1400" u="none" cap="none" strike="noStrike">
+      <a:defRPr sz="1400" b="0" i="0" u="none" strike="noStrike" cap="none">
         <a:solidFill>
           <a:srgbClr val="000000"/>
         </a:solidFill>
@@ -196,7 +196,7 @@
         <a:sym typeface="Arial"/>
       </a:defRPr>
     </a:lvl7pPr>
-    <a:lvl8pPr lvl="7" marR="0" rtl="0" algn="l">
+    <a:lvl8pPr marR="0" lvl="7" algn="l" rtl="0">
       <a:lnSpc>
         <a:spcPct val="100000"/>
       </a:lnSpc>
@@ -207,7 +207,7 @@
         <a:spcPts val="0"/>
       </a:spcAft>
       <a:buNone/>
-      <a:defRPr b="0" i="0" sz="1400" u="none" cap="none" strike="noStrike">
+      <a:defRPr sz="1400" b="0" i="0" u="none" strike="noStrike" cap="none">
         <a:solidFill>
           <a:srgbClr val="000000"/>
         </a:solidFill>
@@ -217,7 +217,7 @@
         <a:sym typeface="Arial"/>
       </a:defRPr>
     </a:lvl8pPr>
-    <a:lvl9pPr lvl="8" marR="0" rtl="0" algn="l">
+    <a:lvl9pPr marR="0" lvl="8" algn="l" rtl="0">
       <a:lnSpc>
         <a:spcPct val="100000"/>
       </a:lnSpc>
@@ -228,7 +228,7 @@
         <a:spcPts val="0"/>
       </a:spcAft>
       <a:buNone/>
-      <a:defRPr b="0" i="0" sz="1400" u="none" cap="none" strike="noStrike">
+      <a:defRPr sz="1400" b="0" i="0" u="none" strike="noStrike" cap="none">
         <a:solidFill>
           <a:srgbClr val="000000"/>
         </a:solidFill>
@@ -243,11 +243,16 @@
 </file>
 
 <file path=ppt/notesMasters/notesMaster1.xml><?xml version="1.0" encoding="utf-8"?>
-<p:notesMaster xmlns:a="http://schemas.openxmlformats.org/drawingml/2006/main" xmlns:r="http://schemas.openxmlformats.org/officeDocument/2006/relationships" xmlns:mc="http://schemas.openxmlformats.org/markup-compatibility/2006" xmlns:mv="urn:schemas-microsoft-com:mac:vml" xmlns:p="http://schemas.openxmlformats.org/presentationml/2006/main" xmlns:c="http://schemas.openxmlformats.org/drawingml/2006/chart" xmlns:dgm="http://schemas.openxmlformats.org/drawingml/2006/diagram" xmlns:o="urn:schemas-microsoft-com:office:office" xmlns:v="urn:schemas-microsoft-com:vml" xmlns:pvml="urn:schemas-microsoft-com:office:powerpoint" xmlns:com="http://schemas.openxmlformats.org/drawingml/2006/compatibility" xmlns:p14="http://schemas.microsoft.com/office/powerpoint/2010/main">
+<p:notesMaster xmlns:a="http://schemas.openxmlformats.org/drawingml/2006/main" xmlns:r="http://schemas.openxmlformats.org/officeDocument/2006/relationships" xmlns:p="http://schemas.openxmlformats.org/presentationml/2006/main">
   <p:cSld>
+    <p:bg>
+      <p:bgRef idx="1001">
+        <a:schemeClr val="bg1"/>
+      </p:bgRef>
+    </p:bg>
     <p:spTree>
       <p:nvGrpSpPr>
-        <p:cNvPr id="2" name="Shape 2"/>
+        <p:cNvPr id="1" name="Shape 2"/>
         <p:cNvGrpSpPr/>
         <p:nvPr/>
       </p:nvGrpSpPr>
@@ -262,9 +267,11 @@
       <p:sp>
         <p:nvSpPr>
           <p:cNvPr id="3" name="Shape 3"/>
-          <p:cNvSpPr/>
+          <p:cNvSpPr>
+            <a:spLocks noGrp="1" noRot="1" noChangeAspect="1"/>
+          </p:cNvSpPr>
           <p:nvPr>
-            <p:ph idx="2" type="sldImg"/>
+            <p:ph type="sldImg" idx="2"/>
           </p:nvPr>
         </p:nvSpPr>
         <p:spPr>
@@ -273,8 +280,13 @@
             <a:ext cx="6096075" cy="3429000"/>
           </a:xfrm>
           <a:custGeom>
+            <a:avLst/>
+            <a:gdLst/>
+            <a:ahLst/>
+            <a:cxnLst/>
+            <a:rect l="0" t="0" r="0" b="0"/>
             <a:pathLst>
-              <a:path extrusionOk="0" h="120000" w="120000">
+              <a:path w="120000" h="120000" extrusionOk="0">
                 <a:moveTo>
                   <a:pt x="0" y="0"/>
                 </a:moveTo>
@@ -292,23 +304,25 @@
             </a:pathLst>
           </a:custGeom>
           <a:noFill/>
-          <a:ln cap="flat" cmpd="sng" w="9525">
+          <a:ln w="9525" cap="flat" cmpd="sng">
             <a:solidFill>
               <a:srgbClr val="000000"/>
             </a:solidFill>
             <a:prstDash val="solid"/>
             <a:round/>
-            <a:headEnd len="med" w="med" type="none"/>
-            <a:tailEnd len="med" w="med" type="none"/>
+            <a:headEnd type="none" w="med" len="med"/>
+            <a:tailEnd type="none" w="med" len="med"/>
           </a:ln>
         </p:spPr>
       </p:sp>
       <p:sp>
         <p:nvSpPr>
           <p:cNvPr id="4" name="Shape 4"/>
-          <p:cNvSpPr txBox="1"/>
+          <p:cNvSpPr txBox="1">
+            <a:spLocks noGrp="1"/>
+          </p:cNvSpPr>
           <p:nvPr>
-            <p:ph idx="1" type="body"/>
+            <p:ph type="body" idx="1"/>
           </p:nvPr>
         </p:nvSpPr>
         <p:spPr>
@@ -325,7 +339,7 @@
           </a:ln>
         </p:spPr>
         <p:txBody>
-          <a:bodyPr anchorCtr="0" anchor="t" bIns="91425" lIns="91425" rIns="91425" tIns="91425"/>
+          <a:bodyPr lIns="91425" tIns="91425" rIns="91425" bIns="91425" anchor="t" anchorCtr="0"/>
           <a:lstStyle>
             <a:lvl1pPr lvl="0">
               <a:spcBef>
@@ -382,21 +396,120 @@
               <a:defRPr sz="1100"/>
             </a:lvl9pPr>
           </a:lstStyle>
-          <a:p/>
+          <a:p>
+            <a:endParaRPr/>
+          </a:p>
         </p:txBody>
       </p:sp>
     </p:spTree>
+    <p:extLst>
+      <p:ext uri="{BB962C8B-B14F-4D97-AF65-F5344CB8AC3E}">
+        <p14:creationId xmlns:p14="http://schemas.microsoft.com/office/powerpoint/2010/main" val="890393983"/>
+      </p:ext>
+    </p:extLst>
   </p:cSld>
-  <p:clrMap accent1="accent1" accent2="accent2" accent3="accent3" accent4="accent4" accent5="accent5" accent6="accent6" bg1="lt1" bg2="dk2" tx1="dk1" tx2="lt2" folHlink="folHlink" hlink="hlink"/>
+  <p:clrMap bg1="lt1" tx1="dk1" bg2="dk2" tx2="lt2" accent1="accent1" accent2="accent2" accent3="accent3" accent4="accent4" accent5="accent5" accent6="accent6" hlink="hlink" folHlink="folHlink"/>
+  <p:notesStyle>
+    <a:lvl1pPr marL="0" algn="l" defTabSz="914400" rtl="0" eaLnBrk="1" latinLnBrk="0" hangingPunct="1">
+      <a:defRPr sz="1200" kern="1200">
+        <a:solidFill>
+          <a:schemeClr val="tx1"/>
+        </a:solidFill>
+        <a:latin typeface="+mn-lt"/>
+        <a:ea typeface="+mn-ea"/>
+        <a:cs typeface="+mn-cs"/>
+      </a:defRPr>
+    </a:lvl1pPr>
+    <a:lvl2pPr marL="457200" algn="l" defTabSz="914400" rtl="0" eaLnBrk="1" latinLnBrk="0" hangingPunct="1">
+      <a:defRPr sz="1200" kern="1200">
+        <a:solidFill>
+          <a:schemeClr val="tx1"/>
+        </a:solidFill>
+        <a:latin typeface="+mn-lt"/>
+        <a:ea typeface="+mn-ea"/>
+        <a:cs typeface="+mn-cs"/>
+      </a:defRPr>
+    </a:lvl2pPr>
+    <a:lvl3pPr marL="914400" algn="l" defTabSz="914400" rtl="0" eaLnBrk="1" latinLnBrk="0" hangingPunct="1">
+      <a:defRPr sz="1200" kern="1200">
+        <a:solidFill>
+          <a:schemeClr val="tx1"/>
+        </a:solidFill>
+        <a:latin typeface="+mn-lt"/>
+        <a:ea typeface="+mn-ea"/>
+        <a:cs typeface="+mn-cs"/>
+      </a:defRPr>
+    </a:lvl3pPr>
+    <a:lvl4pPr marL="1371600" algn="l" defTabSz="914400" rtl="0" eaLnBrk="1" latinLnBrk="0" hangingPunct="1">
+      <a:defRPr sz="1200" kern="1200">
+        <a:solidFill>
+          <a:schemeClr val="tx1"/>
+        </a:solidFill>
+        <a:latin typeface="+mn-lt"/>
+        <a:ea typeface="+mn-ea"/>
+        <a:cs typeface="+mn-cs"/>
+      </a:defRPr>
+    </a:lvl4pPr>
+    <a:lvl5pPr marL="1828800" algn="l" defTabSz="914400" rtl="0" eaLnBrk="1" latinLnBrk="0" hangingPunct="1">
+      <a:defRPr sz="1200" kern="1200">
+        <a:solidFill>
+          <a:schemeClr val="tx1"/>
+        </a:solidFill>
+        <a:latin typeface="+mn-lt"/>
+        <a:ea typeface="+mn-ea"/>
+        <a:cs typeface="+mn-cs"/>
+      </a:defRPr>
+    </a:lvl5pPr>
+    <a:lvl6pPr marL="2286000" algn="l" defTabSz="914400" rtl="0" eaLnBrk="1" latinLnBrk="0" hangingPunct="1">
+      <a:defRPr sz="1200" kern="1200">
+        <a:solidFill>
+          <a:schemeClr val="tx1"/>
+        </a:solidFill>
+        <a:latin typeface="+mn-lt"/>
+        <a:ea typeface="+mn-ea"/>
+        <a:cs typeface="+mn-cs"/>
+      </a:defRPr>
+    </a:lvl6pPr>
+    <a:lvl7pPr marL="2743200" algn="l" defTabSz="914400" rtl="0" eaLnBrk="1" latinLnBrk="0" hangingPunct="1">
+      <a:defRPr sz="1200" kern="1200">
+        <a:solidFill>
+          <a:schemeClr val="tx1"/>
+        </a:solidFill>
+        <a:latin typeface="+mn-lt"/>
+        <a:ea typeface="+mn-ea"/>
+        <a:cs typeface="+mn-cs"/>
+      </a:defRPr>
+    </a:lvl7pPr>
+    <a:lvl8pPr marL="3200400" algn="l" defTabSz="914400" rtl="0" eaLnBrk="1" latinLnBrk="0" hangingPunct="1">
+      <a:defRPr sz="1200" kern="1200">
+        <a:solidFill>
+          <a:schemeClr val="tx1"/>
+        </a:solidFill>
+        <a:latin typeface="+mn-lt"/>
+        <a:ea typeface="+mn-ea"/>
+        <a:cs typeface="+mn-cs"/>
+      </a:defRPr>
+    </a:lvl8pPr>
+    <a:lvl9pPr marL="3657600" algn="l" defTabSz="914400" rtl="0" eaLnBrk="1" latinLnBrk="0" hangingPunct="1">
+      <a:defRPr sz="1200" kern="1200">
+        <a:solidFill>
+          <a:schemeClr val="tx1"/>
+        </a:solidFill>
+        <a:latin typeface="+mn-lt"/>
+        <a:ea typeface="+mn-ea"/>
+        <a:cs typeface="+mn-cs"/>
+      </a:defRPr>
+    </a:lvl9pPr>
+  </p:notesStyle>
 </p:notesMaster>
 </file>
 
 <file path=ppt/notesSlides/notesSlide1.xml><?xml version="1.0" encoding="utf-8"?>
-<p:notes xmlns:a="http://schemas.openxmlformats.org/drawingml/2006/main" xmlns:r="http://schemas.openxmlformats.org/officeDocument/2006/relationships" xmlns:mc="http://schemas.openxmlformats.org/markup-compatibility/2006" xmlns:mv="urn:schemas-microsoft-com:mac:vml" xmlns:p="http://schemas.openxmlformats.org/presentationml/2006/main" xmlns:c="http://schemas.openxmlformats.org/drawingml/2006/chart" xmlns:dgm="http://schemas.openxmlformats.org/drawingml/2006/diagram" xmlns:o="urn:schemas-microsoft-com:office:office" xmlns:v="urn:schemas-microsoft-com:vml" xmlns:pvml="urn:schemas-microsoft-com:office:powerpoint" xmlns:com="http://schemas.openxmlformats.org/drawingml/2006/compatibility" xmlns:p14="http://schemas.microsoft.com/office/powerpoint/2010/main" showMasterPhAnim="0" showMasterSp="0">
+<p:notes xmlns:a="http://schemas.openxmlformats.org/drawingml/2006/main" xmlns:r="http://schemas.openxmlformats.org/officeDocument/2006/relationships" xmlns:p="http://schemas.openxmlformats.org/presentationml/2006/main" showMasterSp="0" showMasterPhAnim="0">
   <p:cSld>
     <p:spTree>
       <p:nvGrpSpPr>
-        <p:cNvPr id="52" name="Shape 52"/>
+        <p:cNvPr id="1" name="Shape 52"/>
         <p:cNvGrpSpPr/>
         <p:nvPr/>
       </p:nvGrpSpPr>
@@ -411,19 +524,26 @@
       <p:sp>
         <p:nvSpPr>
           <p:cNvPr id="53" name="Shape 53"/>
-          <p:cNvSpPr/>
+          <p:cNvSpPr>
+            <a:spLocks noGrp="1" noRot="1" noChangeAspect="1"/>
+          </p:cNvSpPr>
           <p:nvPr>
-            <p:ph idx="2" type="sldImg"/>
+            <p:ph type="sldImg" idx="2"/>
           </p:nvPr>
         </p:nvSpPr>
         <p:spPr>
           <a:xfrm>
-            <a:off x="381300" y="685800"/>
-            <a:ext cx="6096075" cy="3429000"/>
+            <a:off x="381000" y="685800"/>
+            <a:ext cx="6096000" cy="3429000"/>
           </a:xfrm>
           <a:custGeom>
+            <a:avLst/>
+            <a:gdLst/>
+            <a:ahLst/>
+            <a:cxnLst/>
+            <a:rect l="0" t="0" r="0" b="0"/>
             <a:pathLst>
-              <a:path extrusionOk="0" h="120000" w="120000">
+              <a:path w="120000" h="120000" extrusionOk="0">
                 <a:moveTo>
                   <a:pt x="0" y="0"/>
                 </a:moveTo>
@@ -445,9 +565,11 @@
       <p:sp>
         <p:nvSpPr>
           <p:cNvPr id="54" name="Shape 54"/>
-          <p:cNvSpPr txBox="1"/>
+          <p:cNvSpPr txBox="1">
+            <a:spLocks noGrp="1"/>
+          </p:cNvSpPr>
           <p:nvPr>
-            <p:ph idx="1" type="body"/>
+            <p:ph type="body" idx="1"/>
           </p:nvPr>
         </p:nvSpPr>
         <p:spPr>
@@ -460,7 +582,7 @@
           </a:prstGeom>
         </p:spPr>
         <p:txBody>
-          <a:bodyPr anchorCtr="0" anchor="t" bIns="91425" lIns="91425" rIns="91425" tIns="91425">
+          <a:bodyPr lIns="91425" tIns="91425" rIns="91425" bIns="91425" anchor="t" anchorCtr="0">
             <a:noAutofit/>
           </a:bodyPr>
           <a:lstStyle/>
@@ -471,14 +593,16 @@
               </a:spcBef>
               <a:buNone/>
             </a:pPr>
-            <a:r>
-              <a:rPr lang="en"/>
-              <a:t>Joan</a:t>
-            </a:r>
+            <a:endParaRPr lang="en" dirty="0"/>
           </a:p>
         </p:txBody>
       </p:sp>
     </p:spTree>
+    <p:extLst>
+      <p:ext uri="{BB962C8B-B14F-4D97-AF65-F5344CB8AC3E}">
+        <p14:creationId xmlns:p14="http://schemas.microsoft.com/office/powerpoint/2010/main" val="2381478102"/>
+      </p:ext>
+    </p:extLst>
   </p:cSld>
   <p:clrMapOvr>
     <a:masterClrMapping/>
@@ -487,11 +611,11 @@
 </file>
 
 <file path=ppt/notesSlides/notesSlide10.xml><?xml version="1.0" encoding="utf-8"?>
-<p:notes xmlns:a="http://schemas.openxmlformats.org/drawingml/2006/main" xmlns:r="http://schemas.openxmlformats.org/officeDocument/2006/relationships" xmlns:mc="http://schemas.openxmlformats.org/markup-compatibility/2006" xmlns:mv="urn:schemas-microsoft-com:mac:vml" xmlns:p="http://schemas.openxmlformats.org/presentationml/2006/main" xmlns:c="http://schemas.openxmlformats.org/drawingml/2006/chart" xmlns:dgm="http://schemas.openxmlformats.org/drawingml/2006/diagram" xmlns:o="urn:schemas-microsoft-com:office:office" xmlns:v="urn:schemas-microsoft-com:vml" xmlns:pvml="urn:schemas-microsoft-com:office:powerpoint" xmlns:com="http://schemas.openxmlformats.org/drawingml/2006/compatibility" xmlns:p14="http://schemas.microsoft.com/office/powerpoint/2010/main" showMasterPhAnim="0" showMasterSp="0">
+<p:notes xmlns:a="http://schemas.openxmlformats.org/drawingml/2006/main" xmlns:r="http://schemas.openxmlformats.org/officeDocument/2006/relationships" xmlns:p="http://schemas.openxmlformats.org/presentationml/2006/main" showMasterSp="0" showMasterPhAnim="0">
   <p:cSld>
     <p:spTree>
       <p:nvGrpSpPr>
-        <p:cNvPr id="107" name="Shape 107"/>
+        <p:cNvPr id="1" name="Shape 107"/>
         <p:cNvGrpSpPr/>
         <p:nvPr/>
       </p:nvGrpSpPr>
@@ -506,19 +630,26 @@
       <p:sp>
         <p:nvSpPr>
           <p:cNvPr id="108" name="Shape 108"/>
-          <p:cNvSpPr/>
+          <p:cNvSpPr>
+            <a:spLocks noGrp="1" noRot="1" noChangeAspect="1"/>
+          </p:cNvSpPr>
           <p:nvPr>
-            <p:ph idx="2" type="sldImg"/>
+            <p:ph type="sldImg" idx="2"/>
           </p:nvPr>
         </p:nvSpPr>
         <p:spPr>
           <a:xfrm>
-            <a:off x="381300" y="685800"/>
+            <a:off x="381000" y="685800"/>
             <a:ext cx="6096000" cy="3429000"/>
           </a:xfrm>
           <a:custGeom>
+            <a:avLst/>
+            <a:gdLst/>
+            <a:ahLst/>
+            <a:cxnLst/>
+            <a:rect l="0" t="0" r="0" b="0"/>
             <a:pathLst>
-              <a:path extrusionOk="0" h="120000" w="120000">
+              <a:path w="120000" h="120000" extrusionOk="0">
                 <a:moveTo>
                   <a:pt x="0" y="0"/>
                 </a:moveTo>
@@ -540,9 +671,11 @@
       <p:sp>
         <p:nvSpPr>
           <p:cNvPr id="109" name="Shape 109"/>
-          <p:cNvSpPr txBox="1"/>
+          <p:cNvSpPr txBox="1">
+            <a:spLocks noGrp="1"/>
+          </p:cNvSpPr>
           <p:nvPr>
-            <p:ph idx="1" type="body"/>
+            <p:ph type="body" idx="1"/>
           </p:nvPr>
         </p:nvSpPr>
         <p:spPr>
@@ -555,7 +688,7 @@
           </a:prstGeom>
         </p:spPr>
         <p:txBody>
-          <a:bodyPr anchorCtr="0" anchor="t" bIns="91425" lIns="91425" rIns="91425" tIns="91425">
+          <a:bodyPr lIns="91425" tIns="91425" rIns="91425" bIns="91425" anchor="t" anchorCtr="0">
             <a:noAutofit/>
           </a:bodyPr>
           <a:lstStyle/>
@@ -566,158 +699,16 @@
               </a:spcBef>
               <a:buNone/>
             </a:pPr>
-            <a:r>
-              <a:rPr lang="en"/>
-              <a:t>Joan</a:t>
-            </a:r>
-          </a:p>
-          <a:p>
-            <a:pPr lvl="0">
-              <a:spcBef>
-                <a:spcPts val="0"/>
-              </a:spcBef>
-              <a:buNone/>
-            </a:pPr>
-            <a:r>
-              <a:t/>
-            </a:r>
-            <a:endParaRPr/>
-          </a:p>
-          <a:p>
-            <a:pPr lvl="0">
-              <a:spcBef>
-                <a:spcPts val="0"/>
-              </a:spcBef>
-              <a:buNone/>
-            </a:pPr>
-            <a:r>
-              <a:rPr lang="en"/>
-              <a:t>Wanted a pretty interactive map -- looked into leaflet for a long time and tried to learn it</a:t>
-            </a:r>
-          </a:p>
-          <a:p>
-            <a:pPr lvl="0">
-              <a:spcBef>
-                <a:spcPts val="0"/>
-              </a:spcBef>
-              <a:buNone/>
-            </a:pPr>
-            <a:r>
-              <a:rPr lang="en"/>
-              <a:t>Then realized that in order to use Google places autocomplete, which we really wanted to improve user experience, needed to use a google map (per restrictions in their documentation)</a:t>
-            </a:r>
-          </a:p>
-          <a:p>
-            <a:pPr lvl="0">
-              <a:spcBef>
-                <a:spcPts val="0"/>
-              </a:spcBef>
-              <a:buNone/>
-            </a:pPr>
-            <a:r>
-              <a:rPr lang="en"/>
-              <a:t>-- Lesson: read documentation carefully earlier on </a:t>
-            </a:r>
-          </a:p>
-          <a:p>
-            <a:pPr lvl="0">
-              <a:spcBef>
-                <a:spcPts val="0"/>
-              </a:spcBef>
-              <a:buNone/>
-            </a:pPr>
-            <a:r>
-              <a:t/>
-            </a:r>
-            <a:endParaRPr/>
-          </a:p>
-          <a:p>
-            <a:pPr lvl="0">
-              <a:spcBef>
-                <a:spcPts val="0"/>
-              </a:spcBef>
-              <a:buNone/>
-            </a:pPr>
-            <a:r>
-              <a:rPr lang="en"/>
-              <a:t>Then, found great example</a:t>
-            </a:r>
-          </a:p>
-          <a:p>
-            <a:pPr lvl="0">
-              <a:spcBef>
-                <a:spcPts val="0"/>
-              </a:spcBef>
-              <a:buNone/>
-            </a:pPr>
-            <a:r>
-              <a:rPr lang="en"/>
-              <a:t>Understanding sample javascript</a:t>
-            </a:r>
-          </a:p>
-          <a:p>
-            <a:pPr lvl="0">
-              <a:spcBef>
-                <a:spcPts val="0"/>
-              </a:spcBef>
-              <a:buNone/>
-            </a:pPr>
-            <a:r>
-              <a:rPr lang="en"/>
-              <a:t>Trying to customize to django for our specific non-google needs</a:t>
-            </a:r>
-          </a:p>
-          <a:p>
-            <a:pPr lvl="0">
-              <a:spcBef>
-                <a:spcPts val="0"/>
-              </a:spcBef>
-              <a:buNone/>
-            </a:pPr>
-            <a:r>
-              <a:rPr lang="en"/>
-              <a:t>-- Lesson: taking samples is never as easy as it seems...</a:t>
-            </a:r>
-          </a:p>
-          <a:p>
-            <a:pPr lvl="0">
-              <a:spcBef>
-                <a:spcPts val="0"/>
-              </a:spcBef>
-              <a:buNone/>
-            </a:pPr>
-            <a:r>
-              <a:t/>
-            </a:r>
-            <a:endParaRPr/>
-          </a:p>
-          <a:p>
-            <a:pPr lvl="0">
-              <a:spcBef>
-                <a:spcPts val="0"/>
-              </a:spcBef>
-              <a:buNone/>
-            </a:pPr>
-            <a:r>
-              <a:rPr lang="en"/>
-              <a:t>Capturing form data to send to backend (filter) - pass on to Ari</a:t>
-            </a:r>
-          </a:p>
-          <a:p>
-            <a:pPr lvl="0">
-              <a:spcBef>
-                <a:spcPts val="0"/>
-              </a:spcBef>
-              <a:buNone/>
-            </a:pPr>
-            <a:r>
-              <a:t/>
-            </a:r>
-            <a:endParaRPr/>
+            <a:endParaRPr dirty="0"/>
           </a:p>
         </p:txBody>
       </p:sp>
     </p:spTree>
+    <p:extLst>
+      <p:ext uri="{BB962C8B-B14F-4D97-AF65-F5344CB8AC3E}">
+        <p14:creationId xmlns:p14="http://schemas.microsoft.com/office/powerpoint/2010/main" val="1809479037"/>
+      </p:ext>
+    </p:extLst>
   </p:cSld>
   <p:clrMapOvr>
     <a:masterClrMapping/>
@@ -726,11 +717,11 @@
 </file>
 
 <file path=ppt/notesSlides/notesSlide11.xml><?xml version="1.0" encoding="utf-8"?>
-<p:notes xmlns:a="http://schemas.openxmlformats.org/drawingml/2006/main" xmlns:r="http://schemas.openxmlformats.org/officeDocument/2006/relationships" xmlns:mc="http://schemas.openxmlformats.org/markup-compatibility/2006" xmlns:mv="urn:schemas-microsoft-com:mac:vml" xmlns:p="http://schemas.openxmlformats.org/presentationml/2006/main" xmlns:c="http://schemas.openxmlformats.org/drawingml/2006/chart" xmlns:dgm="http://schemas.openxmlformats.org/drawingml/2006/diagram" xmlns:o="urn:schemas-microsoft-com:office:office" xmlns:v="urn:schemas-microsoft-com:vml" xmlns:pvml="urn:schemas-microsoft-com:office:powerpoint" xmlns:com="http://schemas.openxmlformats.org/drawingml/2006/compatibility" xmlns:p14="http://schemas.microsoft.com/office/powerpoint/2010/main" showMasterPhAnim="0" showMasterSp="0">
+<p:notes xmlns:a="http://schemas.openxmlformats.org/drawingml/2006/main" xmlns:r="http://schemas.openxmlformats.org/officeDocument/2006/relationships" xmlns:p="http://schemas.openxmlformats.org/presentationml/2006/main" showMasterSp="0" showMasterPhAnim="0">
   <p:cSld>
     <p:spTree>
       <p:nvGrpSpPr>
-        <p:cNvPr id="113" name="Shape 113"/>
+        <p:cNvPr id="1" name="Shape 113"/>
         <p:cNvGrpSpPr/>
         <p:nvPr/>
       </p:nvGrpSpPr>
@@ -745,19 +736,26 @@
       <p:sp>
         <p:nvSpPr>
           <p:cNvPr id="114" name="Shape 114"/>
-          <p:cNvSpPr/>
+          <p:cNvSpPr>
+            <a:spLocks noGrp="1" noRot="1" noChangeAspect="1"/>
+          </p:cNvSpPr>
           <p:nvPr>
-            <p:ph idx="2" type="sldImg"/>
+            <p:ph type="sldImg" idx="2"/>
           </p:nvPr>
         </p:nvSpPr>
         <p:spPr>
           <a:xfrm>
-            <a:off x="381300" y="685800"/>
+            <a:off x="381000" y="685800"/>
             <a:ext cx="6096000" cy="3429000"/>
           </a:xfrm>
           <a:custGeom>
+            <a:avLst/>
+            <a:gdLst/>
+            <a:ahLst/>
+            <a:cxnLst/>
+            <a:rect l="0" t="0" r="0" b="0"/>
             <a:pathLst>
-              <a:path extrusionOk="0" h="120000" w="120000">
+              <a:path w="120000" h="120000" extrusionOk="0">
                 <a:moveTo>
                   <a:pt x="0" y="0"/>
                 </a:moveTo>
@@ -779,9 +777,11 @@
       <p:sp>
         <p:nvSpPr>
           <p:cNvPr id="115" name="Shape 115"/>
-          <p:cNvSpPr txBox="1"/>
+          <p:cNvSpPr txBox="1">
+            <a:spLocks noGrp="1"/>
+          </p:cNvSpPr>
           <p:nvPr>
-            <p:ph idx="1" type="body"/>
+            <p:ph type="body" idx="1"/>
           </p:nvPr>
         </p:nvSpPr>
         <p:spPr>
@@ -794,61 +794,27 @@
           </a:prstGeom>
         </p:spPr>
         <p:txBody>
-          <a:bodyPr anchorCtr="0" anchor="t" bIns="91425" lIns="91425" rIns="91425" tIns="91425">
+          <a:bodyPr lIns="91425" tIns="91425" rIns="91425" bIns="91425" anchor="t" anchorCtr="0">
             <a:noAutofit/>
           </a:bodyPr>
           <a:lstStyle/>
           <a:p>
-            <a:pPr lvl="0">
+            <a:pPr lvl="0" rtl="0">
               <a:spcBef>
                 <a:spcPts val="0"/>
               </a:spcBef>
               <a:buNone/>
             </a:pPr>
-            <a:r>
-              <a:rPr lang="en"/>
-              <a:t>One of the first challenges we considered -- How do we get a map to speak to a database</a:t>
-            </a:r>
-          </a:p>
-          <a:p>
-            <a:pPr lvl="0">
-              <a:spcBef>
-                <a:spcPts val="0"/>
-              </a:spcBef>
-              <a:buNone/>
-            </a:pPr>
-            <a:r>
-              <a:rPr lang="en"/>
-              <a:t>Background in using mapping software, so I had it in my head that we needed a geodatabase. </a:t>
-            </a:r>
-          </a:p>
-          <a:p>
-            <a:pPr lvl="0">
-              <a:spcBef>
-                <a:spcPts val="0"/>
-              </a:spcBef>
-              <a:buNone/>
-            </a:pPr>
-            <a:r>
-              <a:rPr lang="en"/>
-              <a:t>Desired outcome, do better than haversine function -- want to get data for whole map seen, let users zoom etc arbitrarily.</a:t>
-            </a:r>
-          </a:p>
-          <a:p>
-            <a:pPr lvl="0" rtl="0">
-              <a:spcBef>
-                <a:spcPts val="0"/>
-              </a:spcBef>
-              <a:buNone/>
-            </a:pPr>
-            <a:r>
-              <a:t/>
-            </a:r>
-            <a:endParaRPr/>
+            <a:endParaRPr dirty="0"/>
           </a:p>
         </p:txBody>
       </p:sp>
     </p:spTree>
+    <p:extLst>
+      <p:ext uri="{BB962C8B-B14F-4D97-AF65-F5344CB8AC3E}">
+        <p14:creationId xmlns:p14="http://schemas.microsoft.com/office/powerpoint/2010/main" val="1972800883"/>
+      </p:ext>
+    </p:extLst>
   </p:cSld>
   <p:clrMapOvr>
     <a:masterClrMapping/>
@@ -857,11 +823,11 @@
 </file>
 
 <file path=ppt/notesSlides/notesSlide12.xml><?xml version="1.0" encoding="utf-8"?>
-<p:notes xmlns:a="http://schemas.openxmlformats.org/drawingml/2006/main" xmlns:r="http://schemas.openxmlformats.org/officeDocument/2006/relationships" xmlns:mc="http://schemas.openxmlformats.org/markup-compatibility/2006" xmlns:mv="urn:schemas-microsoft-com:mac:vml" xmlns:p="http://schemas.openxmlformats.org/presentationml/2006/main" xmlns:c="http://schemas.openxmlformats.org/drawingml/2006/chart" xmlns:dgm="http://schemas.openxmlformats.org/drawingml/2006/diagram" xmlns:o="urn:schemas-microsoft-com:office:office" xmlns:v="urn:schemas-microsoft-com:vml" xmlns:pvml="urn:schemas-microsoft-com:office:powerpoint" xmlns:com="http://schemas.openxmlformats.org/drawingml/2006/compatibility" xmlns:p14="http://schemas.microsoft.com/office/powerpoint/2010/main" showMasterPhAnim="0" showMasterSp="0">
+<p:notes xmlns:a="http://schemas.openxmlformats.org/drawingml/2006/main" xmlns:r="http://schemas.openxmlformats.org/officeDocument/2006/relationships" xmlns:p="http://schemas.openxmlformats.org/presentationml/2006/main" showMasterSp="0" showMasterPhAnim="0">
   <p:cSld>
     <p:spTree>
       <p:nvGrpSpPr>
-        <p:cNvPr id="119" name="Shape 119"/>
+        <p:cNvPr id="1" name="Shape 119"/>
         <p:cNvGrpSpPr/>
         <p:nvPr/>
       </p:nvGrpSpPr>
@@ -876,19 +842,26 @@
       <p:sp>
         <p:nvSpPr>
           <p:cNvPr id="120" name="Shape 120"/>
-          <p:cNvSpPr/>
+          <p:cNvSpPr>
+            <a:spLocks noGrp="1" noRot="1" noChangeAspect="1"/>
+          </p:cNvSpPr>
           <p:nvPr>
-            <p:ph idx="2" type="sldImg"/>
+            <p:ph type="sldImg" idx="2"/>
           </p:nvPr>
         </p:nvSpPr>
         <p:spPr>
           <a:xfrm>
-            <a:off x="381300" y="685800"/>
+            <a:off x="381000" y="685800"/>
             <a:ext cx="6096000" cy="3429000"/>
           </a:xfrm>
           <a:custGeom>
+            <a:avLst/>
+            <a:gdLst/>
+            <a:ahLst/>
+            <a:cxnLst/>
+            <a:rect l="0" t="0" r="0" b="0"/>
             <a:pathLst>
-              <a:path extrusionOk="0" h="120000" w="120000">
+              <a:path w="120000" h="120000" extrusionOk="0">
                 <a:moveTo>
                   <a:pt x="0" y="0"/>
                 </a:moveTo>
@@ -910,9 +883,11 @@
       <p:sp>
         <p:nvSpPr>
           <p:cNvPr id="121" name="Shape 121"/>
-          <p:cNvSpPr txBox="1"/>
+          <p:cNvSpPr txBox="1">
+            <a:spLocks noGrp="1"/>
+          </p:cNvSpPr>
           <p:nvPr>
-            <p:ph idx="1" type="body"/>
+            <p:ph type="body" idx="1"/>
           </p:nvPr>
         </p:nvSpPr>
         <p:spPr>
@@ -925,7 +900,7 @@
           </a:prstGeom>
         </p:spPr>
         <p:txBody>
-          <a:bodyPr anchorCtr="0" anchor="t" bIns="91425" lIns="91425" rIns="91425" tIns="91425">
+          <a:bodyPr lIns="91425" tIns="91425" rIns="91425" bIns="91425" anchor="t" anchorCtr="0">
             <a:noAutofit/>
           </a:bodyPr>
           <a:lstStyle/>
@@ -936,62 +911,16 @@
               </a:spcBef>
               <a:buNone/>
             </a:pPr>
-            <a:r>
-              <a:rPr lang="en"/>
-              <a:t>Emma</a:t>
-            </a:r>
-          </a:p>
-          <a:p>
-            <a:pPr lvl="0">
-              <a:spcBef>
-                <a:spcPts val="0"/>
-              </a:spcBef>
-              <a:buNone/>
-            </a:pPr>
-            <a:r>
-              <a:t/>
-            </a:r>
-            <a:endParaRPr/>
-          </a:p>
-          <a:p>
-            <a:pPr indent="-228600" lvl="0" marL="457200" rtl="0">
-              <a:spcBef>
-                <a:spcPts val="0"/>
-              </a:spcBef>
-              <a:buChar char="-"/>
-            </a:pPr>
-            <a:r>
-              <a:rPr lang="en"/>
-              <a:t>Grocery list page and price submission page require taking user input and pulling data from the database and then updating the page that the user is interacting with</a:t>
-            </a:r>
-          </a:p>
-          <a:p>
-            <a:pPr indent="-228600" lvl="0" marL="457200" rtl="0">
-              <a:spcBef>
-                <a:spcPts val="0"/>
-              </a:spcBef>
-              <a:buChar char="-"/>
-            </a:pPr>
-            <a:r>
-              <a:rPr lang="en"/>
-              <a:t>Javascript/ajax: ability to access the information currently on the page and update it immediately based on the user’s selections</a:t>
-            </a:r>
-          </a:p>
-          <a:p>
-            <a:pPr indent="-228600" lvl="0" marL="457200">
-              <a:spcBef>
-                <a:spcPts val="0"/>
-              </a:spcBef>
-              <a:buChar char="-"/>
-            </a:pPr>
-            <a:r>
-              <a:rPr lang="en"/>
-              <a:t>Utilized console log messages and print statements in various places in the code in order to help visualize the process and understand where it’s getting stuck</a:t>
-            </a:r>
+            <a:endParaRPr lang="en" dirty="0"/>
           </a:p>
         </p:txBody>
       </p:sp>
     </p:spTree>
+    <p:extLst>
+      <p:ext uri="{BB962C8B-B14F-4D97-AF65-F5344CB8AC3E}">
+        <p14:creationId xmlns:p14="http://schemas.microsoft.com/office/powerpoint/2010/main" val="142279974"/>
+      </p:ext>
+    </p:extLst>
   </p:cSld>
   <p:clrMapOvr>
     <a:masterClrMapping/>
@@ -1000,11 +929,11 @@
 </file>
 
 <file path=ppt/notesSlides/notesSlide13.xml><?xml version="1.0" encoding="utf-8"?>
-<p:notes xmlns:a="http://schemas.openxmlformats.org/drawingml/2006/main" xmlns:r="http://schemas.openxmlformats.org/officeDocument/2006/relationships" xmlns:mc="http://schemas.openxmlformats.org/markup-compatibility/2006" xmlns:mv="urn:schemas-microsoft-com:mac:vml" xmlns:p="http://schemas.openxmlformats.org/presentationml/2006/main" xmlns:c="http://schemas.openxmlformats.org/drawingml/2006/chart" xmlns:dgm="http://schemas.openxmlformats.org/drawingml/2006/diagram" xmlns:o="urn:schemas-microsoft-com:office:office" xmlns:v="urn:schemas-microsoft-com:vml" xmlns:pvml="urn:schemas-microsoft-com:office:powerpoint" xmlns:com="http://schemas.openxmlformats.org/drawingml/2006/compatibility" xmlns:p14="http://schemas.microsoft.com/office/powerpoint/2010/main" showMasterPhAnim="0" showMasterSp="0">
+<p:notes xmlns:a="http://schemas.openxmlformats.org/drawingml/2006/main" xmlns:r="http://schemas.openxmlformats.org/officeDocument/2006/relationships" xmlns:p="http://schemas.openxmlformats.org/presentationml/2006/main" showMasterSp="0" showMasterPhAnim="0">
   <p:cSld>
     <p:spTree>
       <p:nvGrpSpPr>
-        <p:cNvPr id="126" name="Shape 126"/>
+        <p:cNvPr id="1" name="Shape 126"/>
         <p:cNvGrpSpPr/>
         <p:nvPr/>
       </p:nvGrpSpPr>
@@ -1019,19 +948,26 @@
       <p:sp>
         <p:nvSpPr>
           <p:cNvPr id="127" name="Shape 127"/>
-          <p:cNvSpPr/>
+          <p:cNvSpPr>
+            <a:spLocks noGrp="1" noRot="1" noChangeAspect="1"/>
+          </p:cNvSpPr>
           <p:nvPr>
-            <p:ph idx="2" type="sldImg"/>
+            <p:ph type="sldImg" idx="2"/>
           </p:nvPr>
         </p:nvSpPr>
         <p:spPr>
           <a:xfrm>
-            <a:off x="381300" y="685800"/>
+            <a:off x="381000" y="685800"/>
             <a:ext cx="6096000" cy="3429000"/>
           </a:xfrm>
           <a:custGeom>
+            <a:avLst/>
+            <a:gdLst/>
+            <a:ahLst/>
+            <a:cxnLst/>
+            <a:rect l="0" t="0" r="0" b="0"/>
             <a:pathLst>
-              <a:path extrusionOk="0" h="120000" w="120000">
+              <a:path w="120000" h="120000" extrusionOk="0">
                 <a:moveTo>
                   <a:pt x="0" y="0"/>
                 </a:moveTo>
@@ -1053,9 +989,11 @@
       <p:sp>
         <p:nvSpPr>
           <p:cNvPr id="128" name="Shape 128"/>
-          <p:cNvSpPr txBox="1"/>
+          <p:cNvSpPr txBox="1">
+            <a:spLocks noGrp="1"/>
+          </p:cNvSpPr>
           <p:nvPr>
-            <p:ph idx="1" type="body"/>
+            <p:ph type="body" idx="1"/>
           </p:nvPr>
         </p:nvSpPr>
         <p:spPr>
@@ -1068,169 +1006,27 @@
           </a:prstGeom>
         </p:spPr>
         <p:txBody>
-          <a:bodyPr anchorCtr="0" anchor="t" bIns="91425" lIns="91425" rIns="91425" tIns="91425">
+          <a:bodyPr lIns="91425" tIns="91425" rIns="91425" bIns="91425" anchor="t" anchorCtr="0">
             <a:noAutofit/>
           </a:bodyPr>
           <a:lstStyle/>
           <a:p>
-            <a:pPr indent="-228600" lvl="0" marL="457200">
+            <a:pPr marL="457200" lvl="0" indent="-228600">
               <a:spcBef>
                 <a:spcPts val="0"/>
               </a:spcBef>
               <a:buAutoNum type="arabicParenR"/>
             </a:pPr>
-            <a:r>
-              <a:rPr lang="en"/>
-              <a:t>Record linkage, remove duplicates, add website for Farmer’s Market or when data not available, </a:t>
-            </a:r>
-          </a:p>
-          <a:p>
-            <a:pPr indent="-228600" lvl="0" marL="457200">
-              <a:spcBef>
-                <a:spcPts val="0"/>
-              </a:spcBef>
-              <a:buAutoNum type="arabicParenR"/>
-            </a:pPr>
-            <a:r>
-              <a:rPr lang="en"/>
-              <a:t>user input to recalculate prices for individual stores and multipliers for categories, </a:t>
-            </a:r>
-          </a:p>
-          <a:p>
-            <a:pPr indent="457200" lvl="0">
-              <a:spcBef>
-                <a:spcPts val="0"/>
-              </a:spcBef>
-              <a:buNone/>
-            </a:pPr>
-            <a:r>
-              <a:rPr lang="en"/>
-              <a:t>-user input to indicate whether stores not in business</a:t>
-            </a:r>
-          </a:p>
-          <a:p>
-            <a:pPr indent="457200" lvl="0" rtl="0">
-              <a:spcBef>
-                <a:spcPts val="0"/>
-              </a:spcBef>
-              <a:buNone/>
-            </a:pPr>
-            <a:r>
-              <a:rPr lang="en"/>
-              <a:t>-user input to indicate fresh produce or relevant specials (e.g. bargain produce)</a:t>
-            </a:r>
-          </a:p>
-          <a:p>
-            <a:pPr indent="457200" lvl="0" rtl="0">
-              <a:spcBef>
-                <a:spcPts val="0"/>
-              </a:spcBef>
-              <a:buNone/>
-            </a:pPr>
-            <a:r>
-              <a:rPr lang="en"/>
-              <a:t>- user input to determine the correct store prices (weight more recent data points more</a:t>
-            </a:r>
-          </a:p>
-          <a:p>
-            <a:pPr indent="0" lvl="0" marL="0" rtl="0">
-              <a:spcBef>
-                <a:spcPts val="0"/>
-              </a:spcBef>
-              <a:buNone/>
-            </a:pPr>
-            <a:r>
-              <a:rPr lang="en"/>
-              <a:t>3) determine foods typically available for each type of store (field research)? </a:t>
-            </a:r>
-          </a:p>
-          <a:p>
-            <a:pPr indent="0" lvl="0" marL="0" rtl="0">
-              <a:spcBef>
-                <a:spcPts val="0"/>
-              </a:spcBef>
-              <a:buNone/>
-            </a:pPr>
-            <a:r>
-              <a:rPr lang="en"/>
-              <a:t>	-more reasonable units for foods (e.g. oz vs lbs) </a:t>
-            </a:r>
-          </a:p>
-          <a:p>
-            <a:pPr indent="0" lvl="0" marL="0" rtl="0">
-              <a:spcBef>
-                <a:spcPts val="0"/>
-              </a:spcBef>
-              <a:buNone/>
-            </a:pPr>
-            <a:r>
-              <a:rPr lang="en"/>
-              <a:t>	-user input for special exceptions</a:t>
-            </a:r>
-          </a:p>
-          <a:p>
-            <a:pPr indent="0" lvl="0" marL="0" rtl="0">
-              <a:spcBef>
-                <a:spcPts val="0"/>
-              </a:spcBef>
-              <a:buNone/>
-            </a:pPr>
-            <a:r>
-              <a:rPr lang="en"/>
-              <a:t>	-Use city-specific CPI data</a:t>
-            </a:r>
-          </a:p>
-          <a:p>
-            <a:pPr indent="0" lvl="0" marL="0" rtl="0">
-              <a:spcBef>
-                <a:spcPts val="0"/>
-              </a:spcBef>
-              <a:buNone/>
-            </a:pPr>
-            <a:r>
-              <a:rPr lang="en"/>
-              <a:t>5) make a wedapp that people can actually use</a:t>
-            </a:r>
-          </a:p>
-          <a:p>
-            <a:pPr indent="0" lvl="0" marL="0" rtl="0">
-              <a:spcBef>
-                <a:spcPts val="0"/>
-              </a:spcBef>
-              <a:buNone/>
-            </a:pPr>
-            <a:r>
-              <a:t/>
-            </a:r>
-            <a:endParaRPr/>
-          </a:p>
-          <a:p>
-            <a:pPr indent="0" lvl="0" marL="0" rtl="0">
-              <a:spcBef>
-                <a:spcPts val="0"/>
-              </a:spcBef>
-              <a:buNone/>
-            </a:pPr>
-            <a:r>
-              <a:rPr lang="en"/>
-              <a:t>Automatic refreshing: Google Places info, USDA prices, </a:t>
-            </a:r>
-          </a:p>
-          <a:p>
-            <a:pPr indent="0" lvl="0" marL="0" rtl="0">
-              <a:spcBef>
-                <a:spcPts val="0"/>
-              </a:spcBef>
-              <a:buNone/>
-            </a:pPr>
-            <a:r>
-              <a:rPr lang="en"/>
-              <a:t>Jazz</a:t>
-            </a:r>
+            <a:endParaRPr lang="en" dirty="0"/>
           </a:p>
         </p:txBody>
       </p:sp>
     </p:spTree>
+    <p:extLst>
+      <p:ext uri="{BB962C8B-B14F-4D97-AF65-F5344CB8AC3E}">
+        <p14:creationId xmlns:p14="http://schemas.microsoft.com/office/powerpoint/2010/main" val="2613445668"/>
+      </p:ext>
+    </p:extLst>
   </p:cSld>
   <p:clrMapOvr>
     <a:masterClrMapping/>
@@ -1239,11 +1035,11 @@
 </file>
 
 <file path=ppt/notesSlides/notesSlide14.xml><?xml version="1.0" encoding="utf-8"?>
-<p:notes xmlns:a="http://schemas.openxmlformats.org/drawingml/2006/main" xmlns:r="http://schemas.openxmlformats.org/officeDocument/2006/relationships" xmlns:mc="http://schemas.openxmlformats.org/markup-compatibility/2006" xmlns:mv="urn:schemas-microsoft-com:mac:vml" xmlns:p="http://schemas.openxmlformats.org/presentationml/2006/main" xmlns:c="http://schemas.openxmlformats.org/drawingml/2006/chart" xmlns:dgm="http://schemas.openxmlformats.org/drawingml/2006/diagram" xmlns:o="urn:schemas-microsoft-com:office:office" xmlns:v="urn:schemas-microsoft-com:vml" xmlns:pvml="urn:schemas-microsoft-com:office:powerpoint" xmlns:com="http://schemas.openxmlformats.org/drawingml/2006/compatibility" xmlns:p14="http://schemas.microsoft.com/office/powerpoint/2010/main" showMasterPhAnim="0" showMasterSp="0">
+<p:notes xmlns:a="http://schemas.openxmlformats.org/drawingml/2006/main" xmlns:r="http://schemas.openxmlformats.org/officeDocument/2006/relationships" xmlns:p="http://schemas.openxmlformats.org/presentationml/2006/main" showMasterSp="0" showMasterPhAnim="0">
   <p:cSld>
     <p:spTree>
       <p:nvGrpSpPr>
-        <p:cNvPr id="132" name="Shape 132"/>
+        <p:cNvPr id="1" name="Shape 132"/>
         <p:cNvGrpSpPr/>
         <p:nvPr/>
       </p:nvGrpSpPr>
@@ -1258,19 +1054,26 @@
       <p:sp>
         <p:nvSpPr>
           <p:cNvPr id="133" name="Shape 133"/>
-          <p:cNvSpPr/>
+          <p:cNvSpPr>
+            <a:spLocks noGrp="1" noRot="1" noChangeAspect="1"/>
+          </p:cNvSpPr>
           <p:nvPr>
-            <p:ph idx="2" type="sldImg"/>
+            <p:ph type="sldImg" idx="2"/>
           </p:nvPr>
         </p:nvSpPr>
         <p:spPr>
           <a:xfrm>
-            <a:off x="381300" y="685800"/>
+            <a:off x="381000" y="685800"/>
             <a:ext cx="6096000" cy="3429000"/>
           </a:xfrm>
           <a:custGeom>
+            <a:avLst/>
+            <a:gdLst/>
+            <a:ahLst/>
+            <a:cxnLst/>
+            <a:rect l="0" t="0" r="0" b="0"/>
             <a:pathLst>
-              <a:path extrusionOk="0" h="120000" w="120000">
+              <a:path w="120000" h="120000" extrusionOk="0">
                 <a:moveTo>
                   <a:pt x="0" y="0"/>
                 </a:moveTo>
@@ -1292,9 +1095,11 @@
       <p:sp>
         <p:nvSpPr>
           <p:cNvPr id="134" name="Shape 134"/>
-          <p:cNvSpPr txBox="1"/>
+          <p:cNvSpPr txBox="1">
+            <a:spLocks noGrp="1"/>
+          </p:cNvSpPr>
           <p:nvPr>
-            <p:ph idx="1" type="body"/>
+            <p:ph type="body" idx="1"/>
           </p:nvPr>
         </p:nvSpPr>
         <p:spPr>
@@ -1307,7 +1112,7 @@
           </a:prstGeom>
         </p:spPr>
         <p:txBody>
-          <a:bodyPr anchorCtr="0" anchor="t" bIns="91425" lIns="91425" rIns="91425" tIns="91425">
+          <a:bodyPr lIns="91425" tIns="91425" rIns="91425" bIns="91425" anchor="t" anchorCtr="0">
             <a:noAutofit/>
           </a:bodyPr>
           <a:lstStyle/>
@@ -1318,14 +1123,16 @@
               </a:spcBef>
               <a:buNone/>
             </a:pPr>
-            <a:r>
-              <a:t/>
-            </a:r>
             <a:endParaRPr/>
           </a:p>
         </p:txBody>
       </p:sp>
     </p:spTree>
+    <p:extLst>
+      <p:ext uri="{BB962C8B-B14F-4D97-AF65-F5344CB8AC3E}">
+        <p14:creationId xmlns:p14="http://schemas.microsoft.com/office/powerpoint/2010/main" val="3497479035"/>
+      </p:ext>
+    </p:extLst>
   </p:cSld>
   <p:clrMapOvr>
     <a:masterClrMapping/>
@@ -1334,11 +1141,11 @@
 </file>
 
 <file path=ppt/notesSlides/notesSlide2.xml><?xml version="1.0" encoding="utf-8"?>
-<p:notes xmlns:a="http://schemas.openxmlformats.org/drawingml/2006/main" xmlns:r="http://schemas.openxmlformats.org/officeDocument/2006/relationships" xmlns:mc="http://schemas.openxmlformats.org/markup-compatibility/2006" xmlns:mv="urn:schemas-microsoft-com:mac:vml" xmlns:p="http://schemas.openxmlformats.org/presentationml/2006/main" xmlns:c="http://schemas.openxmlformats.org/drawingml/2006/chart" xmlns:dgm="http://schemas.openxmlformats.org/drawingml/2006/diagram" xmlns:o="urn:schemas-microsoft-com:office:office" xmlns:v="urn:schemas-microsoft-com:vml" xmlns:pvml="urn:schemas-microsoft-com:office:powerpoint" xmlns:com="http://schemas.openxmlformats.org/drawingml/2006/compatibility" xmlns:p14="http://schemas.microsoft.com/office/powerpoint/2010/main" showMasterPhAnim="0" showMasterSp="0">
+<p:notes xmlns:a="http://schemas.openxmlformats.org/drawingml/2006/main" xmlns:r="http://schemas.openxmlformats.org/officeDocument/2006/relationships" xmlns:p="http://schemas.openxmlformats.org/presentationml/2006/main" showMasterSp="0" showMasterPhAnim="0">
   <p:cSld>
     <p:spTree>
       <p:nvGrpSpPr>
-        <p:cNvPr id="58" name="Shape 58"/>
+        <p:cNvPr id="1" name="Shape 58"/>
         <p:cNvGrpSpPr/>
         <p:nvPr/>
       </p:nvGrpSpPr>
@@ -1353,19 +1160,26 @@
       <p:sp>
         <p:nvSpPr>
           <p:cNvPr id="59" name="Shape 59"/>
-          <p:cNvSpPr/>
+          <p:cNvSpPr>
+            <a:spLocks noGrp="1" noRot="1" noChangeAspect="1"/>
+          </p:cNvSpPr>
           <p:nvPr>
-            <p:ph idx="2" type="sldImg"/>
+            <p:ph type="sldImg" idx="2"/>
           </p:nvPr>
         </p:nvSpPr>
         <p:spPr>
           <a:xfrm>
-            <a:off x="381300" y="685800"/>
+            <a:off x="381000" y="685800"/>
             <a:ext cx="6096000" cy="3429000"/>
           </a:xfrm>
           <a:custGeom>
+            <a:avLst/>
+            <a:gdLst/>
+            <a:ahLst/>
+            <a:cxnLst/>
+            <a:rect l="0" t="0" r="0" b="0"/>
             <a:pathLst>
-              <a:path extrusionOk="0" h="120000" w="120000">
+              <a:path w="120000" h="120000" extrusionOk="0">
                 <a:moveTo>
                   <a:pt x="0" y="0"/>
                 </a:moveTo>
@@ -1387,9 +1201,11 @@
       <p:sp>
         <p:nvSpPr>
           <p:cNvPr id="60" name="Shape 60"/>
-          <p:cNvSpPr txBox="1"/>
+          <p:cNvSpPr txBox="1">
+            <a:spLocks noGrp="1"/>
+          </p:cNvSpPr>
           <p:nvPr>
-            <p:ph idx="1" type="body"/>
+            <p:ph type="body" idx="1"/>
           </p:nvPr>
         </p:nvSpPr>
         <p:spPr>
@@ -1402,7 +1218,7 @@
           </a:prstGeom>
         </p:spPr>
         <p:txBody>
-          <a:bodyPr anchorCtr="0" anchor="t" bIns="91425" lIns="91425" rIns="91425" tIns="91425">
+          <a:bodyPr lIns="91425" tIns="91425" rIns="91425" bIns="91425" anchor="t" anchorCtr="0">
             <a:noAutofit/>
           </a:bodyPr>
           <a:lstStyle/>
@@ -1413,14 +1229,16 @@
               </a:spcBef>
               <a:buNone/>
             </a:pPr>
-            <a:r>
-              <a:rPr lang="en"/>
-              <a:t>Jazz</a:t>
-            </a:r>
+            <a:endParaRPr lang="en" dirty="0"/>
           </a:p>
         </p:txBody>
       </p:sp>
     </p:spTree>
+    <p:extLst>
+      <p:ext uri="{BB962C8B-B14F-4D97-AF65-F5344CB8AC3E}">
+        <p14:creationId xmlns:p14="http://schemas.microsoft.com/office/powerpoint/2010/main" val="1630687021"/>
+      </p:ext>
+    </p:extLst>
   </p:cSld>
   <p:clrMapOvr>
     <a:masterClrMapping/>
@@ -1429,11 +1247,11 @@
 </file>
 
 <file path=ppt/notesSlides/notesSlide3.xml><?xml version="1.0" encoding="utf-8"?>
-<p:notes xmlns:a="http://schemas.openxmlformats.org/drawingml/2006/main" xmlns:r="http://schemas.openxmlformats.org/officeDocument/2006/relationships" xmlns:mc="http://schemas.openxmlformats.org/markup-compatibility/2006" xmlns:mv="urn:schemas-microsoft-com:mac:vml" xmlns:p="http://schemas.openxmlformats.org/presentationml/2006/main" xmlns:c="http://schemas.openxmlformats.org/drawingml/2006/chart" xmlns:dgm="http://schemas.openxmlformats.org/drawingml/2006/diagram" xmlns:o="urn:schemas-microsoft-com:office:office" xmlns:v="urn:schemas-microsoft-com:vml" xmlns:pvml="urn:schemas-microsoft-com:office:powerpoint" xmlns:com="http://schemas.openxmlformats.org/drawingml/2006/compatibility" xmlns:p14="http://schemas.microsoft.com/office/powerpoint/2010/main" showMasterPhAnim="0" showMasterSp="0">
+<p:notes xmlns:a="http://schemas.openxmlformats.org/drawingml/2006/main" xmlns:r="http://schemas.openxmlformats.org/officeDocument/2006/relationships" xmlns:p="http://schemas.openxmlformats.org/presentationml/2006/main" showMasterSp="0" showMasterPhAnim="0">
   <p:cSld>
     <p:spTree>
       <p:nvGrpSpPr>
-        <p:cNvPr id="64" name="Shape 64"/>
+        <p:cNvPr id="1" name="Shape 64"/>
         <p:cNvGrpSpPr/>
         <p:nvPr/>
       </p:nvGrpSpPr>
@@ -1448,19 +1266,26 @@
       <p:sp>
         <p:nvSpPr>
           <p:cNvPr id="65" name="Shape 65"/>
-          <p:cNvSpPr/>
+          <p:cNvSpPr>
+            <a:spLocks noGrp="1" noRot="1" noChangeAspect="1"/>
+          </p:cNvSpPr>
           <p:nvPr>
-            <p:ph idx="2" type="sldImg"/>
+            <p:ph type="sldImg" idx="2"/>
           </p:nvPr>
         </p:nvSpPr>
         <p:spPr>
           <a:xfrm>
-            <a:off x="381300" y="685800"/>
+            <a:off x="381000" y="685800"/>
             <a:ext cx="6096000" cy="3429000"/>
           </a:xfrm>
           <a:custGeom>
+            <a:avLst/>
+            <a:gdLst/>
+            <a:ahLst/>
+            <a:cxnLst/>
+            <a:rect l="0" t="0" r="0" b="0"/>
             <a:pathLst>
-              <a:path extrusionOk="0" h="120000" w="120000">
+              <a:path w="120000" h="120000" extrusionOk="0">
                 <a:moveTo>
                   <a:pt x="0" y="0"/>
                 </a:moveTo>
@@ -1482,9 +1307,11 @@
       <p:sp>
         <p:nvSpPr>
           <p:cNvPr id="66" name="Shape 66"/>
-          <p:cNvSpPr txBox="1"/>
+          <p:cNvSpPr txBox="1">
+            <a:spLocks noGrp="1"/>
+          </p:cNvSpPr>
           <p:nvPr>
-            <p:ph idx="1" type="body"/>
+            <p:ph type="body" idx="1"/>
           </p:nvPr>
         </p:nvSpPr>
         <p:spPr>
@@ -1497,7 +1324,7 @@
           </a:prstGeom>
         </p:spPr>
         <p:txBody>
-          <a:bodyPr anchorCtr="0" anchor="t" bIns="91425" lIns="91425" rIns="91425" tIns="91425">
+          <a:bodyPr lIns="91425" tIns="91425" rIns="91425" bIns="91425" anchor="t" anchorCtr="0">
             <a:noAutofit/>
           </a:bodyPr>
           <a:lstStyle/>
@@ -1508,14 +1335,16 @@
               </a:spcBef>
               <a:buNone/>
             </a:pPr>
-            <a:r>
-              <a:rPr lang="en"/>
-              <a:t>Jazz</a:t>
-            </a:r>
+            <a:endParaRPr lang="en" dirty="0"/>
           </a:p>
         </p:txBody>
       </p:sp>
     </p:spTree>
+    <p:extLst>
+      <p:ext uri="{BB962C8B-B14F-4D97-AF65-F5344CB8AC3E}">
+        <p14:creationId xmlns:p14="http://schemas.microsoft.com/office/powerpoint/2010/main" val="2273278949"/>
+      </p:ext>
+    </p:extLst>
   </p:cSld>
   <p:clrMapOvr>
     <a:masterClrMapping/>
@@ -1524,11 +1353,11 @@
 </file>
 
 <file path=ppt/notesSlides/notesSlide4.xml><?xml version="1.0" encoding="utf-8"?>
-<p:notes xmlns:a="http://schemas.openxmlformats.org/drawingml/2006/main" xmlns:r="http://schemas.openxmlformats.org/officeDocument/2006/relationships" xmlns:mc="http://schemas.openxmlformats.org/markup-compatibility/2006" xmlns:mv="urn:schemas-microsoft-com:mac:vml" xmlns:p="http://schemas.openxmlformats.org/presentationml/2006/main" xmlns:c="http://schemas.openxmlformats.org/drawingml/2006/chart" xmlns:dgm="http://schemas.openxmlformats.org/drawingml/2006/diagram" xmlns:o="urn:schemas-microsoft-com:office:office" xmlns:v="urn:schemas-microsoft-com:vml" xmlns:pvml="urn:schemas-microsoft-com:office:powerpoint" xmlns:com="http://schemas.openxmlformats.org/drawingml/2006/compatibility" xmlns:p14="http://schemas.microsoft.com/office/powerpoint/2010/main" showMasterPhAnim="0" showMasterSp="0">
+<p:notes xmlns:a="http://schemas.openxmlformats.org/drawingml/2006/main" xmlns:r="http://schemas.openxmlformats.org/officeDocument/2006/relationships" xmlns:p="http://schemas.openxmlformats.org/presentationml/2006/main" showMasterSp="0" showMasterPhAnim="0">
   <p:cSld>
     <p:spTree>
       <p:nvGrpSpPr>
-        <p:cNvPr id="70" name="Shape 70"/>
+        <p:cNvPr id="1" name="Shape 70"/>
         <p:cNvGrpSpPr/>
         <p:nvPr/>
       </p:nvGrpSpPr>
@@ -1543,19 +1372,26 @@
       <p:sp>
         <p:nvSpPr>
           <p:cNvPr id="71" name="Shape 71"/>
-          <p:cNvSpPr/>
+          <p:cNvSpPr>
+            <a:spLocks noGrp="1" noRot="1" noChangeAspect="1"/>
+          </p:cNvSpPr>
           <p:nvPr>
-            <p:ph idx="2" type="sldImg"/>
+            <p:ph type="sldImg" idx="2"/>
           </p:nvPr>
         </p:nvSpPr>
         <p:spPr>
           <a:xfrm>
-            <a:off x="381300" y="685800"/>
+            <a:off x="381000" y="685800"/>
             <a:ext cx="6096000" cy="3429000"/>
           </a:xfrm>
           <a:custGeom>
+            <a:avLst/>
+            <a:gdLst/>
+            <a:ahLst/>
+            <a:cxnLst/>
+            <a:rect l="0" t="0" r="0" b="0"/>
             <a:pathLst>
-              <a:path extrusionOk="0" h="120000" w="120000">
+              <a:path w="120000" h="120000" extrusionOk="0">
                 <a:moveTo>
                   <a:pt x="0" y="0"/>
                 </a:moveTo>
@@ -1577,9 +1413,11 @@
       <p:sp>
         <p:nvSpPr>
           <p:cNvPr id="72" name="Shape 72"/>
-          <p:cNvSpPr txBox="1"/>
+          <p:cNvSpPr txBox="1">
+            <a:spLocks noGrp="1"/>
+          </p:cNvSpPr>
           <p:nvPr>
-            <p:ph idx="1" type="body"/>
+            <p:ph type="body" idx="1"/>
           </p:nvPr>
         </p:nvSpPr>
         <p:spPr>
@@ -1592,7 +1430,7 @@
           </a:prstGeom>
         </p:spPr>
         <p:txBody>
-          <a:bodyPr anchorCtr="0" anchor="t" bIns="91425" lIns="91425" rIns="91425" tIns="91425">
+          <a:bodyPr lIns="91425" tIns="91425" rIns="91425" bIns="91425" anchor="t" anchorCtr="0">
             <a:noAutofit/>
           </a:bodyPr>
           <a:lstStyle/>
@@ -1603,62 +1441,16 @@
               </a:spcBef>
               <a:buNone/>
             </a:pPr>
-            <a:r>
-              <a:rPr lang="en"/>
-              <a:t>-Talk about how Charlie said there’s a need for it</a:t>
-            </a:r>
-          </a:p>
-          <a:p>
-            <a:pPr lvl="0">
-              <a:spcBef>
-                <a:spcPts val="0"/>
-              </a:spcBef>
-              <a:buNone/>
-            </a:pPr>
-            <a:r>
-              <a:rPr lang="en"/>
-              <a:t>-input from reddit</a:t>
-            </a:r>
-          </a:p>
-          <a:p>
-            <a:pPr lvl="0">
-              <a:spcBef>
-                <a:spcPts val="0"/>
-              </a:spcBef>
-              <a:buNone/>
-            </a:pPr>
-            <a:r>
-              <a:rPr lang="en"/>
-              <a:t>-based on easily available data </a:t>
-            </a:r>
-          </a:p>
-          <a:p>
-            <a:pPr lvl="0">
-              <a:spcBef>
-                <a:spcPts val="0"/>
-              </a:spcBef>
-              <a:buNone/>
-            </a:pPr>
-            <a:r>
-              <a:t/>
-            </a:r>
-            <a:endParaRPr/>
-          </a:p>
-          <a:p>
-            <a:pPr lvl="0">
-              <a:spcBef>
-                <a:spcPts val="0"/>
-              </a:spcBef>
-              <a:buNone/>
-            </a:pPr>
-            <a:r>
-              <a:rPr lang="en"/>
-              <a:t>Jazz</a:t>
-            </a:r>
+            <a:endParaRPr lang="en" dirty="0"/>
           </a:p>
         </p:txBody>
       </p:sp>
     </p:spTree>
+    <p:extLst>
+      <p:ext uri="{BB962C8B-B14F-4D97-AF65-F5344CB8AC3E}">
+        <p14:creationId xmlns:p14="http://schemas.microsoft.com/office/powerpoint/2010/main" val="1860890382"/>
+      </p:ext>
+    </p:extLst>
   </p:cSld>
   <p:clrMapOvr>
     <a:masterClrMapping/>
@@ -1667,11 +1459,11 @@
 </file>
 
 <file path=ppt/notesSlides/notesSlide5.xml><?xml version="1.0" encoding="utf-8"?>
-<p:notes xmlns:a="http://schemas.openxmlformats.org/drawingml/2006/main" xmlns:r="http://schemas.openxmlformats.org/officeDocument/2006/relationships" xmlns:mc="http://schemas.openxmlformats.org/markup-compatibility/2006" xmlns:mv="urn:schemas-microsoft-com:mac:vml" xmlns:p="http://schemas.openxmlformats.org/presentationml/2006/main" xmlns:c="http://schemas.openxmlformats.org/drawingml/2006/chart" xmlns:dgm="http://schemas.openxmlformats.org/drawingml/2006/diagram" xmlns:o="urn:schemas-microsoft-com:office:office" xmlns:v="urn:schemas-microsoft-com:vml" xmlns:pvml="urn:schemas-microsoft-com:office:powerpoint" xmlns:com="http://schemas.openxmlformats.org/drawingml/2006/compatibility" xmlns:p14="http://schemas.microsoft.com/office/powerpoint/2010/main" showMasterPhAnim="0" showMasterSp="0">
+<p:notes xmlns:a="http://schemas.openxmlformats.org/drawingml/2006/main" xmlns:r="http://schemas.openxmlformats.org/officeDocument/2006/relationships" xmlns:p="http://schemas.openxmlformats.org/presentationml/2006/main" showMasterSp="0" showMasterPhAnim="0">
   <p:cSld>
     <p:spTree>
       <p:nvGrpSpPr>
-        <p:cNvPr id="76" name="Shape 76"/>
+        <p:cNvPr id="1" name="Shape 76"/>
         <p:cNvGrpSpPr/>
         <p:nvPr/>
       </p:nvGrpSpPr>
@@ -1686,19 +1478,26 @@
       <p:sp>
         <p:nvSpPr>
           <p:cNvPr id="77" name="Shape 77"/>
-          <p:cNvSpPr/>
+          <p:cNvSpPr>
+            <a:spLocks noGrp="1" noRot="1" noChangeAspect="1"/>
+          </p:cNvSpPr>
           <p:nvPr>
-            <p:ph idx="2" type="sldImg"/>
+            <p:ph type="sldImg" idx="2"/>
           </p:nvPr>
         </p:nvSpPr>
         <p:spPr>
           <a:xfrm>
-            <a:off x="381300" y="685800"/>
+            <a:off x="381000" y="685800"/>
             <a:ext cx="6096000" cy="3429000"/>
           </a:xfrm>
           <a:custGeom>
+            <a:avLst/>
+            <a:gdLst/>
+            <a:ahLst/>
+            <a:cxnLst/>
+            <a:rect l="0" t="0" r="0" b="0"/>
             <a:pathLst>
-              <a:path extrusionOk="0" h="120000" w="120000">
+              <a:path w="120000" h="120000" extrusionOk="0">
                 <a:moveTo>
                   <a:pt x="0" y="0"/>
                 </a:moveTo>
@@ -1720,9 +1519,11 @@
       <p:sp>
         <p:nvSpPr>
           <p:cNvPr id="78" name="Shape 78"/>
-          <p:cNvSpPr txBox="1"/>
+          <p:cNvSpPr txBox="1">
+            <a:spLocks noGrp="1"/>
+          </p:cNvSpPr>
           <p:nvPr>
-            <p:ph idx="1" type="body"/>
+            <p:ph type="body" idx="1"/>
           </p:nvPr>
         </p:nvSpPr>
         <p:spPr>
@@ -1735,37 +1536,27 @@
           </a:prstGeom>
         </p:spPr>
         <p:txBody>
-          <a:bodyPr anchorCtr="0" anchor="t" bIns="91425" lIns="91425" rIns="91425" tIns="91425">
+          <a:bodyPr lIns="91425" tIns="91425" rIns="91425" bIns="91425" anchor="t" anchorCtr="0">
             <a:noAutofit/>
           </a:bodyPr>
           <a:lstStyle/>
           <a:p>
-            <a:pPr lvl="0">
+            <a:pPr lvl="0" rtl="0">
               <a:spcBef>
                 <a:spcPts val="0"/>
               </a:spcBef>
               <a:buNone/>
             </a:pPr>
-            <a:r>
-              <a:rPr lang="en"/>
-              <a:t>Ari</a:t>
-            </a:r>
-          </a:p>
-          <a:p>
-            <a:pPr lvl="0" rtl="0">
-              <a:spcBef>
-                <a:spcPts val="0"/>
-              </a:spcBef>
-              <a:buNone/>
-            </a:pPr>
-            <a:r>
-              <a:t/>
-            </a:r>
-            <a:endParaRPr/>
+            <a:endParaRPr dirty="0"/>
           </a:p>
         </p:txBody>
       </p:sp>
     </p:spTree>
+    <p:extLst>
+      <p:ext uri="{BB962C8B-B14F-4D97-AF65-F5344CB8AC3E}">
+        <p14:creationId xmlns:p14="http://schemas.microsoft.com/office/powerpoint/2010/main" val="3134709557"/>
+      </p:ext>
+    </p:extLst>
   </p:cSld>
   <p:clrMapOvr>
     <a:masterClrMapping/>
@@ -1774,11 +1565,11 @@
 </file>
 
 <file path=ppt/notesSlides/notesSlide6.xml><?xml version="1.0" encoding="utf-8"?>
-<p:notes xmlns:a="http://schemas.openxmlformats.org/drawingml/2006/main" xmlns:r="http://schemas.openxmlformats.org/officeDocument/2006/relationships" xmlns:mc="http://schemas.openxmlformats.org/markup-compatibility/2006" xmlns:mv="urn:schemas-microsoft-com:mac:vml" xmlns:p="http://schemas.openxmlformats.org/presentationml/2006/main" xmlns:c="http://schemas.openxmlformats.org/drawingml/2006/chart" xmlns:dgm="http://schemas.openxmlformats.org/drawingml/2006/diagram" xmlns:o="urn:schemas-microsoft-com:office:office" xmlns:v="urn:schemas-microsoft-com:vml" xmlns:pvml="urn:schemas-microsoft-com:office:powerpoint" xmlns:com="http://schemas.openxmlformats.org/drawingml/2006/compatibility" xmlns:p14="http://schemas.microsoft.com/office/powerpoint/2010/main" showMasterPhAnim="0" showMasterSp="0">
+<p:notes xmlns:a="http://schemas.openxmlformats.org/drawingml/2006/main" xmlns:r="http://schemas.openxmlformats.org/officeDocument/2006/relationships" xmlns:p="http://schemas.openxmlformats.org/presentationml/2006/main" showMasterSp="0" showMasterPhAnim="0">
   <p:cSld>
     <p:spTree>
       <p:nvGrpSpPr>
-        <p:cNvPr id="81" name="Shape 81"/>
+        <p:cNvPr id="1" name="Shape 81"/>
         <p:cNvGrpSpPr/>
         <p:nvPr/>
       </p:nvGrpSpPr>
@@ -1793,19 +1584,26 @@
       <p:sp>
         <p:nvSpPr>
           <p:cNvPr id="82" name="Shape 82"/>
-          <p:cNvSpPr/>
+          <p:cNvSpPr>
+            <a:spLocks noGrp="1" noRot="1" noChangeAspect="1"/>
+          </p:cNvSpPr>
           <p:nvPr>
-            <p:ph idx="2" type="sldImg"/>
+            <p:ph type="sldImg" idx="2"/>
           </p:nvPr>
         </p:nvSpPr>
         <p:spPr>
           <a:xfrm>
-            <a:off x="381300" y="685800"/>
+            <a:off x="381000" y="685800"/>
             <a:ext cx="6096000" cy="3429000"/>
           </a:xfrm>
           <a:custGeom>
+            <a:avLst/>
+            <a:gdLst/>
+            <a:ahLst/>
+            <a:cxnLst/>
+            <a:rect l="0" t="0" r="0" b="0"/>
             <a:pathLst>
-              <a:path extrusionOk="0" h="120000" w="120000">
+              <a:path w="120000" h="120000" extrusionOk="0">
                 <a:moveTo>
                   <a:pt x="0" y="0"/>
                 </a:moveTo>
@@ -1827,9 +1625,11 @@
       <p:sp>
         <p:nvSpPr>
           <p:cNvPr id="83" name="Shape 83"/>
-          <p:cNvSpPr txBox="1"/>
+          <p:cNvSpPr txBox="1">
+            <a:spLocks noGrp="1"/>
+          </p:cNvSpPr>
           <p:nvPr>
-            <p:ph idx="1" type="body"/>
+            <p:ph type="body" idx="1"/>
           </p:nvPr>
         </p:nvSpPr>
         <p:spPr>
@@ -1842,7 +1642,7 @@
           </a:prstGeom>
         </p:spPr>
         <p:txBody>
-          <a:bodyPr anchorCtr="0" anchor="t" bIns="91425" lIns="91425" rIns="91425" tIns="91425">
+          <a:bodyPr lIns="91425" tIns="91425" rIns="91425" bIns="91425" anchor="t" anchorCtr="0">
             <a:noAutofit/>
           </a:bodyPr>
           <a:lstStyle/>
@@ -1856,147 +1656,16 @@
               </a:spcBef>
               <a:buNone/>
             </a:pPr>
-            <a:r>
-              <a:rPr lang="en" sz="900"/>
-              <a:t>Emma</a:t>
-            </a:r>
-          </a:p>
-          <a:p>
-            <a:pPr indent="-285750" lvl="0" marL="457200" rtl="0">
-              <a:lnSpc>
-                <a:spcPct val="115000"/>
-              </a:lnSpc>
-              <a:spcBef>
-                <a:spcPts val="0"/>
-              </a:spcBef>
-              <a:buSzPct val="100000"/>
-              <a:buAutoNum type="arabicParenR"/>
-            </a:pPr>
-            <a:r>
-              <a:rPr lang="en" sz="900"/>
-              <a:t>Names and addresses were wrong/weirdly formatted</a:t>
-            </a:r>
-          </a:p>
-          <a:p>
-            <a:pPr indent="-285750" lvl="0" marL="457200" rtl="0">
-              <a:lnSpc>
-                <a:spcPct val="115000"/>
-              </a:lnSpc>
-              <a:spcBef>
-                <a:spcPts val="1400"/>
-              </a:spcBef>
-              <a:buSzPct val="100000"/>
-              <a:buAutoNum type="arabicParenR"/>
-            </a:pPr>
-            <a:r>
-              <a:rPr lang="en" sz="900">
-                <a:latin typeface="Source Code Pro"/>
-                <a:ea typeface="Source Code Pro"/>
-                <a:cs typeface="Source Code Pro"/>
-                <a:sym typeface="Source Code Pro"/>
-              </a:rPr>
-              <a:t>(contact info, hours, category, review score, cost, website)</a:t>
-            </a:r>
-          </a:p>
-          <a:p>
-            <a:pPr indent="-285750" lvl="0" marL="457200" rtl="0">
-              <a:lnSpc>
-                <a:spcPct val="115000"/>
-              </a:lnSpc>
-              <a:spcBef>
-                <a:spcPts val="1400"/>
-              </a:spcBef>
-              <a:buSzPct val="100000"/>
-              <a:buFont typeface="Source Code Pro"/>
-              <a:buAutoNum type="arabicParenR"/>
-            </a:pPr>
-            <a:r>
-              <a:rPr lang="en" sz="900">
-                <a:latin typeface="Source Code Pro"/>
-                <a:ea typeface="Source Code Pro"/>
-                <a:cs typeface="Source Code Pro"/>
-                <a:sym typeface="Source Code Pro"/>
-              </a:rPr>
-              <a:t>Filter by category, cost, rating</a:t>
-            </a:r>
-          </a:p>
-          <a:p>
-            <a:pPr indent="-285750" lvl="0" marL="457200" rtl="0">
-              <a:lnSpc>
-                <a:spcPct val="115000"/>
-              </a:lnSpc>
-              <a:spcBef>
-                <a:spcPts val="1400"/>
-              </a:spcBef>
-              <a:buSzPct val="100000"/>
-              <a:buFont typeface="Source Code Pro"/>
-              <a:buAutoNum type="arabicParenR"/>
-            </a:pPr>
-            <a:r>
-              <a:rPr lang="en" sz="900">
-                <a:latin typeface="Source Code Pro"/>
-                <a:ea typeface="Source Code Pro"/>
-                <a:cs typeface="Source Code Pro"/>
-                <a:sym typeface="Source Code Pro"/>
-              </a:rPr>
-              <a:t>Use google autocomplete to allow search by neighborhood, address without zipcode (not available on govt website)</a:t>
-            </a:r>
-          </a:p>
-          <a:p>
-            <a:pPr indent="-285750" lvl="0" marL="457200" rtl="0">
-              <a:lnSpc>
-                <a:spcPct val="115000"/>
-              </a:lnSpc>
-              <a:spcBef>
-                <a:spcPts val="1400"/>
-              </a:spcBef>
-              <a:buSzPct val="100000"/>
-              <a:buFont typeface="Source Code Pro"/>
-              <a:buAutoNum type="arabicParenR"/>
-            </a:pPr>
-            <a:r>
-              <a:rPr lang="en" sz="900">
-                <a:latin typeface="Source Code Pro"/>
-                <a:ea typeface="Source Code Pro"/>
-                <a:cs typeface="Source Code Pro"/>
-                <a:sym typeface="Source Code Pro"/>
-              </a:rPr>
-              <a:t>Add farmer’s markets that weren’t listed by USDA and highlights those accepting double value coupons </a:t>
-            </a:r>
-          </a:p>
-          <a:p>
-            <a:pPr lvl="0" rtl="0">
-              <a:lnSpc>
-                <a:spcPct val="115000"/>
-              </a:lnSpc>
-              <a:spcBef>
-                <a:spcPts val="0"/>
-              </a:spcBef>
-              <a:buNone/>
-            </a:pPr>
-            <a:r>
-              <a:t/>
-            </a:r>
-            <a:endParaRPr/>
-          </a:p>
-          <a:p>
-            <a:pPr lvl="0" rtl="0">
-              <a:lnSpc>
-                <a:spcPct val="115000"/>
-              </a:lnSpc>
-              <a:spcBef>
-                <a:spcPts val="0"/>
-              </a:spcBef>
-              <a:buNone/>
-            </a:pPr>
-            <a:r>
-              <a:rPr lang="en"/>
-              <a:t>Emma</a:t>
-            </a:r>
+            <a:endParaRPr lang="en" dirty="0"/>
           </a:p>
         </p:txBody>
       </p:sp>
     </p:spTree>
+    <p:extLst>
+      <p:ext uri="{BB962C8B-B14F-4D97-AF65-F5344CB8AC3E}">
+        <p14:creationId xmlns:p14="http://schemas.microsoft.com/office/powerpoint/2010/main" val="1032234413"/>
+      </p:ext>
+    </p:extLst>
   </p:cSld>
   <p:clrMapOvr>
     <a:masterClrMapping/>
@@ -2005,11 +1674,11 @@
 </file>
 
 <file path=ppt/notesSlides/notesSlide7.xml><?xml version="1.0" encoding="utf-8"?>
-<p:notes xmlns:a="http://schemas.openxmlformats.org/drawingml/2006/main" xmlns:r="http://schemas.openxmlformats.org/officeDocument/2006/relationships" xmlns:mc="http://schemas.openxmlformats.org/markup-compatibility/2006" xmlns:mv="urn:schemas-microsoft-com:mac:vml" xmlns:p="http://schemas.openxmlformats.org/presentationml/2006/main" xmlns:c="http://schemas.openxmlformats.org/drawingml/2006/chart" xmlns:dgm="http://schemas.openxmlformats.org/drawingml/2006/diagram" xmlns:o="urn:schemas-microsoft-com:office:office" xmlns:v="urn:schemas-microsoft-com:vml" xmlns:pvml="urn:schemas-microsoft-com:office:powerpoint" xmlns:com="http://schemas.openxmlformats.org/drawingml/2006/compatibility" xmlns:p14="http://schemas.microsoft.com/office/powerpoint/2010/main" showMasterPhAnim="0" showMasterSp="0">
+<p:notes xmlns:a="http://schemas.openxmlformats.org/drawingml/2006/main" xmlns:r="http://schemas.openxmlformats.org/officeDocument/2006/relationships" xmlns:p="http://schemas.openxmlformats.org/presentationml/2006/main" showMasterSp="0" showMasterPhAnim="0">
   <p:cSld>
     <p:spTree>
       <p:nvGrpSpPr>
-        <p:cNvPr id="87" name="Shape 87"/>
+        <p:cNvPr id="1" name="Shape 87"/>
         <p:cNvGrpSpPr/>
         <p:nvPr/>
       </p:nvGrpSpPr>
@@ -2024,19 +1693,26 @@
       <p:sp>
         <p:nvSpPr>
           <p:cNvPr id="88" name="Shape 88"/>
-          <p:cNvSpPr/>
+          <p:cNvSpPr>
+            <a:spLocks noGrp="1" noRot="1" noChangeAspect="1"/>
+          </p:cNvSpPr>
           <p:nvPr>
-            <p:ph idx="2" type="sldImg"/>
+            <p:ph type="sldImg" idx="2"/>
           </p:nvPr>
         </p:nvSpPr>
         <p:spPr>
           <a:xfrm>
-            <a:off x="381300" y="685800"/>
+            <a:off x="381000" y="685800"/>
             <a:ext cx="6096000" cy="3429000"/>
           </a:xfrm>
           <a:custGeom>
+            <a:avLst/>
+            <a:gdLst/>
+            <a:ahLst/>
+            <a:cxnLst/>
+            <a:rect l="0" t="0" r="0" b="0"/>
             <a:pathLst>
-              <a:path extrusionOk="0" h="120000" w="120000">
+              <a:path w="120000" h="120000" extrusionOk="0">
                 <a:moveTo>
                   <a:pt x="0" y="0"/>
                 </a:moveTo>
@@ -2058,9 +1734,11 @@
       <p:sp>
         <p:nvSpPr>
           <p:cNvPr id="89" name="Shape 89"/>
-          <p:cNvSpPr txBox="1"/>
+          <p:cNvSpPr txBox="1">
+            <a:spLocks noGrp="1"/>
+          </p:cNvSpPr>
           <p:nvPr>
-            <p:ph idx="1" type="body"/>
+            <p:ph type="body" idx="1"/>
           </p:nvPr>
         </p:nvSpPr>
         <p:spPr>
@@ -2073,7 +1751,7 @@
           </a:prstGeom>
         </p:spPr>
         <p:txBody>
-          <a:bodyPr anchorCtr="0" anchor="t" bIns="91425" lIns="91425" rIns="91425" tIns="91425">
+          <a:bodyPr lIns="91425" tIns="91425" rIns="91425" bIns="91425" anchor="t" anchorCtr="0">
             <a:noAutofit/>
           </a:bodyPr>
           <a:lstStyle/>
@@ -2084,256 +1762,24 @@
               </a:spcBef>
               <a:buNone/>
             </a:pPr>
-            <a:r>
-              <a:rPr lang="en" sz="1000"/>
-              <a:t>Joan</a:t>
-            </a:r>
-          </a:p>
-          <a:p>
-            <a:pPr lvl="0">
-              <a:spcBef>
-                <a:spcPts val="0"/>
-              </a:spcBef>
-              <a:buNone/>
-            </a:pPr>
-            <a:r>
-              <a:t/>
-            </a:r>
-            <a:endParaRPr sz="1000"/>
-          </a:p>
-          <a:p>
-            <a:pPr lvl="0">
-              <a:spcBef>
-                <a:spcPts val="0"/>
-              </a:spcBef>
-              <a:buNone/>
-            </a:pPr>
-            <a:r>
-              <a:rPr lang="en" sz="1000"/>
-              <a:t>Intro: in attempt to make price estimates at stores more accurate, we employed a few different mechanisms</a:t>
-            </a:r>
-          </a:p>
-          <a:p>
-            <a:pPr lvl="0">
-              <a:spcBef>
-                <a:spcPts val="0"/>
-              </a:spcBef>
-              <a:buNone/>
-            </a:pPr>
-            <a:r>
-              <a:t/>
-            </a:r>
-            <a:endParaRPr sz="1000"/>
-          </a:p>
-          <a:p>
-            <a:pPr indent="-292100" lvl="0" marL="457200" rtl="0">
-              <a:lnSpc>
-                <a:spcPct val="115000"/>
-              </a:lnSpc>
-              <a:spcBef>
-                <a:spcPts val="0"/>
-              </a:spcBef>
-              <a:spcAft>
-                <a:spcPts val="1600"/>
-              </a:spcAft>
-              <a:buClr>
+            <a:endParaRPr lang="en" sz="1000" dirty="0">
+              <a:solidFill>
                 <a:schemeClr val="dk2"/>
-              </a:buClr>
-              <a:buSzPct val="100000"/>
-              <a:buFont typeface="Source Code Pro"/>
-            </a:pPr>
-            <a:r>
-              <a:rPr lang="en" sz="1000">
-                <a:solidFill>
-                  <a:schemeClr val="dk2"/>
-                </a:solidFill>
-                <a:latin typeface="Source Code Pro"/>
-                <a:ea typeface="Source Code Pro"/>
-                <a:cs typeface="Source Code Pro"/>
-                <a:sym typeface="Source Code Pro"/>
-              </a:rPr>
-              <a:t>Allows users to create and calculate total cost of grocery list of common eligible food items </a:t>
-            </a:r>
-          </a:p>
-          <a:p>
-            <a:pPr indent="-292100" lvl="0" marL="457200" rtl="0">
-              <a:lnSpc>
-                <a:spcPct val="115000"/>
-              </a:lnSpc>
-              <a:spcBef>
-                <a:spcPts val="0"/>
-              </a:spcBef>
-              <a:spcAft>
-                <a:spcPts val="1600"/>
-              </a:spcAft>
-              <a:buClr>
-                <a:schemeClr val="dk2"/>
-              </a:buClr>
-              <a:buSzPct val="100000"/>
-              <a:buFont typeface="Source Code Pro"/>
-            </a:pPr>
-            <a:r>
-              <a:rPr lang="en" sz="1000">
-                <a:solidFill>
-                  <a:schemeClr val="dk2"/>
-                </a:solidFill>
-                <a:latin typeface="Source Code Pro"/>
-                <a:ea typeface="Source Code Pro"/>
-                <a:cs typeface="Source Code Pro"/>
-                <a:sym typeface="Source Code Pro"/>
-              </a:rPr>
-              <a:t>Prices for individual stores estimated according to CPI prices, type of retailer, and price category</a:t>
-            </a:r>
-          </a:p>
-          <a:p>
-            <a:pPr indent="-292100" lvl="0" marL="457200" rtl="0">
-              <a:lnSpc>
-                <a:spcPct val="115000"/>
-              </a:lnSpc>
-              <a:spcBef>
-                <a:spcPts val="0"/>
-              </a:spcBef>
-              <a:spcAft>
-                <a:spcPts val="1600"/>
-              </a:spcAft>
-              <a:buClr>
-                <a:schemeClr val="dk2"/>
-              </a:buClr>
-              <a:buSzPct val="100000"/>
-              <a:buFont typeface="Source Code Pro"/>
-            </a:pPr>
-            <a:r>
-              <a:rPr lang="en" sz="1000">
-                <a:solidFill>
-                  <a:schemeClr val="dk2"/>
-                </a:solidFill>
-                <a:latin typeface="Source Code Pro"/>
-                <a:ea typeface="Source Code Pro"/>
-                <a:cs typeface="Source Code Pro"/>
-                <a:sym typeface="Source Code Pro"/>
-              </a:rPr>
-              <a:t>Visited a few different types of stores of varying price categories to help inform our regression</a:t>
-            </a:r>
-          </a:p>
-          <a:p>
-            <a:pPr indent="-292100" lvl="1" marL="914400" rtl="0">
-              <a:lnSpc>
-                <a:spcPct val="115000"/>
-              </a:lnSpc>
-              <a:spcBef>
-                <a:spcPts val="0"/>
-              </a:spcBef>
-              <a:spcAft>
-                <a:spcPts val="1600"/>
-              </a:spcAft>
-              <a:buClr>
-                <a:schemeClr val="dk2"/>
-              </a:buClr>
-              <a:buSzPct val="100000"/>
-              <a:buFont typeface="Source Code Pro"/>
-            </a:pPr>
-            <a:r>
-              <a:rPr lang="en" sz="1000">
-                <a:solidFill>
-                  <a:schemeClr val="dk2"/>
-                </a:solidFill>
-                <a:latin typeface="Source Code Pro"/>
-                <a:ea typeface="Source Code Pro"/>
-                <a:cs typeface="Source Code Pro"/>
-                <a:sym typeface="Source Code Pro"/>
-              </a:rPr>
-              <a:t>Regression allowed us to fill the database with estimated prices for each food type at each of the 2000+ stores, prior to user input</a:t>
-            </a:r>
-          </a:p>
-          <a:p>
-            <a:pPr indent="-292100" lvl="0" marL="457200" rtl="0">
-              <a:lnSpc>
-                <a:spcPct val="115000"/>
-              </a:lnSpc>
-              <a:spcBef>
-                <a:spcPts val="0"/>
-              </a:spcBef>
-              <a:spcAft>
-                <a:spcPts val="1600"/>
-              </a:spcAft>
-              <a:buClr>
-                <a:schemeClr val="dk2"/>
-              </a:buClr>
-              <a:buSzPct val="100000"/>
-              <a:buFont typeface="Source Code Pro"/>
-            </a:pPr>
-            <a:r>
-              <a:rPr lang="en" sz="1000">
-                <a:solidFill>
-                  <a:schemeClr val="dk2"/>
-                </a:solidFill>
-                <a:latin typeface="Source Code Pro"/>
-                <a:ea typeface="Source Code Pro"/>
-                <a:cs typeface="Source Code Pro"/>
-                <a:sym typeface="Source Code Pro"/>
-              </a:rPr>
-              <a:t>Accepts user-submitted price data to improve accuracy of food costs for individual stores</a:t>
-            </a:r>
-          </a:p>
-          <a:p>
-            <a:pPr indent="-292100" lvl="1" marL="914400" rtl="0">
-              <a:lnSpc>
-                <a:spcPct val="115000"/>
-              </a:lnSpc>
-              <a:spcBef>
-                <a:spcPts val="0"/>
-              </a:spcBef>
-              <a:spcAft>
-                <a:spcPts val="1600"/>
-              </a:spcAft>
-              <a:buClr>
-                <a:schemeClr val="dk2"/>
-              </a:buClr>
-              <a:buSzPct val="100000"/>
-              <a:buFont typeface="Source Code Pro"/>
-            </a:pPr>
-            <a:r>
-              <a:rPr lang="en" sz="1000">
-                <a:solidFill>
-                  <a:schemeClr val="dk2"/>
-                </a:solidFill>
-                <a:latin typeface="Source Code Pro"/>
-                <a:ea typeface="Source Code Pro"/>
-                <a:cs typeface="Source Code Pro"/>
-                <a:sym typeface="Source Code Pro"/>
-              </a:rPr>
-              <a:t>Until a sufficient number of users submit a price for a particular food at a particular store, the initial estimate is weighted more heavily to ensure that it’s relatively consistent</a:t>
-            </a:r>
-          </a:p>
-          <a:p>
-            <a:pPr indent="0" lvl="0" marL="0" rtl="0">
-              <a:lnSpc>
-                <a:spcPct val="115000"/>
-              </a:lnSpc>
-              <a:spcBef>
-                <a:spcPts val="0"/>
-              </a:spcBef>
-              <a:spcAft>
-                <a:spcPts val="1600"/>
-              </a:spcAft>
-              <a:buNone/>
-            </a:pPr>
-            <a:r>
-              <a:rPr lang="en" sz="1000">
-                <a:solidFill>
-                  <a:schemeClr val="dk2"/>
-                </a:solidFill>
-                <a:latin typeface="Source Code Pro"/>
-                <a:ea typeface="Source Code Pro"/>
-                <a:cs typeface="Source Code Pro"/>
-                <a:sym typeface="Source Code Pro"/>
-              </a:rPr>
-              <a:t>OTHER BENEFITS: totals calculated w/o tax (SNAP user’s don’t pay tax), grocery lists specific to items ELIGIBLE for SNAP (helps users navigate system) </a:t>
-            </a:r>
+              </a:solidFill>
+              <a:latin typeface="Source Code Pro"/>
+              <a:ea typeface="Source Code Pro"/>
+              <a:cs typeface="Source Code Pro"/>
+              <a:sym typeface="Source Code Pro"/>
+            </a:endParaRPr>
           </a:p>
         </p:txBody>
       </p:sp>
     </p:spTree>
+    <p:extLst>
+      <p:ext uri="{BB962C8B-B14F-4D97-AF65-F5344CB8AC3E}">
+        <p14:creationId xmlns:p14="http://schemas.microsoft.com/office/powerpoint/2010/main" val="1608555966"/>
+      </p:ext>
+    </p:extLst>
   </p:cSld>
   <p:clrMapOvr>
     <a:masterClrMapping/>
@@ -2342,11 +1788,11 @@
 </file>
 
 <file path=ppt/notesSlides/notesSlide8.xml><?xml version="1.0" encoding="utf-8"?>
-<p:notes xmlns:a="http://schemas.openxmlformats.org/drawingml/2006/main" xmlns:r="http://schemas.openxmlformats.org/officeDocument/2006/relationships" xmlns:mc="http://schemas.openxmlformats.org/markup-compatibility/2006" xmlns:mv="urn:schemas-microsoft-com:mac:vml" xmlns:p="http://schemas.openxmlformats.org/presentationml/2006/main" xmlns:c="http://schemas.openxmlformats.org/drawingml/2006/chart" xmlns:dgm="http://schemas.openxmlformats.org/drawingml/2006/diagram" xmlns:o="urn:schemas-microsoft-com:office:office" xmlns:v="urn:schemas-microsoft-com:vml" xmlns:pvml="urn:schemas-microsoft-com:office:powerpoint" xmlns:com="http://schemas.openxmlformats.org/drawingml/2006/compatibility" xmlns:p14="http://schemas.microsoft.com/office/powerpoint/2010/main" showMasterPhAnim="0" showMasterSp="0">
+<p:notes xmlns:a="http://schemas.openxmlformats.org/drawingml/2006/main" xmlns:r="http://schemas.openxmlformats.org/officeDocument/2006/relationships" xmlns:p="http://schemas.openxmlformats.org/presentationml/2006/main" showMasterSp="0" showMasterPhAnim="0">
   <p:cSld>
     <p:spTree>
       <p:nvGrpSpPr>
-        <p:cNvPr id="95" name="Shape 95"/>
+        <p:cNvPr id="1" name="Shape 95"/>
         <p:cNvGrpSpPr/>
         <p:nvPr/>
       </p:nvGrpSpPr>
@@ -2361,19 +1807,26 @@
       <p:sp>
         <p:nvSpPr>
           <p:cNvPr id="96" name="Shape 96"/>
-          <p:cNvSpPr/>
+          <p:cNvSpPr>
+            <a:spLocks noGrp="1" noRot="1" noChangeAspect="1"/>
+          </p:cNvSpPr>
           <p:nvPr>
-            <p:ph idx="2" type="sldImg"/>
+            <p:ph type="sldImg" idx="2"/>
           </p:nvPr>
         </p:nvSpPr>
         <p:spPr>
           <a:xfrm>
-            <a:off x="381300" y="685800"/>
+            <a:off x="381000" y="685800"/>
             <a:ext cx="6096000" cy="3429000"/>
           </a:xfrm>
           <a:custGeom>
+            <a:avLst/>
+            <a:gdLst/>
+            <a:ahLst/>
+            <a:cxnLst/>
+            <a:rect l="0" t="0" r="0" b="0"/>
             <a:pathLst>
-              <a:path extrusionOk="0" h="120000" w="120000">
+              <a:path w="120000" h="120000" extrusionOk="0">
                 <a:moveTo>
                   <a:pt x="0" y="0"/>
                 </a:moveTo>
@@ -2395,9 +1848,11 @@
       <p:sp>
         <p:nvSpPr>
           <p:cNvPr id="97" name="Shape 97"/>
-          <p:cNvSpPr txBox="1"/>
+          <p:cNvSpPr txBox="1">
+            <a:spLocks noGrp="1"/>
+          </p:cNvSpPr>
           <p:nvPr>
-            <p:ph idx="1" type="body"/>
+            <p:ph type="body" idx="1"/>
           </p:nvPr>
         </p:nvSpPr>
         <p:spPr>
@@ -2410,7 +1865,7 @@
           </a:prstGeom>
         </p:spPr>
         <p:txBody>
-          <a:bodyPr anchorCtr="0" anchor="t" bIns="91425" lIns="91425" rIns="91425" tIns="91425">
+          <a:bodyPr lIns="91425" tIns="91425" rIns="91425" bIns="91425" anchor="t" anchorCtr="0">
             <a:noAutofit/>
           </a:bodyPr>
           <a:lstStyle/>
@@ -2421,38 +1876,16 @@
               </a:spcBef>
               <a:buNone/>
             </a:pPr>
-            <a:r>
-              <a:rPr lang="en"/>
-              <a:t>Joan</a:t>
-            </a:r>
-          </a:p>
-          <a:p>
-            <a:pPr lvl="0">
-              <a:spcBef>
-                <a:spcPts val="0"/>
-              </a:spcBef>
-              <a:buNone/>
-            </a:pPr>
-            <a:r>
-              <a:t/>
-            </a:r>
-            <a:endParaRPr/>
-          </a:p>
-          <a:p>
-            <a:pPr lvl="0">
-              <a:spcBef>
-                <a:spcPts val="0"/>
-              </a:spcBef>
-              <a:buNone/>
-            </a:pPr>
-            <a:r>
-              <a:t/>
-            </a:r>
-            <a:endParaRPr/>
+            <a:endParaRPr dirty="0"/>
           </a:p>
         </p:txBody>
       </p:sp>
     </p:spTree>
+    <p:extLst>
+      <p:ext uri="{BB962C8B-B14F-4D97-AF65-F5344CB8AC3E}">
+        <p14:creationId xmlns:p14="http://schemas.microsoft.com/office/powerpoint/2010/main" val="1849735823"/>
+      </p:ext>
+    </p:extLst>
   </p:cSld>
   <p:clrMapOvr>
     <a:masterClrMapping/>
@@ -2461,11 +1894,11 @@
 </file>
 
 <file path=ppt/notesSlides/notesSlide9.xml><?xml version="1.0" encoding="utf-8"?>
-<p:notes xmlns:a="http://schemas.openxmlformats.org/drawingml/2006/main" xmlns:r="http://schemas.openxmlformats.org/officeDocument/2006/relationships" xmlns:mc="http://schemas.openxmlformats.org/markup-compatibility/2006" xmlns:mv="urn:schemas-microsoft-com:mac:vml" xmlns:p="http://schemas.openxmlformats.org/presentationml/2006/main" xmlns:c="http://schemas.openxmlformats.org/drawingml/2006/chart" xmlns:dgm="http://schemas.openxmlformats.org/drawingml/2006/diagram" xmlns:o="urn:schemas-microsoft-com:office:office" xmlns:v="urn:schemas-microsoft-com:vml" xmlns:pvml="urn:schemas-microsoft-com:office:powerpoint" xmlns:com="http://schemas.openxmlformats.org/drawingml/2006/compatibility" xmlns:p14="http://schemas.microsoft.com/office/powerpoint/2010/main" showMasterPhAnim="0" showMasterSp="0">
+<p:notes xmlns:a="http://schemas.openxmlformats.org/drawingml/2006/main" xmlns:r="http://schemas.openxmlformats.org/officeDocument/2006/relationships" xmlns:p="http://schemas.openxmlformats.org/presentationml/2006/main" showMasterSp="0" showMasterPhAnim="0">
   <p:cSld>
     <p:spTree>
       <p:nvGrpSpPr>
-        <p:cNvPr id="101" name="Shape 101"/>
+        <p:cNvPr id="1" name="Shape 101"/>
         <p:cNvGrpSpPr/>
         <p:nvPr/>
       </p:nvGrpSpPr>
@@ -2480,19 +1913,26 @@
       <p:sp>
         <p:nvSpPr>
           <p:cNvPr id="102" name="Shape 102"/>
-          <p:cNvSpPr/>
+          <p:cNvSpPr>
+            <a:spLocks noGrp="1" noRot="1" noChangeAspect="1"/>
+          </p:cNvSpPr>
           <p:nvPr>
-            <p:ph idx="2" type="sldImg"/>
+            <p:ph type="sldImg" idx="2"/>
           </p:nvPr>
         </p:nvSpPr>
         <p:spPr>
           <a:xfrm>
-            <a:off x="381300" y="685800"/>
+            <a:off x="381000" y="685800"/>
             <a:ext cx="6096000" cy="3429000"/>
           </a:xfrm>
           <a:custGeom>
+            <a:avLst/>
+            <a:gdLst/>
+            <a:ahLst/>
+            <a:cxnLst/>
+            <a:rect l="0" t="0" r="0" b="0"/>
             <a:pathLst>
-              <a:path extrusionOk="0" h="120000" w="120000">
+              <a:path w="120000" h="120000" extrusionOk="0">
                 <a:moveTo>
                   <a:pt x="0" y="0"/>
                 </a:moveTo>
@@ -2514,9 +1954,11 @@
       <p:sp>
         <p:nvSpPr>
           <p:cNvPr id="103" name="Shape 103"/>
-          <p:cNvSpPr txBox="1"/>
+          <p:cNvSpPr txBox="1">
+            <a:spLocks noGrp="1"/>
+          </p:cNvSpPr>
           <p:nvPr>
-            <p:ph idx="1" type="body"/>
+            <p:ph type="body" idx="1"/>
           </p:nvPr>
         </p:nvSpPr>
         <p:spPr>
@@ -2529,7 +1971,7 @@
           </a:prstGeom>
         </p:spPr>
         <p:txBody>
-          <a:bodyPr anchorCtr="0" anchor="t" bIns="91425" lIns="91425" rIns="91425" tIns="91425">
+          <a:bodyPr lIns="91425" tIns="91425" rIns="91425" bIns="91425" anchor="t" anchorCtr="0">
             <a:noAutofit/>
           </a:bodyPr>
           <a:lstStyle/>
@@ -2540,26 +1982,16 @@
               </a:spcBef>
               <a:buNone/>
             </a:pPr>
-            <a:r>
-              <a:rPr lang="en"/>
-              <a:t>-Farmer’s Markets</a:t>
-            </a:r>
-          </a:p>
-          <a:p>
-            <a:pPr lvl="0">
-              <a:spcBef>
-                <a:spcPts val="0"/>
-              </a:spcBef>
-              <a:buNone/>
-            </a:pPr>
-            <a:r>
-              <a:rPr lang="en"/>
-              <a:t>-Google API troubles </a:t>
-            </a:r>
+            <a:endParaRPr lang="en" dirty="0"/>
           </a:p>
         </p:txBody>
       </p:sp>
     </p:spTree>
+    <p:extLst>
+      <p:ext uri="{BB962C8B-B14F-4D97-AF65-F5344CB8AC3E}">
+        <p14:creationId xmlns:p14="http://schemas.microsoft.com/office/powerpoint/2010/main" val="1950747952"/>
+      </p:ext>
+    </p:extLst>
   </p:cSld>
   <p:clrMapOvr>
     <a:masterClrMapping/>
@@ -2568,18 +2000,19 @@
 </file>
 
 <file path=ppt/slideLayouts/slideLayout1.xml><?xml version="1.0" encoding="utf-8"?>
-<p:sldLayout xmlns:a="http://schemas.openxmlformats.org/drawingml/2006/main" xmlns:r="http://schemas.openxmlformats.org/officeDocument/2006/relationships" xmlns:mc="http://schemas.openxmlformats.org/markup-compatibility/2006" xmlns:mv="urn:schemas-microsoft-com:mac:vml" xmlns:p="http://schemas.openxmlformats.org/presentationml/2006/main" xmlns:c="http://schemas.openxmlformats.org/drawingml/2006/chart" xmlns:dgm="http://schemas.openxmlformats.org/drawingml/2006/diagram" xmlns:o="urn:schemas-microsoft-com:office:office" xmlns:v="urn:schemas-microsoft-com:vml" xmlns:pvml="urn:schemas-microsoft-com:office:powerpoint" xmlns:com="http://schemas.openxmlformats.org/drawingml/2006/compatibility" xmlns:p14="http://schemas.microsoft.com/office/powerpoint/2010/main" type="title">
+<p:sldLayout xmlns:a="http://schemas.openxmlformats.org/drawingml/2006/main" xmlns:r="http://schemas.openxmlformats.org/officeDocument/2006/relationships" xmlns:p="http://schemas.openxmlformats.org/presentationml/2006/main" type="title">
   <p:cSld name="Title slide">
     <p:bg>
       <p:bgPr>
         <a:solidFill>
           <a:schemeClr val="dk1"/>
         </a:solidFill>
+        <a:effectLst/>
       </p:bgPr>
     </p:bg>
     <p:spTree>
       <p:nvGrpSpPr>
-        <p:cNvPr id="9" name="Shape 9"/>
+        <p:cNvPr id="1" name="Shape 9"/>
         <p:cNvGrpSpPr/>
         <p:nvPr/>
       </p:nvGrpSpPr>
@@ -2613,7 +2046,7 @@
           </a:ln>
         </p:spPr>
         <p:txBody>
-          <a:bodyPr anchorCtr="0" anchor="ctr" bIns="91425" lIns="91425" rIns="91425" tIns="91425">
+          <a:bodyPr lIns="91425" tIns="91425" rIns="91425" bIns="91425" anchor="ctr" anchorCtr="0">
             <a:noAutofit/>
           </a:bodyPr>
           <a:lstStyle/>
@@ -2624,9 +2057,6 @@
               </a:spcBef>
               <a:buNone/>
             </a:pPr>
-            <a:r>
-              <a:t/>
-            </a:r>
             <a:endParaRPr/>
           </a:p>
         </p:txBody>
@@ -2634,7 +2064,9 @@
       <p:sp>
         <p:nvSpPr>
           <p:cNvPr id="11" name="Shape 11"/>
-          <p:cNvSpPr txBox="1"/>
+          <p:cNvSpPr txBox="1">
+            <a:spLocks noGrp="1"/>
+          </p:cNvSpPr>
           <p:nvPr>
             <p:ph type="ctrTitle"/>
           </p:nvPr>
@@ -2649,7 +2081,7 @@
           </a:prstGeom>
         </p:spPr>
         <p:txBody>
-          <a:bodyPr anchorCtr="0" anchor="ctr" bIns="91425" lIns="91425" rIns="91425" tIns="91425"/>
+          <a:bodyPr lIns="91425" tIns="91425" rIns="91425" bIns="91425" anchor="ctr" anchorCtr="0"/>
           <a:lstStyle>
             <a:lvl1pPr lvl="0" algn="ctr">
               <a:spcBef>
@@ -2715,15 +2147,19 @@
               <a:defRPr sz="8000"/>
             </a:lvl9pPr>
           </a:lstStyle>
-          <a:p/>
+          <a:p>
+            <a:endParaRPr/>
+          </a:p>
         </p:txBody>
       </p:sp>
       <p:sp>
         <p:nvSpPr>
           <p:cNvPr id="12" name="Shape 12"/>
-          <p:cNvSpPr txBox="1"/>
+          <p:cNvSpPr txBox="1">
+            <a:spLocks noGrp="1"/>
+          </p:cNvSpPr>
           <p:nvPr>
-            <p:ph idx="1" type="subTitle"/>
+            <p:ph type="subTitle" idx="1"/>
           </p:nvPr>
         </p:nvSpPr>
         <p:spPr>
@@ -2736,7 +2172,7 @@
           </a:prstGeom>
         </p:spPr>
         <p:txBody>
-          <a:bodyPr anchorCtr="0" anchor="ctr" bIns="91425" lIns="91425" rIns="91425" tIns="91425"/>
+          <a:bodyPr lIns="91425" tIns="91425" rIns="91425" bIns="91425" anchor="ctr" anchorCtr="0"/>
           <a:lstStyle>
             <a:lvl1pPr lvl="0" algn="ctr">
               <a:lnSpc>
@@ -2753,7 +2189,7 @@
               </a:buClr>
               <a:buSzPct val="100000"/>
               <a:buNone/>
-              <a:defRPr b="1" sz="2100">
+              <a:defRPr sz="2100" b="1">
                 <a:solidFill>
                   <a:schemeClr val="accent1"/>
                 </a:solidFill>
@@ -2774,7 +2210,7 @@
               </a:buClr>
               <a:buSzPct val="100000"/>
               <a:buNone/>
-              <a:defRPr b="1" sz="2100">
+              <a:defRPr sz="2100" b="1">
                 <a:solidFill>
                   <a:schemeClr val="accent1"/>
                 </a:solidFill>
@@ -2795,7 +2231,7 @@
               </a:buClr>
               <a:buSzPct val="100000"/>
               <a:buNone/>
-              <a:defRPr b="1" sz="2100">
+              <a:defRPr sz="2100" b="1">
                 <a:solidFill>
                   <a:schemeClr val="accent1"/>
                 </a:solidFill>
@@ -2816,7 +2252,7 @@
               </a:buClr>
               <a:buSzPct val="100000"/>
               <a:buNone/>
-              <a:defRPr b="1" sz="2100">
+              <a:defRPr sz="2100" b="1">
                 <a:solidFill>
                   <a:schemeClr val="accent1"/>
                 </a:solidFill>
@@ -2837,7 +2273,7 @@
               </a:buClr>
               <a:buSzPct val="100000"/>
               <a:buNone/>
-              <a:defRPr b="1" sz="2100">
+              <a:defRPr sz="2100" b="1">
                 <a:solidFill>
                   <a:schemeClr val="accent1"/>
                 </a:solidFill>
@@ -2858,7 +2294,7 @@
               </a:buClr>
               <a:buSzPct val="100000"/>
               <a:buNone/>
-              <a:defRPr b="1" sz="2100">
+              <a:defRPr sz="2100" b="1">
                 <a:solidFill>
                   <a:schemeClr val="accent1"/>
                 </a:solidFill>
@@ -2879,7 +2315,7 @@
               </a:buClr>
               <a:buSzPct val="100000"/>
               <a:buNone/>
-              <a:defRPr b="1" sz="2100">
+              <a:defRPr sz="2100" b="1">
                 <a:solidFill>
                   <a:schemeClr val="accent1"/>
                 </a:solidFill>
@@ -2900,7 +2336,7 @@
               </a:buClr>
               <a:buSzPct val="100000"/>
               <a:buNone/>
-              <a:defRPr b="1" sz="2100">
+              <a:defRPr sz="2100" b="1">
                 <a:solidFill>
                   <a:schemeClr val="accent1"/>
                 </a:solidFill>
@@ -2921,22 +2357,26 @@
               </a:buClr>
               <a:buSzPct val="100000"/>
               <a:buNone/>
-              <a:defRPr b="1" sz="2100">
+              <a:defRPr sz="2100" b="1">
                 <a:solidFill>
                   <a:schemeClr val="accent1"/>
                 </a:solidFill>
               </a:defRPr>
             </a:lvl9pPr>
           </a:lstStyle>
-          <a:p/>
+          <a:p>
+            <a:endParaRPr/>
+          </a:p>
         </p:txBody>
       </p:sp>
       <p:sp>
         <p:nvSpPr>
           <p:cNvPr id="13" name="Shape 13"/>
-          <p:cNvSpPr txBox="1"/>
+          <p:cNvSpPr txBox="1">
+            <a:spLocks noGrp="1"/>
+          </p:cNvSpPr>
           <p:nvPr>
-            <p:ph idx="12" type="sldNum"/>
+            <p:ph type="sldNum" idx="12"/>
           </p:nvPr>
         </p:nvSpPr>
         <p:spPr>
@@ -2949,7 +2389,7 @@
           </a:prstGeom>
         </p:spPr>
         <p:txBody>
-          <a:bodyPr anchorCtr="0" anchor="ctr" bIns="91425" lIns="91425" rIns="91425" tIns="91425">
+          <a:bodyPr lIns="91425" tIns="91425" rIns="91425" bIns="91425" anchor="ctr" anchorCtr="0">
             <a:noAutofit/>
           </a:bodyPr>
           <a:lstStyle/>
@@ -2964,6 +2404,7 @@
               <a:rPr lang="en"/>
               <a:t>‹#›</a:t>
             </a:fld>
+            <a:endParaRPr lang="en"/>
           </a:p>
         </p:txBody>
       </p:sp>
@@ -2976,11 +2417,11 @@
 </file>
 
 <file path=ppt/slideLayouts/slideLayout10.xml><?xml version="1.0" encoding="utf-8"?>
-<p:sldLayout xmlns:a="http://schemas.openxmlformats.org/drawingml/2006/main" xmlns:r="http://schemas.openxmlformats.org/officeDocument/2006/relationships" xmlns:mc="http://schemas.openxmlformats.org/markup-compatibility/2006" xmlns:mv="urn:schemas-microsoft-com:mac:vml" xmlns:p="http://schemas.openxmlformats.org/presentationml/2006/main" xmlns:c="http://schemas.openxmlformats.org/drawingml/2006/chart" xmlns:dgm="http://schemas.openxmlformats.org/drawingml/2006/diagram" xmlns:o="urn:schemas-microsoft-com:office:office" xmlns:v="urn:schemas-microsoft-com:vml" xmlns:pvml="urn:schemas-microsoft-com:office:powerpoint" xmlns:com="http://schemas.openxmlformats.org/drawingml/2006/compatibility" xmlns:p14="http://schemas.microsoft.com/office/powerpoint/2010/main">
+<p:sldLayout xmlns:a="http://schemas.openxmlformats.org/drawingml/2006/main" xmlns:r="http://schemas.openxmlformats.org/officeDocument/2006/relationships" xmlns:p="http://schemas.openxmlformats.org/presentationml/2006/main">
   <p:cSld name="Big number">
     <p:spTree>
       <p:nvGrpSpPr>
-        <p:cNvPr id="46" name="Shape 46"/>
+        <p:cNvPr id="1" name="Shape 46"/>
         <p:cNvGrpSpPr/>
         <p:nvPr/>
       </p:nvGrpSpPr>
@@ -2995,7 +2436,9 @@
       <p:sp>
         <p:nvSpPr>
           <p:cNvPr id="47" name="Shape 47"/>
-          <p:cNvSpPr txBox="1"/>
+          <p:cNvSpPr txBox="1">
+            <a:spLocks noGrp="1"/>
+          </p:cNvSpPr>
           <p:nvPr>
             <p:ph type="title"/>
           </p:nvPr>
@@ -3010,7 +2453,7 @@
           </a:prstGeom>
         </p:spPr>
         <p:txBody>
-          <a:bodyPr anchorCtr="0" anchor="b" bIns="91425" lIns="91425" rIns="91425" tIns="91425"/>
+          <a:bodyPr lIns="91425" tIns="91425" rIns="91425" bIns="91425" anchor="b" anchorCtr="0"/>
           <a:lstStyle>
             <a:lvl1pPr lvl="0" algn="ctr">
               <a:spcBef>
@@ -3139,15 +2582,19 @@
               </a:defRPr>
             </a:lvl9pPr>
           </a:lstStyle>
-          <a:p/>
+          <a:p>
+            <a:endParaRPr/>
+          </a:p>
         </p:txBody>
       </p:sp>
       <p:sp>
         <p:nvSpPr>
           <p:cNvPr id="48" name="Shape 48"/>
-          <p:cNvSpPr txBox="1"/>
+          <p:cNvSpPr txBox="1">
+            <a:spLocks noGrp="1"/>
+          </p:cNvSpPr>
           <p:nvPr>
-            <p:ph idx="1" type="body"/>
+            <p:ph type="body" idx="1"/>
           </p:nvPr>
         </p:nvSpPr>
         <p:spPr>
@@ -3160,7 +2607,7 @@
           </a:prstGeom>
         </p:spPr>
         <p:txBody>
-          <a:bodyPr anchorCtr="0" anchor="t" bIns="91425" lIns="91425" rIns="91425" tIns="91425"/>
+          <a:bodyPr lIns="91425" tIns="91425" rIns="91425" bIns="91425" anchor="t" anchorCtr="0"/>
           <a:lstStyle>
             <a:lvl1pPr lvl="0" algn="ctr">
               <a:spcBef>
@@ -3280,15 +2727,19 @@
               </a:defRPr>
             </a:lvl9pPr>
           </a:lstStyle>
-          <a:p/>
+          <a:p>
+            <a:endParaRPr/>
+          </a:p>
         </p:txBody>
       </p:sp>
       <p:sp>
         <p:nvSpPr>
           <p:cNvPr id="49" name="Shape 49"/>
-          <p:cNvSpPr txBox="1"/>
+          <p:cNvSpPr txBox="1">
+            <a:spLocks noGrp="1"/>
+          </p:cNvSpPr>
           <p:nvPr>
-            <p:ph idx="12" type="sldNum"/>
+            <p:ph type="sldNum" idx="12"/>
           </p:nvPr>
         </p:nvSpPr>
         <p:spPr>
@@ -3301,7 +2752,7 @@
           </a:prstGeom>
         </p:spPr>
         <p:txBody>
-          <a:bodyPr anchorCtr="0" anchor="ctr" bIns="91425" lIns="91425" rIns="91425" tIns="91425">
+          <a:bodyPr lIns="91425" tIns="91425" rIns="91425" bIns="91425" anchor="ctr" anchorCtr="0">
             <a:noAutofit/>
           </a:bodyPr>
           <a:lstStyle/>
@@ -3316,6 +2767,7 @@
               <a:rPr lang="en"/>
               <a:t>‹#›</a:t>
             </a:fld>
+            <a:endParaRPr lang="en"/>
           </a:p>
         </p:txBody>
       </p:sp>
@@ -3328,11 +2780,11 @@
 </file>
 
 <file path=ppt/slideLayouts/slideLayout11.xml><?xml version="1.0" encoding="utf-8"?>
-<p:sldLayout xmlns:a="http://schemas.openxmlformats.org/drawingml/2006/main" xmlns:r="http://schemas.openxmlformats.org/officeDocument/2006/relationships" xmlns:mc="http://schemas.openxmlformats.org/markup-compatibility/2006" xmlns:mv="urn:schemas-microsoft-com:mac:vml" xmlns:p="http://schemas.openxmlformats.org/presentationml/2006/main" xmlns:c="http://schemas.openxmlformats.org/drawingml/2006/chart" xmlns:dgm="http://schemas.openxmlformats.org/drawingml/2006/diagram" xmlns:o="urn:schemas-microsoft-com:office:office" xmlns:v="urn:schemas-microsoft-com:vml" xmlns:pvml="urn:schemas-microsoft-com:office:powerpoint" xmlns:com="http://schemas.openxmlformats.org/drawingml/2006/compatibility" xmlns:p14="http://schemas.microsoft.com/office/powerpoint/2010/main" type="blank">
+<p:sldLayout xmlns:a="http://schemas.openxmlformats.org/drawingml/2006/main" xmlns:r="http://schemas.openxmlformats.org/officeDocument/2006/relationships" xmlns:p="http://schemas.openxmlformats.org/presentationml/2006/main" type="blank">
   <p:cSld name="Blank">
     <p:spTree>
       <p:nvGrpSpPr>
-        <p:cNvPr id="50" name="Shape 50"/>
+        <p:cNvPr id="1" name="Shape 50"/>
         <p:cNvGrpSpPr/>
         <p:nvPr/>
       </p:nvGrpSpPr>
@@ -3347,9 +2799,11 @@
       <p:sp>
         <p:nvSpPr>
           <p:cNvPr id="51" name="Shape 51"/>
-          <p:cNvSpPr txBox="1"/>
+          <p:cNvSpPr txBox="1">
+            <a:spLocks noGrp="1"/>
+          </p:cNvSpPr>
           <p:nvPr>
-            <p:ph idx="12" type="sldNum"/>
+            <p:ph type="sldNum" idx="12"/>
           </p:nvPr>
         </p:nvSpPr>
         <p:spPr>
@@ -3362,7 +2816,7 @@
           </a:prstGeom>
         </p:spPr>
         <p:txBody>
-          <a:bodyPr anchorCtr="0" anchor="ctr" bIns="91425" lIns="91425" rIns="91425" tIns="91425">
+          <a:bodyPr lIns="91425" tIns="91425" rIns="91425" bIns="91425" anchor="ctr" anchorCtr="0">
             <a:noAutofit/>
           </a:bodyPr>
           <a:lstStyle/>
@@ -3377,6 +2831,7 @@
               <a:rPr lang="en"/>
               <a:t>‹#›</a:t>
             </a:fld>
+            <a:endParaRPr lang="en"/>
           </a:p>
         </p:txBody>
       </p:sp>
@@ -3389,18 +2844,19 @@
 </file>
 
 <file path=ppt/slideLayouts/slideLayout2.xml><?xml version="1.0" encoding="utf-8"?>
-<p:sldLayout xmlns:a="http://schemas.openxmlformats.org/drawingml/2006/main" xmlns:r="http://schemas.openxmlformats.org/officeDocument/2006/relationships" xmlns:mc="http://schemas.openxmlformats.org/markup-compatibility/2006" xmlns:mv="urn:schemas-microsoft-com:mac:vml" xmlns:p="http://schemas.openxmlformats.org/presentationml/2006/main" xmlns:c="http://schemas.openxmlformats.org/drawingml/2006/chart" xmlns:dgm="http://schemas.openxmlformats.org/drawingml/2006/diagram" xmlns:o="urn:schemas-microsoft-com:office:office" xmlns:v="urn:schemas-microsoft-com:vml" xmlns:pvml="urn:schemas-microsoft-com:office:powerpoint" xmlns:com="http://schemas.openxmlformats.org/drawingml/2006/compatibility" xmlns:p14="http://schemas.microsoft.com/office/powerpoint/2010/main" type="secHead">
+<p:sldLayout xmlns:a="http://schemas.openxmlformats.org/drawingml/2006/main" xmlns:r="http://schemas.openxmlformats.org/officeDocument/2006/relationships" xmlns:p="http://schemas.openxmlformats.org/presentationml/2006/main" type="secHead">
   <p:cSld name="Section header">
     <p:bg>
       <p:bgPr>
         <a:solidFill>
           <a:schemeClr val="dk1"/>
         </a:solidFill>
+        <a:effectLst/>
       </p:bgPr>
     </p:bg>
     <p:spTree>
       <p:nvGrpSpPr>
-        <p:cNvPr id="14" name="Shape 14"/>
+        <p:cNvPr id="1" name="Shape 14"/>
         <p:cNvGrpSpPr/>
         <p:nvPr/>
       </p:nvGrpSpPr>
@@ -3415,7 +2871,9 @@
       <p:sp>
         <p:nvSpPr>
           <p:cNvPr id="15" name="Shape 15"/>
-          <p:cNvSpPr txBox="1"/>
+          <p:cNvSpPr txBox="1">
+            <a:spLocks noGrp="1"/>
+          </p:cNvSpPr>
           <p:nvPr>
             <p:ph type="title"/>
           </p:nvPr>
@@ -3433,7 +2891,7 @@
           </a:solidFill>
         </p:spPr>
         <p:txBody>
-          <a:bodyPr anchorCtr="0" anchor="ctr" bIns="91425" lIns="91425" rIns="91425" tIns="91425"/>
+          <a:bodyPr lIns="91425" tIns="91425" rIns="91425" bIns="91425" anchor="ctr" anchorCtr="0"/>
           <a:lstStyle>
             <a:lvl1pPr lvl="0" algn="ctr">
               <a:spcBef>
@@ -3499,15 +2957,19 @@
               <a:defRPr sz="4800"/>
             </a:lvl9pPr>
           </a:lstStyle>
-          <a:p/>
+          <a:p>
+            <a:endParaRPr/>
+          </a:p>
         </p:txBody>
       </p:sp>
       <p:sp>
         <p:nvSpPr>
           <p:cNvPr id="16" name="Shape 16"/>
-          <p:cNvSpPr txBox="1"/>
+          <p:cNvSpPr txBox="1">
+            <a:spLocks noGrp="1"/>
+          </p:cNvSpPr>
           <p:nvPr>
-            <p:ph idx="12" type="sldNum"/>
+            <p:ph type="sldNum" idx="12"/>
           </p:nvPr>
         </p:nvSpPr>
         <p:spPr>
@@ -3520,7 +2982,7 @@
           </a:prstGeom>
         </p:spPr>
         <p:txBody>
-          <a:bodyPr anchorCtr="0" anchor="ctr" bIns="91425" lIns="91425" rIns="91425" tIns="91425">
+          <a:bodyPr lIns="91425" tIns="91425" rIns="91425" bIns="91425" anchor="ctr" anchorCtr="0">
             <a:noAutofit/>
           </a:bodyPr>
           <a:lstStyle/>
@@ -3535,6 +2997,7 @@
               <a:rPr lang="en"/>
               <a:t>‹#›</a:t>
             </a:fld>
+            <a:endParaRPr lang="en"/>
           </a:p>
         </p:txBody>
       </p:sp>
@@ -3547,11 +3010,11 @@
 </file>
 
 <file path=ppt/slideLayouts/slideLayout3.xml><?xml version="1.0" encoding="utf-8"?>
-<p:sldLayout xmlns:a="http://schemas.openxmlformats.org/drawingml/2006/main" xmlns:r="http://schemas.openxmlformats.org/officeDocument/2006/relationships" xmlns:mc="http://schemas.openxmlformats.org/markup-compatibility/2006" xmlns:mv="urn:schemas-microsoft-com:mac:vml" xmlns:p="http://schemas.openxmlformats.org/presentationml/2006/main" xmlns:c="http://schemas.openxmlformats.org/drawingml/2006/chart" xmlns:dgm="http://schemas.openxmlformats.org/drawingml/2006/diagram" xmlns:o="urn:schemas-microsoft-com:office:office" xmlns:v="urn:schemas-microsoft-com:vml" xmlns:pvml="urn:schemas-microsoft-com:office:powerpoint" xmlns:com="http://schemas.openxmlformats.org/drawingml/2006/compatibility" xmlns:p14="http://schemas.microsoft.com/office/powerpoint/2010/main" type="tx">
+<p:sldLayout xmlns:a="http://schemas.openxmlformats.org/drawingml/2006/main" xmlns:r="http://schemas.openxmlformats.org/officeDocument/2006/relationships" xmlns:p="http://schemas.openxmlformats.org/presentationml/2006/main" type="tx">
   <p:cSld name="Title and body">
     <p:spTree>
       <p:nvGrpSpPr>
-        <p:cNvPr id="17" name="Shape 17"/>
+        <p:cNvPr id="1" name="Shape 17"/>
         <p:cNvGrpSpPr/>
         <p:nvPr/>
       </p:nvGrpSpPr>
@@ -3566,7 +3029,9 @@
       <p:sp>
         <p:nvSpPr>
           <p:cNvPr id="18" name="Shape 18"/>
-          <p:cNvSpPr txBox="1"/>
+          <p:cNvSpPr txBox="1">
+            <a:spLocks noGrp="1"/>
+          </p:cNvSpPr>
           <p:nvPr>
             <p:ph type="title"/>
           </p:nvPr>
@@ -3581,7 +3046,7 @@
           </a:prstGeom>
         </p:spPr>
         <p:txBody>
-          <a:bodyPr anchorCtr="0" anchor="t" bIns="91425" lIns="91425" rIns="91425" tIns="91425"/>
+          <a:bodyPr lIns="91425" tIns="91425" rIns="91425" bIns="91425" anchor="t" anchorCtr="0"/>
           <a:lstStyle>
             <a:lvl1pPr lvl="0">
               <a:spcBef>
@@ -3638,15 +3103,19 @@
               <a:defRPr/>
             </a:lvl9pPr>
           </a:lstStyle>
-          <a:p/>
+          <a:p>
+            <a:endParaRPr/>
+          </a:p>
         </p:txBody>
       </p:sp>
       <p:sp>
         <p:nvSpPr>
           <p:cNvPr id="19" name="Shape 19"/>
-          <p:cNvSpPr txBox="1"/>
+          <p:cNvSpPr txBox="1">
+            <a:spLocks noGrp="1"/>
+          </p:cNvSpPr>
           <p:nvPr>
-            <p:ph idx="1" type="body"/>
+            <p:ph type="body" idx="1"/>
           </p:nvPr>
         </p:nvSpPr>
         <p:spPr>
@@ -3659,7 +3128,7 @@
           </a:prstGeom>
         </p:spPr>
         <p:txBody>
-          <a:bodyPr anchorCtr="0" anchor="t" bIns="91425" lIns="91425" rIns="91425" tIns="91425"/>
+          <a:bodyPr lIns="91425" tIns="91425" rIns="91425" bIns="91425" anchor="t" anchorCtr="0"/>
           <a:lstStyle>
             <a:lvl1pPr lvl="0">
               <a:spcBef>
@@ -3716,15 +3185,19 @@
               <a:defRPr/>
             </a:lvl9pPr>
           </a:lstStyle>
-          <a:p/>
+          <a:p>
+            <a:endParaRPr/>
+          </a:p>
         </p:txBody>
       </p:sp>
       <p:sp>
         <p:nvSpPr>
           <p:cNvPr id="20" name="Shape 20"/>
-          <p:cNvSpPr txBox="1"/>
+          <p:cNvSpPr txBox="1">
+            <a:spLocks noGrp="1"/>
+          </p:cNvSpPr>
           <p:nvPr>
-            <p:ph idx="12" type="sldNum"/>
+            <p:ph type="sldNum" idx="12"/>
           </p:nvPr>
         </p:nvSpPr>
         <p:spPr>
@@ -3737,7 +3210,7 @@
           </a:prstGeom>
         </p:spPr>
         <p:txBody>
-          <a:bodyPr anchorCtr="0" anchor="ctr" bIns="91425" lIns="91425" rIns="91425" tIns="91425">
+          <a:bodyPr lIns="91425" tIns="91425" rIns="91425" bIns="91425" anchor="ctr" anchorCtr="0">
             <a:noAutofit/>
           </a:bodyPr>
           <a:lstStyle/>
@@ -3752,6 +3225,7 @@
               <a:rPr lang="en"/>
               <a:t>‹#›</a:t>
             </a:fld>
+            <a:endParaRPr lang="en"/>
           </a:p>
         </p:txBody>
       </p:sp>
@@ -3764,11 +3238,11 @@
 </file>
 
 <file path=ppt/slideLayouts/slideLayout4.xml><?xml version="1.0" encoding="utf-8"?>
-<p:sldLayout xmlns:a="http://schemas.openxmlformats.org/drawingml/2006/main" xmlns:r="http://schemas.openxmlformats.org/officeDocument/2006/relationships" xmlns:mc="http://schemas.openxmlformats.org/markup-compatibility/2006" xmlns:mv="urn:schemas-microsoft-com:mac:vml" xmlns:p="http://schemas.openxmlformats.org/presentationml/2006/main" xmlns:c="http://schemas.openxmlformats.org/drawingml/2006/chart" xmlns:dgm="http://schemas.openxmlformats.org/drawingml/2006/diagram" xmlns:o="urn:schemas-microsoft-com:office:office" xmlns:v="urn:schemas-microsoft-com:vml" xmlns:pvml="urn:schemas-microsoft-com:office:powerpoint" xmlns:com="http://schemas.openxmlformats.org/drawingml/2006/compatibility" xmlns:p14="http://schemas.microsoft.com/office/powerpoint/2010/main" type="twoColTx">
+<p:sldLayout xmlns:a="http://schemas.openxmlformats.org/drawingml/2006/main" xmlns:r="http://schemas.openxmlformats.org/officeDocument/2006/relationships" xmlns:p="http://schemas.openxmlformats.org/presentationml/2006/main" type="twoColTx">
   <p:cSld name="Title and two columns">
     <p:spTree>
       <p:nvGrpSpPr>
-        <p:cNvPr id="21" name="Shape 21"/>
+        <p:cNvPr id="1" name="Shape 21"/>
         <p:cNvGrpSpPr/>
         <p:nvPr/>
       </p:nvGrpSpPr>
@@ -3783,7 +3257,9 @@
       <p:sp>
         <p:nvSpPr>
           <p:cNvPr id="22" name="Shape 22"/>
-          <p:cNvSpPr txBox="1"/>
+          <p:cNvSpPr txBox="1">
+            <a:spLocks noGrp="1"/>
+          </p:cNvSpPr>
           <p:nvPr>
             <p:ph type="title"/>
           </p:nvPr>
@@ -3798,7 +3274,7 @@
           </a:prstGeom>
         </p:spPr>
         <p:txBody>
-          <a:bodyPr anchorCtr="0" anchor="t" bIns="91425" lIns="91425" rIns="91425" tIns="91425"/>
+          <a:bodyPr lIns="91425" tIns="91425" rIns="91425" bIns="91425" anchor="t" anchorCtr="0"/>
           <a:lstStyle>
             <a:lvl1pPr lvl="0">
               <a:spcBef>
@@ -3855,15 +3331,19 @@
               <a:defRPr/>
             </a:lvl9pPr>
           </a:lstStyle>
-          <a:p/>
+          <a:p>
+            <a:endParaRPr/>
+          </a:p>
         </p:txBody>
       </p:sp>
       <p:sp>
         <p:nvSpPr>
           <p:cNvPr id="23" name="Shape 23"/>
-          <p:cNvSpPr txBox="1"/>
+          <p:cNvSpPr txBox="1">
+            <a:spLocks noGrp="1"/>
+          </p:cNvSpPr>
           <p:nvPr>
-            <p:ph idx="1" type="body"/>
+            <p:ph type="body" idx="1"/>
           </p:nvPr>
         </p:nvSpPr>
         <p:spPr>
@@ -3876,7 +3356,7 @@
           </a:prstGeom>
         </p:spPr>
         <p:txBody>
-          <a:bodyPr anchorCtr="0" anchor="t" bIns="91425" lIns="91425" rIns="91425" tIns="91425"/>
+          <a:bodyPr lIns="91425" tIns="91425" rIns="91425" bIns="91425" anchor="t" anchorCtr="0"/>
           <a:lstStyle>
             <a:lvl1pPr lvl="0">
               <a:spcBef>
@@ -3942,15 +3422,19 @@
               <a:defRPr sz="1200"/>
             </a:lvl9pPr>
           </a:lstStyle>
-          <a:p/>
+          <a:p>
+            <a:endParaRPr/>
+          </a:p>
         </p:txBody>
       </p:sp>
       <p:sp>
         <p:nvSpPr>
           <p:cNvPr id="24" name="Shape 24"/>
-          <p:cNvSpPr txBox="1"/>
+          <p:cNvSpPr txBox="1">
+            <a:spLocks noGrp="1"/>
+          </p:cNvSpPr>
           <p:nvPr>
-            <p:ph idx="2" type="body"/>
+            <p:ph type="body" idx="2"/>
           </p:nvPr>
         </p:nvSpPr>
         <p:spPr>
@@ -3963,7 +3447,7 @@
           </a:prstGeom>
         </p:spPr>
         <p:txBody>
-          <a:bodyPr anchorCtr="0" anchor="t" bIns="91425" lIns="91425" rIns="91425" tIns="91425"/>
+          <a:bodyPr lIns="91425" tIns="91425" rIns="91425" bIns="91425" anchor="t" anchorCtr="0"/>
           <a:lstStyle>
             <a:lvl1pPr lvl="0">
               <a:spcBef>
@@ -4029,15 +3513,19 @@
               <a:defRPr sz="1200"/>
             </a:lvl9pPr>
           </a:lstStyle>
-          <a:p/>
+          <a:p>
+            <a:endParaRPr/>
+          </a:p>
         </p:txBody>
       </p:sp>
       <p:sp>
         <p:nvSpPr>
           <p:cNvPr id="25" name="Shape 25"/>
-          <p:cNvSpPr txBox="1"/>
+          <p:cNvSpPr txBox="1">
+            <a:spLocks noGrp="1"/>
+          </p:cNvSpPr>
           <p:nvPr>
-            <p:ph idx="12" type="sldNum"/>
+            <p:ph type="sldNum" idx="12"/>
           </p:nvPr>
         </p:nvSpPr>
         <p:spPr>
@@ -4050,7 +3538,7 @@
           </a:prstGeom>
         </p:spPr>
         <p:txBody>
-          <a:bodyPr anchorCtr="0" anchor="ctr" bIns="91425" lIns="91425" rIns="91425" tIns="91425">
+          <a:bodyPr lIns="91425" tIns="91425" rIns="91425" bIns="91425" anchor="ctr" anchorCtr="0">
             <a:noAutofit/>
           </a:bodyPr>
           <a:lstStyle/>
@@ -4065,6 +3553,7 @@
               <a:rPr lang="en"/>
               <a:t>‹#›</a:t>
             </a:fld>
+            <a:endParaRPr lang="en"/>
           </a:p>
         </p:txBody>
       </p:sp>
@@ -4077,11 +3566,11 @@
 </file>
 
 <file path=ppt/slideLayouts/slideLayout5.xml><?xml version="1.0" encoding="utf-8"?>
-<p:sldLayout xmlns:a="http://schemas.openxmlformats.org/drawingml/2006/main" xmlns:r="http://schemas.openxmlformats.org/officeDocument/2006/relationships" xmlns:mc="http://schemas.openxmlformats.org/markup-compatibility/2006" xmlns:mv="urn:schemas-microsoft-com:mac:vml" xmlns:p="http://schemas.openxmlformats.org/presentationml/2006/main" xmlns:c="http://schemas.openxmlformats.org/drawingml/2006/chart" xmlns:dgm="http://schemas.openxmlformats.org/drawingml/2006/diagram" xmlns:o="urn:schemas-microsoft-com:office:office" xmlns:v="urn:schemas-microsoft-com:vml" xmlns:pvml="urn:schemas-microsoft-com:office:powerpoint" xmlns:com="http://schemas.openxmlformats.org/drawingml/2006/compatibility" xmlns:p14="http://schemas.microsoft.com/office/powerpoint/2010/main" type="titleOnly">
+<p:sldLayout xmlns:a="http://schemas.openxmlformats.org/drawingml/2006/main" xmlns:r="http://schemas.openxmlformats.org/officeDocument/2006/relationships" xmlns:p="http://schemas.openxmlformats.org/presentationml/2006/main" type="titleOnly">
   <p:cSld name="Title only">
     <p:spTree>
       <p:nvGrpSpPr>
-        <p:cNvPr id="26" name="Shape 26"/>
+        <p:cNvPr id="1" name="Shape 26"/>
         <p:cNvGrpSpPr/>
         <p:nvPr/>
       </p:nvGrpSpPr>
@@ -4096,7 +3585,9 @@
       <p:sp>
         <p:nvSpPr>
           <p:cNvPr id="27" name="Shape 27"/>
-          <p:cNvSpPr txBox="1"/>
+          <p:cNvSpPr txBox="1">
+            <a:spLocks noGrp="1"/>
+          </p:cNvSpPr>
           <p:nvPr>
             <p:ph type="title"/>
           </p:nvPr>
@@ -4111,7 +3602,7 @@
           </a:prstGeom>
         </p:spPr>
         <p:txBody>
-          <a:bodyPr anchorCtr="0" anchor="t" bIns="91425" lIns="91425" rIns="91425" tIns="91425"/>
+          <a:bodyPr lIns="91425" tIns="91425" rIns="91425" bIns="91425" anchor="t" anchorCtr="0"/>
           <a:lstStyle>
             <a:lvl1pPr lvl="0">
               <a:spcBef>
@@ -4177,15 +3668,19 @@
               <a:defRPr sz="4000"/>
             </a:lvl9pPr>
           </a:lstStyle>
-          <a:p/>
+          <a:p>
+            <a:endParaRPr/>
+          </a:p>
         </p:txBody>
       </p:sp>
       <p:sp>
         <p:nvSpPr>
           <p:cNvPr id="28" name="Shape 28"/>
-          <p:cNvSpPr txBox="1"/>
+          <p:cNvSpPr txBox="1">
+            <a:spLocks noGrp="1"/>
+          </p:cNvSpPr>
           <p:nvPr>
-            <p:ph idx="12" type="sldNum"/>
+            <p:ph type="sldNum" idx="12"/>
           </p:nvPr>
         </p:nvSpPr>
         <p:spPr>
@@ -4198,7 +3693,7 @@
           </a:prstGeom>
         </p:spPr>
         <p:txBody>
-          <a:bodyPr anchorCtr="0" anchor="ctr" bIns="91425" lIns="91425" rIns="91425" tIns="91425">
+          <a:bodyPr lIns="91425" tIns="91425" rIns="91425" bIns="91425" anchor="ctr" anchorCtr="0">
             <a:noAutofit/>
           </a:bodyPr>
           <a:lstStyle/>
@@ -4213,6 +3708,7 @@
               <a:rPr lang="en"/>
               <a:t>‹#›</a:t>
             </a:fld>
+            <a:endParaRPr lang="en"/>
           </a:p>
         </p:txBody>
       </p:sp>
@@ -4225,11 +3721,11 @@
 </file>
 
 <file path=ppt/slideLayouts/slideLayout6.xml><?xml version="1.0" encoding="utf-8"?>
-<p:sldLayout xmlns:a="http://schemas.openxmlformats.org/drawingml/2006/main" xmlns:r="http://schemas.openxmlformats.org/officeDocument/2006/relationships" xmlns:mc="http://schemas.openxmlformats.org/markup-compatibility/2006" xmlns:mv="urn:schemas-microsoft-com:mac:vml" xmlns:p="http://schemas.openxmlformats.org/presentationml/2006/main" xmlns:c="http://schemas.openxmlformats.org/drawingml/2006/chart" xmlns:dgm="http://schemas.openxmlformats.org/drawingml/2006/diagram" xmlns:o="urn:schemas-microsoft-com:office:office" xmlns:v="urn:schemas-microsoft-com:vml" xmlns:pvml="urn:schemas-microsoft-com:office:powerpoint" xmlns:com="http://schemas.openxmlformats.org/drawingml/2006/compatibility" xmlns:p14="http://schemas.microsoft.com/office/powerpoint/2010/main">
+<p:sldLayout xmlns:a="http://schemas.openxmlformats.org/drawingml/2006/main" xmlns:r="http://schemas.openxmlformats.org/officeDocument/2006/relationships" xmlns:p="http://schemas.openxmlformats.org/presentationml/2006/main">
   <p:cSld name="One column text">
     <p:spTree>
       <p:nvGrpSpPr>
-        <p:cNvPr id="29" name="Shape 29"/>
+        <p:cNvPr id="1" name="Shape 29"/>
         <p:cNvGrpSpPr/>
         <p:nvPr/>
       </p:nvGrpSpPr>
@@ -4244,7 +3740,9 @@
       <p:sp>
         <p:nvSpPr>
           <p:cNvPr id="30" name="Shape 30"/>
-          <p:cNvSpPr txBox="1"/>
+          <p:cNvSpPr txBox="1">
+            <a:spLocks noGrp="1"/>
+          </p:cNvSpPr>
           <p:nvPr>
             <p:ph type="title"/>
           </p:nvPr>
@@ -4259,7 +3757,7 @@
           </a:prstGeom>
         </p:spPr>
         <p:txBody>
-          <a:bodyPr anchorCtr="0" anchor="b" bIns="91425" lIns="91425" rIns="91425" tIns="91425"/>
+          <a:bodyPr lIns="91425" tIns="91425" rIns="91425" bIns="91425" anchor="b" anchorCtr="0"/>
           <a:lstStyle>
             <a:lvl1pPr lvl="0">
               <a:spcBef>
@@ -4325,15 +3823,19 @@
               <a:defRPr sz="3000"/>
             </a:lvl9pPr>
           </a:lstStyle>
-          <a:p/>
+          <a:p>
+            <a:endParaRPr/>
+          </a:p>
         </p:txBody>
       </p:sp>
       <p:sp>
         <p:nvSpPr>
           <p:cNvPr id="31" name="Shape 31"/>
-          <p:cNvSpPr txBox="1"/>
+          <p:cNvSpPr txBox="1">
+            <a:spLocks noGrp="1"/>
+          </p:cNvSpPr>
           <p:nvPr>
-            <p:ph idx="1" type="body"/>
+            <p:ph type="body" idx="1"/>
           </p:nvPr>
         </p:nvSpPr>
         <p:spPr>
@@ -4346,7 +3848,7 @@
           </a:prstGeom>
         </p:spPr>
         <p:txBody>
-          <a:bodyPr anchorCtr="0" anchor="t" bIns="91425" lIns="91425" rIns="91425" tIns="91425"/>
+          <a:bodyPr lIns="91425" tIns="91425" rIns="91425" bIns="91425" anchor="t" anchorCtr="0"/>
           <a:lstStyle>
             <a:lvl1pPr lvl="0">
               <a:spcBef>
@@ -4412,15 +3914,19 @@
               <a:defRPr sz="1200"/>
             </a:lvl9pPr>
           </a:lstStyle>
-          <a:p/>
+          <a:p>
+            <a:endParaRPr/>
+          </a:p>
         </p:txBody>
       </p:sp>
       <p:sp>
         <p:nvSpPr>
           <p:cNvPr id="32" name="Shape 32"/>
-          <p:cNvSpPr txBox="1"/>
+          <p:cNvSpPr txBox="1">
+            <a:spLocks noGrp="1"/>
+          </p:cNvSpPr>
           <p:nvPr>
-            <p:ph idx="12" type="sldNum"/>
+            <p:ph type="sldNum" idx="12"/>
           </p:nvPr>
         </p:nvSpPr>
         <p:spPr>
@@ -4433,7 +3939,7 @@
           </a:prstGeom>
         </p:spPr>
         <p:txBody>
-          <a:bodyPr anchorCtr="0" anchor="ctr" bIns="91425" lIns="91425" rIns="91425" tIns="91425">
+          <a:bodyPr lIns="91425" tIns="91425" rIns="91425" bIns="91425" anchor="ctr" anchorCtr="0">
             <a:noAutofit/>
           </a:bodyPr>
           <a:lstStyle/>
@@ -4448,6 +3954,7 @@
               <a:rPr lang="en"/>
               <a:t>‹#›</a:t>
             </a:fld>
+            <a:endParaRPr lang="en"/>
           </a:p>
         </p:txBody>
       </p:sp>
@@ -4460,18 +3967,19 @@
 </file>
 
 <file path=ppt/slideLayouts/slideLayout7.xml><?xml version="1.0" encoding="utf-8"?>
-<p:sldLayout xmlns:a="http://schemas.openxmlformats.org/drawingml/2006/main" xmlns:r="http://schemas.openxmlformats.org/officeDocument/2006/relationships" xmlns:mc="http://schemas.openxmlformats.org/markup-compatibility/2006" xmlns:mv="urn:schemas-microsoft-com:mac:vml" xmlns:p="http://schemas.openxmlformats.org/presentationml/2006/main" xmlns:c="http://schemas.openxmlformats.org/drawingml/2006/chart" xmlns:dgm="http://schemas.openxmlformats.org/drawingml/2006/diagram" xmlns:o="urn:schemas-microsoft-com:office:office" xmlns:v="urn:schemas-microsoft-com:vml" xmlns:pvml="urn:schemas-microsoft-com:office:powerpoint" xmlns:com="http://schemas.openxmlformats.org/drawingml/2006/compatibility" xmlns:p14="http://schemas.microsoft.com/office/powerpoint/2010/main">
+<p:sldLayout xmlns:a="http://schemas.openxmlformats.org/drawingml/2006/main" xmlns:r="http://schemas.openxmlformats.org/officeDocument/2006/relationships" xmlns:p="http://schemas.openxmlformats.org/presentationml/2006/main">
   <p:cSld name="Main point">
     <p:bg>
       <p:bgPr>
         <a:solidFill>
           <a:schemeClr val="accent4"/>
         </a:solidFill>
+        <a:effectLst/>
       </p:bgPr>
     </p:bg>
     <p:spTree>
       <p:nvGrpSpPr>
-        <p:cNvPr id="33" name="Shape 33"/>
+        <p:cNvPr id="1" name="Shape 33"/>
         <p:cNvGrpSpPr/>
         <p:nvPr/>
       </p:nvGrpSpPr>
@@ -4486,7 +3994,9 @@
       <p:sp>
         <p:nvSpPr>
           <p:cNvPr id="34" name="Shape 34"/>
-          <p:cNvSpPr txBox="1"/>
+          <p:cNvSpPr txBox="1">
+            <a:spLocks noGrp="1"/>
+          </p:cNvSpPr>
           <p:nvPr>
             <p:ph type="title"/>
           </p:nvPr>
@@ -4501,7 +4011,7 @@
           </a:prstGeom>
         </p:spPr>
         <p:txBody>
-          <a:bodyPr anchorCtr="0" anchor="ctr" bIns="91425" lIns="91425" rIns="91425" tIns="91425"/>
+          <a:bodyPr lIns="91425" tIns="91425" rIns="91425" bIns="91425" anchor="ctr" anchorCtr="0"/>
           <a:lstStyle>
             <a:lvl1pPr lvl="0">
               <a:spcBef>
@@ -4630,15 +4140,19 @@
               </a:defRPr>
             </a:lvl9pPr>
           </a:lstStyle>
-          <a:p/>
+          <a:p>
+            <a:endParaRPr/>
+          </a:p>
         </p:txBody>
       </p:sp>
       <p:sp>
         <p:nvSpPr>
           <p:cNvPr id="35" name="Shape 35"/>
-          <p:cNvSpPr txBox="1"/>
+          <p:cNvSpPr txBox="1">
+            <a:spLocks noGrp="1"/>
+          </p:cNvSpPr>
           <p:nvPr>
-            <p:ph idx="12" type="sldNum"/>
+            <p:ph type="sldNum" idx="12"/>
           </p:nvPr>
         </p:nvSpPr>
         <p:spPr>
@@ -4651,7 +4165,7 @@
           </a:prstGeom>
         </p:spPr>
         <p:txBody>
-          <a:bodyPr anchorCtr="0" anchor="ctr" bIns="91425" lIns="91425" rIns="91425" tIns="91425">
+          <a:bodyPr lIns="91425" tIns="91425" rIns="91425" bIns="91425" anchor="ctr" anchorCtr="0">
             <a:noAutofit/>
           </a:bodyPr>
           <a:lstStyle/>
@@ -4670,6 +4184,11 @@
               </a:rPr>
               <a:t>‹#›</a:t>
             </a:fld>
+            <a:endParaRPr lang="en">
+              <a:solidFill>
+                <a:schemeClr val="lt1"/>
+              </a:solidFill>
+            </a:endParaRPr>
           </a:p>
         </p:txBody>
       </p:sp>
@@ -4682,11 +4201,11 @@
 </file>
 
 <file path=ppt/slideLayouts/slideLayout8.xml><?xml version="1.0" encoding="utf-8"?>
-<p:sldLayout xmlns:a="http://schemas.openxmlformats.org/drawingml/2006/main" xmlns:r="http://schemas.openxmlformats.org/officeDocument/2006/relationships" xmlns:mc="http://schemas.openxmlformats.org/markup-compatibility/2006" xmlns:mv="urn:schemas-microsoft-com:mac:vml" xmlns:p="http://schemas.openxmlformats.org/presentationml/2006/main" xmlns:c="http://schemas.openxmlformats.org/drawingml/2006/chart" xmlns:dgm="http://schemas.openxmlformats.org/drawingml/2006/diagram" xmlns:o="urn:schemas-microsoft-com:office:office" xmlns:v="urn:schemas-microsoft-com:vml" xmlns:pvml="urn:schemas-microsoft-com:office:powerpoint" xmlns:com="http://schemas.openxmlformats.org/drawingml/2006/compatibility" xmlns:p14="http://schemas.microsoft.com/office/powerpoint/2010/main">
+<p:sldLayout xmlns:a="http://schemas.openxmlformats.org/drawingml/2006/main" xmlns:r="http://schemas.openxmlformats.org/officeDocument/2006/relationships" xmlns:p="http://schemas.openxmlformats.org/presentationml/2006/main">
   <p:cSld name="Section title and description">
     <p:spTree>
       <p:nvGrpSpPr>
-        <p:cNvPr id="36" name="Shape 36"/>
+        <p:cNvPr id="1" name="Shape 36"/>
         <p:cNvGrpSpPr/>
         <p:nvPr/>
       </p:nvGrpSpPr>
@@ -4720,7 +4239,7 @@
           </a:ln>
         </p:spPr>
         <p:txBody>
-          <a:bodyPr anchorCtr="0" anchor="ctr" bIns="91425" lIns="91425" rIns="91425" tIns="91425">
+          <a:bodyPr lIns="91425" tIns="91425" rIns="91425" bIns="91425" anchor="ctr" anchorCtr="0">
             <a:noAutofit/>
           </a:bodyPr>
           <a:lstStyle/>
@@ -4731,9 +4250,6 @@
               </a:spcBef>
               <a:buNone/>
             </a:pPr>
-            <a:r>
-              <a:t/>
-            </a:r>
             <a:endParaRPr/>
           </a:p>
         </p:txBody>
@@ -4753,21 +4269,23 @@
             <a:avLst/>
           </a:prstGeom>
           <a:noFill/>
-          <a:ln cap="flat" cmpd="sng" w="28575">
+          <a:ln w="28575" cap="flat" cmpd="sng">
             <a:solidFill>
               <a:schemeClr val="lt1"/>
             </a:solidFill>
             <a:prstDash val="solid"/>
             <a:round/>
-            <a:headEnd len="med" w="med" type="none"/>
-            <a:tailEnd len="med" w="med" type="none"/>
+            <a:headEnd type="none" w="med" len="med"/>
+            <a:tailEnd type="none" w="med" len="med"/>
           </a:ln>
         </p:spPr>
       </p:cxnSp>
       <p:sp>
         <p:nvSpPr>
           <p:cNvPr id="39" name="Shape 39"/>
-          <p:cNvSpPr txBox="1"/>
+          <p:cNvSpPr txBox="1">
+            <a:spLocks noGrp="1"/>
+          </p:cNvSpPr>
           <p:nvPr>
             <p:ph type="title"/>
           </p:nvPr>
@@ -4782,7 +4300,7 @@
           </a:prstGeom>
         </p:spPr>
         <p:txBody>
-          <a:bodyPr anchorCtr="0" anchor="b" bIns="91425" lIns="91425" rIns="91425" tIns="91425"/>
+          <a:bodyPr lIns="91425" tIns="91425" rIns="91425" bIns="91425" anchor="b" anchorCtr="0"/>
           <a:lstStyle>
             <a:lvl1pPr lvl="0" algn="ctr">
               <a:spcBef>
@@ -4848,15 +4366,19 @@
               <a:defRPr sz="5400"/>
             </a:lvl9pPr>
           </a:lstStyle>
-          <a:p/>
+          <a:p>
+            <a:endParaRPr/>
+          </a:p>
         </p:txBody>
       </p:sp>
       <p:sp>
         <p:nvSpPr>
           <p:cNvPr id="40" name="Shape 40"/>
-          <p:cNvSpPr txBox="1"/>
+          <p:cNvSpPr txBox="1">
+            <a:spLocks noGrp="1"/>
+          </p:cNvSpPr>
           <p:nvPr>
-            <p:ph idx="1" type="subTitle"/>
+            <p:ph type="subTitle" idx="1"/>
           </p:nvPr>
         </p:nvSpPr>
         <p:spPr>
@@ -4869,7 +4391,7 @@
           </a:prstGeom>
         </p:spPr>
         <p:txBody>
-          <a:bodyPr anchorCtr="0" anchor="t" bIns="91425" lIns="91425" rIns="91425" tIns="91425"/>
+          <a:bodyPr lIns="91425" tIns="91425" rIns="91425" bIns="91425" anchor="t" anchorCtr="0"/>
           <a:lstStyle>
             <a:lvl1pPr lvl="0" algn="ctr">
               <a:lnSpc>
@@ -4997,15 +4519,19 @@
               <a:defRPr sz="1800"/>
             </a:lvl9pPr>
           </a:lstStyle>
-          <a:p/>
+          <a:p>
+            <a:endParaRPr/>
+          </a:p>
         </p:txBody>
       </p:sp>
       <p:sp>
         <p:nvSpPr>
           <p:cNvPr id="41" name="Shape 41"/>
-          <p:cNvSpPr txBox="1"/>
+          <p:cNvSpPr txBox="1">
+            <a:spLocks noGrp="1"/>
+          </p:cNvSpPr>
           <p:nvPr>
-            <p:ph idx="2" type="body"/>
+            <p:ph type="body" idx="2"/>
           </p:nvPr>
         </p:nvSpPr>
         <p:spPr>
@@ -5018,7 +4544,7 @@
           </a:prstGeom>
         </p:spPr>
         <p:txBody>
-          <a:bodyPr anchorCtr="0" anchor="ctr" bIns="91425" lIns="91425" rIns="91425" tIns="91425"/>
+          <a:bodyPr lIns="91425" tIns="91425" rIns="91425" bIns="91425" anchor="ctr" anchorCtr="0"/>
           <a:lstStyle>
             <a:lvl1pPr lvl="0">
               <a:spcBef>
@@ -5138,15 +4664,19 @@
               </a:defRPr>
             </a:lvl9pPr>
           </a:lstStyle>
-          <a:p/>
+          <a:p>
+            <a:endParaRPr/>
+          </a:p>
         </p:txBody>
       </p:sp>
       <p:sp>
         <p:nvSpPr>
           <p:cNvPr id="42" name="Shape 42"/>
-          <p:cNvSpPr txBox="1"/>
+          <p:cNvSpPr txBox="1">
+            <a:spLocks noGrp="1"/>
+          </p:cNvSpPr>
           <p:nvPr>
-            <p:ph idx="12" type="sldNum"/>
+            <p:ph type="sldNum" idx="12"/>
           </p:nvPr>
         </p:nvSpPr>
         <p:spPr>
@@ -5159,7 +4689,7 @@
           </a:prstGeom>
         </p:spPr>
         <p:txBody>
-          <a:bodyPr anchorCtr="0" anchor="ctr" bIns="91425" lIns="91425" rIns="91425" tIns="91425">
+          <a:bodyPr lIns="91425" tIns="91425" rIns="91425" bIns="91425" anchor="ctr" anchorCtr="0">
             <a:noAutofit/>
           </a:bodyPr>
           <a:lstStyle/>
@@ -5174,6 +4704,7 @@
               <a:rPr lang="en"/>
               <a:t>‹#›</a:t>
             </a:fld>
+            <a:endParaRPr lang="en"/>
           </a:p>
         </p:txBody>
       </p:sp>
@@ -5186,11 +4717,11 @@
 </file>
 
 <file path=ppt/slideLayouts/slideLayout9.xml><?xml version="1.0" encoding="utf-8"?>
-<p:sldLayout xmlns:a="http://schemas.openxmlformats.org/drawingml/2006/main" xmlns:r="http://schemas.openxmlformats.org/officeDocument/2006/relationships" xmlns:mc="http://schemas.openxmlformats.org/markup-compatibility/2006" xmlns:mv="urn:schemas-microsoft-com:mac:vml" xmlns:p="http://schemas.openxmlformats.org/presentationml/2006/main" xmlns:c="http://schemas.openxmlformats.org/drawingml/2006/chart" xmlns:dgm="http://schemas.openxmlformats.org/drawingml/2006/diagram" xmlns:o="urn:schemas-microsoft-com:office:office" xmlns:v="urn:schemas-microsoft-com:vml" xmlns:pvml="urn:schemas-microsoft-com:office:powerpoint" xmlns:com="http://schemas.openxmlformats.org/drawingml/2006/compatibility" xmlns:p14="http://schemas.microsoft.com/office/powerpoint/2010/main">
+<p:sldLayout xmlns:a="http://schemas.openxmlformats.org/drawingml/2006/main" xmlns:r="http://schemas.openxmlformats.org/officeDocument/2006/relationships" xmlns:p="http://schemas.openxmlformats.org/presentationml/2006/main">
   <p:cSld name="Caption">
     <p:spTree>
       <p:nvGrpSpPr>
-        <p:cNvPr id="43" name="Shape 43"/>
+        <p:cNvPr id="1" name="Shape 43"/>
         <p:cNvGrpSpPr/>
         <p:nvPr/>
       </p:nvGrpSpPr>
@@ -5205,9 +4736,11 @@
       <p:sp>
         <p:nvSpPr>
           <p:cNvPr id="44" name="Shape 44"/>
-          <p:cNvSpPr txBox="1"/>
+          <p:cNvSpPr txBox="1">
+            <a:spLocks noGrp="1"/>
+          </p:cNvSpPr>
           <p:nvPr>
-            <p:ph idx="1" type="body"/>
+            <p:ph type="body" idx="1"/>
           </p:nvPr>
         </p:nvSpPr>
         <p:spPr>
@@ -5220,7 +4753,7 @@
           </a:prstGeom>
         </p:spPr>
         <p:txBody>
-          <a:bodyPr anchorCtr="0" anchor="ctr" bIns="91425" lIns="91425" rIns="91425" tIns="91425"/>
+          <a:bodyPr lIns="91425" tIns="91425" rIns="91425" bIns="91425" anchor="ctr" anchorCtr="0"/>
           <a:lstStyle>
             <a:lvl1pPr lvl="0">
               <a:lnSpc>
@@ -5238,7 +4771,7 @@
               <a:buSzPct val="100000"/>
               <a:buFont typeface="Amatic SC"/>
               <a:buNone/>
-              <a:defRPr b="1" sz="2400">
+              <a:defRPr sz="2400" b="1">
                 <a:solidFill>
                   <a:schemeClr val="accent1"/>
                 </a:solidFill>
@@ -5249,15 +4782,19 @@
               </a:defRPr>
             </a:lvl1pPr>
           </a:lstStyle>
-          <a:p/>
+          <a:p>
+            <a:endParaRPr/>
+          </a:p>
         </p:txBody>
       </p:sp>
       <p:sp>
         <p:nvSpPr>
           <p:cNvPr id="45" name="Shape 45"/>
-          <p:cNvSpPr txBox="1"/>
+          <p:cNvSpPr txBox="1">
+            <a:spLocks noGrp="1"/>
+          </p:cNvSpPr>
           <p:nvPr>
-            <p:ph idx="12" type="sldNum"/>
+            <p:ph type="sldNum" idx="12"/>
           </p:nvPr>
         </p:nvSpPr>
         <p:spPr>
@@ -5270,7 +4807,7 @@
           </a:prstGeom>
         </p:spPr>
         <p:txBody>
-          <a:bodyPr anchorCtr="0" anchor="ctr" bIns="91425" lIns="91425" rIns="91425" tIns="91425">
+          <a:bodyPr lIns="91425" tIns="91425" rIns="91425" bIns="91425" anchor="ctr" anchorCtr="0">
             <a:noAutofit/>
           </a:bodyPr>
           <a:lstStyle/>
@@ -5285,6 +4822,7 @@
               <a:rPr lang="en"/>
               <a:t>‹#›</a:t>
             </a:fld>
+            <a:endParaRPr lang="en"/>
           </a:p>
         </p:txBody>
       </p:sp>
@@ -5297,18 +4835,19 @@
 </file>
 
 <file path=ppt/slideMasters/slideMaster1.xml><?xml version="1.0" encoding="utf-8"?>
-<p:sldMaster xmlns:a="http://schemas.openxmlformats.org/drawingml/2006/main" xmlns:r="http://schemas.openxmlformats.org/officeDocument/2006/relationships" xmlns:mc="http://schemas.openxmlformats.org/markup-compatibility/2006" xmlns:mv="urn:schemas-microsoft-com:mac:vml" xmlns:p="http://schemas.openxmlformats.org/presentationml/2006/main" xmlns:c="http://schemas.openxmlformats.org/drawingml/2006/chart" xmlns:dgm="http://schemas.openxmlformats.org/drawingml/2006/diagram" xmlns:o="urn:schemas-microsoft-com:office:office" xmlns:v="urn:schemas-microsoft-com:vml" xmlns:pvml="urn:schemas-microsoft-com:office:powerpoint" xmlns:com="http://schemas.openxmlformats.org/drawingml/2006/compatibility" xmlns:p14="http://schemas.microsoft.com/office/powerpoint/2010/main">
+<p:sldMaster xmlns:a="http://schemas.openxmlformats.org/drawingml/2006/main" xmlns:r="http://schemas.openxmlformats.org/officeDocument/2006/relationships" xmlns:p="http://schemas.openxmlformats.org/presentationml/2006/main">
   <p:cSld>
     <p:bg>
       <p:bgPr>
         <a:solidFill>
           <a:schemeClr val="lt1"/>
         </a:solidFill>
+        <a:effectLst/>
       </p:bgPr>
     </p:bg>
     <p:spTree>
       <p:nvGrpSpPr>
-        <p:cNvPr id="5" name="Shape 5"/>
+        <p:cNvPr id="1" name="Shape 5"/>
         <p:cNvGrpSpPr/>
         <p:nvPr/>
       </p:nvGrpSpPr>
@@ -5323,7 +4862,9 @@
       <p:sp>
         <p:nvSpPr>
           <p:cNvPr id="6" name="Shape 6"/>
-          <p:cNvSpPr txBox="1"/>
+          <p:cNvSpPr txBox="1">
+            <a:spLocks noGrp="1"/>
+          </p:cNvSpPr>
           <p:nvPr>
             <p:ph type="title"/>
           </p:nvPr>
@@ -5342,7 +4883,7 @@
           </a:ln>
         </p:spPr>
         <p:txBody>
-          <a:bodyPr anchorCtr="0" anchor="t" bIns="91425" lIns="91425" rIns="91425" tIns="91425"/>
+          <a:bodyPr lIns="91425" tIns="91425" rIns="91425" bIns="91425" anchor="t" anchorCtr="0"/>
           <a:lstStyle>
             <a:lvl1pPr lvl="0">
               <a:spcBef>
@@ -5354,7 +4895,7 @@
               <a:buSzPct val="100000"/>
               <a:buFont typeface="Amatic SC"/>
               <a:buNone/>
-              <a:defRPr b="1" sz="4200">
+              <a:defRPr sz="4200" b="1">
                 <a:solidFill>
                   <a:schemeClr val="accent1"/>
                 </a:solidFill>
@@ -5374,7 +4915,7 @@
               <a:buSzPct val="100000"/>
               <a:buFont typeface="Amatic SC"/>
               <a:buNone/>
-              <a:defRPr b="1" sz="4200">
+              <a:defRPr sz="4200" b="1">
                 <a:solidFill>
                   <a:schemeClr val="accent1"/>
                 </a:solidFill>
@@ -5394,7 +4935,7 @@
               <a:buSzPct val="100000"/>
               <a:buFont typeface="Amatic SC"/>
               <a:buNone/>
-              <a:defRPr b="1" sz="4200">
+              <a:defRPr sz="4200" b="1">
                 <a:solidFill>
                   <a:schemeClr val="accent1"/>
                 </a:solidFill>
@@ -5414,7 +4955,7 @@
               <a:buSzPct val="100000"/>
               <a:buFont typeface="Amatic SC"/>
               <a:buNone/>
-              <a:defRPr b="1" sz="4200">
+              <a:defRPr sz="4200" b="1">
                 <a:solidFill>
                   <a:schemeClr val="accent1"/>
                 </a:solidFill>
@@ -5434,7 +4975,7 @@
               <a:buSzPct val="100000"/>
               <a:buFont typeface="Amatic SC"/>
               <a:buNone/>
-              <a:defRPr b="1" sz="4200">
+              <a:defRPr sz="4200" b="1">
                 <a:solidFill>
                   <a:schemeClr val="accent1"/>
                 </a:solidFill>
@@ -5454,7 +4995,7 @@
               <a:buSzPct val="100000"/>
               <a:buFont typeface="Amatic SC"/>
               <a:buNone/>
-              <a:defRPr b="1" sz="4200">
+              <a:defRPr sz="4200" b="1">
                 <a:solidFill>
                   <a:schemeClr val="accent1"/>
                 </a:solidFill>
@@ -5474,7 +5015,7 @@
               <a:buSzPct val="100000"/>
               <a:buFont typeface="Amatic SC"/>
               <a:buNone/>
-              <a:defRPr b="1" sz="4200">
+              <a:defRPr sz="4200" b="1">
                 <a:solidFill>
                   <a:schemeClr val="accent1"/>
                 </a:solidFill>
@@ -5494,7 +5035,7 @@
               <a:buSzPct val="100000"/>
               <a:buFont typeface="Amatic SC"/>
               <a:buNone/>
-              <a:defRPr b="1" sz="4200">
+              <a:defRPr sz="4200" b="1">
                 <a:solidFill>
                   <a:schemeClr val="accent1"/>
                 </a:solidFill>
@@ -5514,7 +5055,7 @@
               <a:buSzPct val="100000"/>
               <a:buFont typeface="Amatic SC"/>
               <a:buNone/>
-              <a:defRPr b="1" sz="4200">
+              <a:defRPr sz="4200" b="1">
                 <a:solidFill>
                   <a:schemeClr val="accent1"/>
                 </a:solidFill>
@@ -5525,15 +5066,19 @@
               </a:defRPr>
             </a:lvl9pPr>
           </a:lstStyle>
-          <a:p/>
+          <a:p>
+            <a:endParaRPr/>
+          </a:p>
         </p:txBody>
       </p:sp>
       <p:sp>
         <p:nvSpPr>
           <p:cNvPr id="7" name="Shape 7"/>
-          <p:cNvSpPr txBox="1"/>
+          <p:cNvSpPr txBox="1">
+            <a:spLocks noGrp="1"/>
+          </p:cNvSpPr>
           <p:nvPr>
-            <p:ph idx="1" type="body"/>
+            <p:ph type="body" idx="1"/>
           </p:nvPr>
         </p:nvSpPr>
         <p:spPr>
@@ -5550,7 +5095,7 @@
           </a:ln>
         </p:spPr>
         <p:txBody>
-          <a:bodyPr anchorCtr="0" anchor="t" bIns="91425" lIns="91425" rIns="91425" tIns="91425"/>
+          <a:bodyPr lIns="91425" tIns="91425" rIns="91425" bIns="91425" anchor="t" anchorCtr="0"/>
           <a:lstStyle>
             <a:lvl1pPr lvl="0">
               <a:lnSpc>
@@ -5770,15 +5315,19 @@
               </a:defRPr>
             </a:lvl9pPr>
           </a:lstStyle>
-          <a:p/>
+          <a:p>
+            <a:endParaRPr/>
+          </a:p>
         </p:txBody>
       </p:sp>
       <p:sp>
         <p:nvSpPr>
           <p:cNvPr id="8" name="Shape 8"/>
-          <p:cNvSpPr txBox="1"/>
+          <p:cNvSpPr txBox="1">
+            <a:spLocks noGrp="1"/>
+          </p:cNvSpPr>
           <p:nvPr>
-            <p:ph idx="12" type="sldNum"/>
+            <p:ph type="sldNum" idx="12"/>
           </p:nvPr>
         </p:nvSpPr>
         <p:spPr>
@@ -5795,7 +5344,7 @@
           </a:ln>
         </p:spPr>
         <p:txBody>
-          <a:bodyPr anchorCtr="0" anchor="ctr" bIns="91425" lIns="91425" rIns="91425" tIns="91425">
+          <a:bodyPr lIns="91425" tIns="91425" rIns="91425" bIns="91425" anchor="ctr" anchorCtr="0">
             <a:noAutofit/>
           </a:bodyPr>
           <a:lstStyle/>
@@ -5818,12 +5367,21 @@
               </a:rPr>
               <a:t>‹#›</a:t>
             </a:fld>
+            <a:endParaRPr lang="en" sz="1000">
+              <a:solidFill>
+                <a:schemeClr val="accent1"/>
+              </a:solidFill>
+              <a:latin typeface="Source Code Pro"/>
+              <a:ea typeface="Source Code Pro"/>
+              <a:cs typeface="Source Code Pro"/>
+              <a:sym typeface="Source Code Pro"/>
+            </a:endParaRPr>
           </a:p>
         </p:txBody>
       </p:sp>
     </p:spTree>
   </p:cSld>
-  <p:clrMap accent1="accent1" accent2="accent2" accent3="accent3" accent4="accent4" accent5="accent5" accent6="accent6" bg1="lt1" bg2="dk2" tx1="dk1" tx2="lt2" folHlink="folHlink" hlink="hlink"/>
+  <p:clrMap bg1="lt1" tx1="dk1" bg2="dk2" tx2="lt2" accent1="accent1" accent2="accent2" accent3="accent3" accent4="accent4" accent5="accent5" accent6="accent6" hlink="hlink" folHlink="folHlink"/>
   <p:sldLayoutIdLst>
     <p:sldLayoutId id="2147483648" r:id="rId1"/>
     <p:sldLayoutId id="2147483649" r:id="rId2"/>
@@ -5837,10 +5395,10 @@
     <p:sldLayoutId id="2147483657" r:id="rId10"/>
     <p:sldLayoutId id="2147483658" r:id="rId11"/>
   </p:sldLayoutIdLst>
-  <p:hf dt="0" ftr="0" hdr="0" sldNum="0"/>
+  <p:hf sldNum="0" hdr="0" ftr="0" dt="0"/>
   <p:txStyles>
     <p:titleStyle>
-      <a:defPPr lvl="0" marR="0" rtl="0" algn="l">
+      <a:defPPr marR="0" lvl="0" algn="l" rtl="0">
         <a:lnSpc>
           <a:spcPct val="100000"/>
         </a:lnSpc>
@@ -5851,7 +5409,7 @@
           <a:spcPts val="0"/>
         </a:spcAft>
       </a:defPPr>
-      <a:lvl1pPr lvl="0" marR="0" rtl="0" algn="l">
+      <a:lvl1pPr marR="0" lvl="0" algn="l" rtl="0">
         <a:lnSpc>
           <a:spcPct val="100000"/>
         </a:lnSpc>
@@ -5862,7 +5420,7 @@
           <a:spcPts val="0"/>
         </a:spcAft>
         <a:buNone/>
-        <a:defRPr b="0" i="0" sz="1400" u="none" cap="none" strike="noStrike">
+        <a:defRPr sz="1400" b="0" i="0" u="none" strike="noStrike" cap="none">
           <a:solidFill>
             <a:srgbClr val="000000"/>
           </a:solidFill>
@@ -5874,7 +5432,7 @@
       </a:lvl1pPr>
     </p:titleStyle>
     <p:bodyStyle>
-      <a:defPPr lvl="0" marR="0" rtl="0" algn="l">
+      <a:defPPr marR="0" lvl="0" algn="l" rtl="0">
         <a:lnSpc>
           <a:spcPct val="100000"/>
         </a:lnSpc>
@@ -5885,7 +5443,7 @@
           <a:spcPts val="0"/>
         </a:spcAft>
       </a:defPPr>
-      <a:lvl1pPr lvl="0" marR="0" rtl="0" algn="l">
+      <a:lvl1pPr marR="0" lvl="0" algn="l" rtl="0">
         <a:lnSpc>
           <a:spcPct val="100000"/>
         </a:lnSpc>
@@ -5896,7 +5454,7 @@
           <a:spcPts val="0"/>
         </a:spcAft>
         <a:buNone/>
-        <a:defRPr b="0" i="0" sz="1400" u="none" cap="none" strike="noStrike">
+        <a:defRPr sz="1400" b="0" i="0" u="none" strike="noStrike" cap="none">
           <a:solidFill>
             <a:srgbClr val="000000"/>
           </a:solidFill>
@@ -5906,7 +5464,7 @@
           <a:sym typeface="Arial"/>
         </a:defRPr>
       </a:lvl1pPr>
-      <a:lvl2pPr lvl="1" marR="0" rtl="0" algn="l">
+      <a:lvl2pPr marR="0" lvl="1" algn="l" rtl="0">
         <a:lnSpc>
           <a:spcPct val="100000"/>
         </a:lnSpc>
@@ -5917,7 +5475,7 @@
           <a:spcPts val="0"/>
         </a:spcAft>
         <a:buNone/>
-        <a:defRPr b="0" i="0" sz="1400" u="none" cap="none" strike="noStrike">
+        <a:defRPr sz="1400" b="0" i="0" u="none" strike="noStrike" cap="none">
           <a:solidFill>
             <a:srgbClr val="000000"/>
           </a:solidFill>
@@ -5927,7 +5485,7 @@
           <a:sym typeface="Arial"/>
         </a:defRPr>
       </a:lvl2pPr>
-      <a:lvl3pPr lvl="2" marR="0" rtl="0" algn="l">
+      <a:lvl3pPr marR="0" lvl="2" algn="l" rtl="0">
         <a:lnSpc>
           <a:spcPct val="100000"/>
         </a:lnSpc>
@@ -5938,7 +5496,7 @@
           <a:spcPts val="0"/>
         </a:spcAft>
         <a:buNone/>
-        <a:defRPr b="0" i="0" sz="1400" u="none" cap="none" strike="noStrike">
+        <a:defRPr sz="1400" b="0" i="0" u="none" strike="noStrike" cap="none">
           <a:solidFill>
             <a:srgbClr val="000000"/>
           </a:solidFill>
@@ -5948,7 +5506,7 @@
           <a:sym typeface="Arial"/>
         </a:defRPr>
       </a:lvl3pPr>
-      <a:lvl4pPr lvl="3" marR="0" rtl="0" algn="l">
+      <a:lvl4pPr marR="0" lvl="3" algn="l" rtl="0">
         <a:lnSpc>
           <a:spcPct val="100000"/>
         </a:lnSpc>
@@ -5959,7 +5517,7 @@
           <a:spcPts val="0"/>
         </a:spcAft>
         <a:buNone/>
-        <a:defRPr b="0" i="0" sz="1400" u="none" cap="none" strike="noStrike">
+        <a:defRPr sz="1400" b="0" i="0" u="none" strike="noStrike" cap="none">
           <a:solidFill>
             <a:srgbClr val="000000"/>
           </a:solidFill>
@@ -5969,7 +5527,7 @@
           <a:sym typeface="Arial"/>
         </a:defRPr>
       </a:lvl4pPr>
-      <a:lvl5pPr lvl="4" marR="0" rtl="0" algn="l">
+      <a:lvl5pPr marR="0" lvl="4" algn="l" rtl="0">
         <a:lnSpc>
           <a:spcPct val="100000"/>
         </a:lnSpc>
@@ -5980,7 +5538,7 @@
           <a:spcPts val="0"/>
         </a:spcAft>
         <a:buNone/>
-        <a:defRPr b="0" i="0" sz="1400" u="none" cap="none" strike="noStrike">
+        <a:defRPr sz="1400" b="0" i="0" u="none" strike="noStrike" cap="none">
           <a:solidFill>
             <a:srgbClr val="000000"/>
           </a:solidFill>
@@ -5990,7 +5548,7 @@
           <a:sym typeface="Arial"/>
         </a:defRPr>
       </a:lvl5pPr>
-      <a:lvl6pPr lvl="5" marR="0" rtl="0" algn="l">
+      <a:lvl6pPr marR="0" lvl="5" algn="l" rtl="0">
         <a:lnSpc>
           <a:spcPct val="100000"/>
         </a:lnSpc>
@@ -6001,7 +5559,7 @@
           <a:spcPts val="0"/>
         </a:spcAft>
         <a:buNone/>
-        <a:defRPr b="0" i="0" sz="1400" u="none" cap="none" strike="noStrike">
+        <a:defRPr sz="1400" b="0" i="0" u="none" strike="noStrike" cap="none">
           <a:solidFill>
             <a:srgbClr val="000000"/>
           </a:solidFill>
@@ -6011,7 +5569,7 @@
           <a:sym typeface="Arial"/>
         </a:defRPr>
       </a:lvl6pPr>
-      <a:lvl7pPr lvl="6" marR="0" rtl="0" algn="l">
+      <a:lvl7pPr marR="0" lvl="6" algn="l" rtl="0">
         <a:lnSpc>
           <a:spcPct val="100000"/>
         </a:lnSpc>
@@ -6022,7 +5580,7 @@
           <a:spcPts val="0"/>
         </a:spcAft>
         <a:buNone/>
-        <a:defRPr b="0" i="0" sz="1400" u="none" cap="none" strike="noStrike">
+        <a:defRPr sz="1400" b="0" i="0" u="none" strike="noStrike" cap="none">
           <a:solidFill>
             <a:srgbClr val="000000"/>
           </a:solidFill>
@@ -6032,7 +5590,7 @@
           <a:sym typeface="Arial"/>
         </a:defRPr>
       </a:lvl7pPr>
-      <a:lvl8pPr lvl="7" marR="0" rtl="0" algn="l">
+      <a:lvl8pPr marR="0" lvl="7" algn="l" rtl="0">
         <a:lnSpc>
           <a:spcPct val="100000"/>
         </a:lnSpc>
@@ -6043,7 +5601,7 @@
           <a:spcPts val="0"/>
         </a:spcAft>
         <a:buNone/>
-        <a:defRPr b="0" i="0" sz="1400" u="none" cap="none" strike="noStrike">
+        <a:defRPr sz="1400" b="0" i="0" u="none" strike="noStrike" cap="none">
           <a:solidFill>
             <a:srgbClr val="000000"/>
           </a:solidFill>
@@ -6053,7 +5611,7 @@
           <a:sym typeface="Arial"/>
         </a:defRPr>
       </a:lvl8pPr>
-      <a:lvl9pPr lvl="8" marR="0" rtl="0" algn="l">
+      <a:lvl9pPr marR="0" lvl="8" algn="l" rtl="0">
         <a:lnSpc>
           <a:spcPct val="100000"/>
         </a:lnSpc>
@@ -6064,7 +5622,7 @@
           <a:spcPts val="0"/>
         </a:spcAft>
         <a:buNone/>
-        <a:defRPr b="0" i="0" sz="1400" u="none" cap="none" strike="noStrike">
+        <a:defRPr sz="1400" b="0" i="0" u="none" strike="noStrike" cap="none">
           <a:solidFill>
             <a:srgbClr val="000000"/>
           </a:solidFill>
@@ -6076,7 +5634,7 @@
       </a:lvl9pPr>
     </p:bodyStyle>
     <p:otherStyle>
-      <a:defPPr lvl="0" marR="0" rtl="0" algn="l">
+      <a:defPPr marR="0" lvl="0" algn="l" rtl="0">
         <a:lnSpc>
           <a:spcPct val="100000"/>
         </a:lnSpc>
@@ -6087,7 +5645,7 @@
           <a:spcPts val="0"/>
         </a:spcAft>
       </a:defPPr>
-      <a:lvl1pPr lvl="0" marR="0" rtl="0" algn="l">
+      <a:lvl1pPr marR="0" lvl="0" algn="l" rtl="0">
         <a:lnSpc>
           <a:spcPct val="100000"/>
         </a:lnSpc>
@@ -6098,7 +5656,7 @@
           <a:spcPts val="0"/>
         </a:spcAft>
         <a:buNone/>
-        <a:defRPr b="0" i="0" sz="1400" u="none" cap="none" strike="noStrike">
+        <a:defRPr sz="1400" b="0" i="0" u="none" strike="noStrike" cap="none">
           <a:solidFill>
             <a:srgbClr val="000000"/>
           </a:solidFill>
@@ -6108,7 +5666,7 @@
           <a:sym typeface="Arial"/>
         </a:defRPr>
       </a:lvl1pPr>
-      <a:lvl2pPr lvl="1" marR="0" rtl="0" algn="l">
+      <a:lvl2pPr marR="0" lvl="1" algn="l" rtl="0">
         <a:lnSpc>
           <a:spcPct val="100000"/>
         </a:lnSpc>
@@ -6119,7 +5677,7 @@
           <a:spcPts val="0"/>
         </a:spcAft>
         <a:buNone/>
-        <a:defRPr b="0" i="0" sz="1400" u="none" cap="none" strike="noStrike">
+        <a:defRPr sz="1400" b="0" i="0" u="none" strike="noStrike" cap="none">
           <a:solidFill>
             <a:srgbClr val="000000"/>
           </a:solidFill>
@@ -6129,7 +5687,7 @@
           <a:sym typeface="Arial"/>
         </a:defRPr>
       </a:lvl2pPr>
-      <a:lvl3pPr lvl="2" marR="0" rtl="0" algn="l">
+      <a:lvl3pPr marR="0" lvl="2" algn="l" rtl="0">
         <a:lnSpc>
           <a:spcPct val="100000"/>
         </a:lnSpc>
@@ -6140,7 +5698,7 @@
           <a:spcPts val="0"/>
         </a:spcAft>
         <a:buNone/>
-        <a:defRPr b="0" i="0" sz="1400" u="none" cap="none" strike="noStrike">
+        <a:defRPr sz="1400" b="0" i="0" u="none" strike="noStrike" cap="none">
           <a:solidFill>
             <a:srgbClr val="000000"/>
           </a:solidFill>
@@ -6150,7 +5708,7 @@
           <a:sym typeface="Arial"/>
         </a:defRPr>
       </a:lvl3pPr>
-      <a:lvl4pPr lvl="3" marR="0" rtl="0" algn="l">
+      <a:lvl4pPr marR="0" lvl="3" algn="l" rtl="0">
         <a:lnSpc>
           <a:spcPct val="100000"/>
         </a:lnSpc>
@@ -6161,7 +5719,7 @@
           <a:spcPts val="0"/>
         </a:spcAft>
         <a:buNone/>
-        <a:defRPr b="0" i="0" sz="1400" u="none" cap="none" strike="noStrike">
+        <a:defRPr sz="1400" b="0" i="0" u="none" strike="noStrike" cap="none">
           <a:solidFill>
             <a:srgbClr val="000000"/>
           </a:solidFill>
@@ -6171,7 +5729,7 @@
           <a:sym typeface="Arial"/>
         </a:defRPr>
       </a:lvl4pPr>
-      <a:lvl5pPr lvl="4" marR="0" rtl="0" algn="l">
+      <a:lvl5pPr marR="0" lvl="4" algn="l" rtl="0">
         <a:lnSpc>
           <a:spcPct val="100000"/>
         </a:lnSpc>
@@ -6182,7 +5740,7 @@
           <a:spcPts val="0"/>
         </a:spcAft>
         <a:buNone/>
-        <a:defRPr b="0" i="0" sz="1400" u="none" cap="none" strike="noStrike">
+        <a:defRPr sz="1400" b="0" i="0" u="none" strike="noStrike" cap="none">
           <a:solidFill>
             <a:srgbClr val="000000"/>
           </a:solidFill>
@@ -6192,7 +5750,7 @@
           <a:sym typeface="Arial"/>
         </a:defRPr>
       </a:lvl5pPr>
-      <a:lvl6pPr lvl="5" marR="0" rtl="0" algn="l">
+      <a:lvl6pPr marR="0" lvl="5" algn="l" rtl="0">
         <a:lnSpc>
           <a:spcPct val="100000"/>
         </a:lnSpc>
@@ -6203,7 +5761,7 @@
           <a:spcPts val="0"/>
         </a:spcAft>
         <a:buNone/>
-        <a:defRPr b="0" i="0" sz="1400" u="none" cap="none" strike="noStrike">
+        <a:defRPr sz="1400" b="0" i="0" u="none" strike="noStrike" cap="none">
           <a:solidFill>
             <a:srgbClr val="000000"/>
           </a:solidFill>
@@ -6213,7 +5771,7 @@
           <a:sym typeface="Arial"/>
         </a:defRPr>
       </a:lvl6pPr>
-      <a:lvl7pPr lvl="6" marR="0" rtl="0" algn="l">
+      <a:lvl7pPr marR="0" lvl="6" algn="l" rtl="0">
         <a:lnSpc>
           <a:spcPct val="100000"/>
         </a:lnSpc>
@@ -6224,7 +5782,7 @@
           <a:spcPts val="0"/>
         </a:spcAft>
         <a:buNone/>
-        <a:defRPr b="0" i="0" sz="1400" u="none" cap="none" strike="noStrike">
+        <a:defRPr sz="1400" b="0" i="0" u="none" strike="noStrike" cap="none">
           <a:solidFill>
             <a:srgbClr val="000000"/>
           </a:solidFill>
@@ -6234,7 +5792,7 @@
           <a:sym typeface="Arial"/>
         </a:defRPr>
       </a:lvl7pPr>
-      <a:lvl8pPr lvl="7" marR="0" rtl="0" algn="l">
+      <a:lvl8pPr marR="0" lvl="7" algn="l" rtl="0">
         <a:lnSpc>
           <a:spcPct val="100000"/>
         </a:lnSpc>
@@ -6245,7 +5803,7 @@
           <a:spcPts val="0"/>
         </a:spcAft>
         <a:buNone/>
-        <a:defRPr b="0" i="0" sz="1400" u="none" cap="none" strike="noStrike">
+        <a:defRPr sz="1400" b="0" i="0" u="none" strike="noStrike" cap="none">
           <a:solidFill>
             <a:srgbClr val="000000"/>
           </a:solidFill>
@@ -6255,7 +5813,7 @@
           <a:sym typeface="Arial"/>
         </a:defRPr>
       </a:lvl8pPr>
-      <a:lvl9pPr lvl="8" marR="0" rtl="0" algn="l">
+      <a:lvl9pPr marR="0" lvl="8" algn="l" rtl="0">
         <a:lnSpc>
           <a:spcPct val="100000"/>
         </a:lnSpc>
@@ -6266,7 +5824,7 @@
           <a:spcPts val="0"/>
         </a:spcAft>
         <a:buNone/>
-        <a:defRPr b="0" i="0" sz="1400" u="none" cap="none" strike="noStrike">
+        <a:defRPr sz="1400" b="0" i="0" u="none" strike="noStrike" cap="none">
           <a:solidFill>
             <a:srgbClr val="000000"/>
           </a:solidFill>
@@ -6282,11 +5840,11 @@
 </file>
 
 <file path=ppt/slides/slide1.xml><?xml version="1.0" encoding="utf-8"?>
-<p:sld xmlns:a="http://schemas.openxmlformats.org/drawingml/2006/main" xmlns:r="http://schemas.openxmlformats.org/officeDocument/2006/relationships" xmlns:mc="http://schemas.openxmlformats.org/markup-compatibility/2006" xmlns:mv="urn:schemas-microsoft-com:mac:vml" xmlns:p="http://schemas.openxmlformats.org/presentationml/2006/main" xmlns:c="http://schemas.openxmlformats.org/drawingml/2006/chart" xmlns:dgm="http://schemas.openxmlformats.org/drawingml/2006/diagram" xmlns:o="urn:schemas-microsoft-com:office:office" xmlns:v="urn:schemas-microsoft-com:vml" xmlns:pvml="urn:schemas-microsoft-com:office:powerpoint" xmlns:com="http://schemas.openxmlformats.org/drawingml/2006/compatibility" xmlns:p14="http://schemas.microsoft.com/office/powerpoint/2010/main">
+<p:sld xmlns:a="http://schemas.openxmlformats.org/drawingml/2006/main" xmlns:r="http://schemas.openxmlformats.org/officeDocument/2006/relationships" xmlns:p="http://schemas.openxmlformats.org/presentationml/2006/main">
   <p:cSld>
     <p:spTree>
       <p:nvGrpSpPr>
-        <p:cNvPr id="55" name="Shape 55"/>
+        <p:cNvPr id="1" name="Shape 55"/>
         <p:cNvGrpSpPr/>
         <p:nvPr/>
       </p:nvGrpSpPr>
@@ -6301,7 +5859,9 @@
       <p:sp>
         <p:nvSpPr>
           <p:cNvPr id="56" name="Shape 56"/>
-          <p:cNvSpPr txBox="1"/>
+          <p:cNvSpPr txBox="1">
+            <a:spLocks noGrp="1"/>
+          </p:cNvSpPr>
           <p:nvPr>
             <p:ph type="ctrTitle"/>
           </p:nvPr>
@@ -6316,7 +5876,7 @@
           </a:prstGeom>
         </p:spPr>
         <p:txBody>
-          <a:bodyPr anchorCtr="0" anchor="ctr" bIns="91425" lIns="91425" rIns="91425" tIns="91425">
+          <a:bodyPr lIns="91425" tIns="91425" rIns="91425" bIns="91425" anchor="ctr" anchorCtr="0">
             <a:noAutofit/>
           </a:bodyPr>
           <a:lstStyle/>
@@ -6337,9 +5897,11 @@
       <p:sp>
         <p:nvSpPr>
           <p:cNvPr id="57" name="Shape 57"/>
-          <p:cNvSpPr txBox="1"/>
+          <p:cNvSpPr txBox="1">
+            <a:spLocks noGrp="1"/>
+          </p:cNvSpPr>
           <p:nvPr>
-            <p:ph idx="1" type="subTitle"/>
+            <p:ph type="subTitle" idx="1"/>
           </p:nvPr>
         </p:nvSpPr>
         <p:spPr>
@@ -6352,7 +5914,7 @@
           </a:prstGeom>
         </p:spPr>
         <p:txBody>
-          <a:bodyPr anchorCtr="0" anchor="ctr" bIns="91425" lIns="91425" rIns="91425" tIns="91425">
+          <a:bodyPr lIns="91425" tIns="91425" rIns="91425" bIns="91425" anchor="ctr" anchorCtr="0">
             <a:noAutofit/>
           </a:bodyPr>
           <a:lstStyle/>
@@ -6391,11 +5953,11 @@
 </file>
 
 <file path=ppt/slides/slide10.xml><?xml version="1.0" encoding="utf-8"?>
-<p:sld xmlns:a="http://schemas.openxmlformats.org/drawingml/2006/main" xmlns:r="http://schemas.openxmlformats.org/officeDocument/2006/relationships" xmlns:mc="http://schemas.openxmlformats.org/markup-compatibility/2006" xmlns:mv="urn:schemas-microsoft-com:mac:vml" xmlns:p="http://schemas.openxmlformats.org/presentationml/2006/main" xmlns:c="http://schemas.openxmlformats.org/drawingml/2006/chart" xmlns:dgm="http://schemas.openxmlformats.org/drawingml/2006/diagram" xmlns:o="urn:schemas-microsoft-com:office:office" xmlns:v="urn:schemas-microsoft-com:vml" xmlns:pvml="urn:schemas-microsoft-com:office:powerpoint" xmlns:com="http://schemas.openxmlformats.org/drawingml/2006/compatibility" xmlns:p14="http://schemas.microsoft.com/office/powerpoint/2010/main">
+<p:sld xmlns:a="http://schemas.openxmlformats.org/drawingml/2006/main" xmlns:r="http://schemas.openxmlformats.org/officeDocument/2006/relationships" xmlns:p="http://schemas.openxmlformats.org/presentationml/2006/main">
   <p:cSld>
     <p:spTree>
       <p:nvGrpSpPr>
-        <p:cNvPr id="110" name="Shape 110"/>
+        <p:cNvPr id="1" name="Shape 110"/>
         <p:cNvGrpSpPr/>
         <p:nvPr/>
       </p:nvGrpSpPr>
@@ -6410,7 +5972,9 @@
       <p:sp>
         <p:nvSpPr>
           <p:cNvPr id="111" name="Shape 111"/>
-          <p:cNvSpPr txBox="1"/>
+          <p:cNvSpPr txBox="1">
+            <a:spLocks noGrp="1"/>
+          </p:cNvSpPr>
           <p:nvPr>
             <p:ph type="title"/>
           </p:nvPr>
@@ -6425,7 +5989,7 @@
           </a:prstGeom>
         </p:spPr>
         <p:txBody>
-          <a:bodyPr anchorCtr="0" anchor="t" bIns="91425" lIns="91425" rIns="91425" tIns="91425">
+          <a:bodyPr lIns="91425" tIns="91425" rIns="91425" bIns="91425" anchor="t" anchorCtr="0">
             <a:noAutofit/>
           </a:bodyPr>
           <a:lstStyle/>
@@ -6480,18 +6044,19 @@
 </file>
 
 <file path=ppt/slides/slide11.xml><?xml version="1.0" encoding="utf-8"?>
-<p:sld xmlns:a="http://schemas.openxmlformats.org/drawingml/2006/main" xmlns:r="http://schemas.openxmlformats.org/officeDocument/2006/relationships" xmlns:mc="http://schemas.openxmlformats.org/markup-compatibility/2006" xmlns:mv="urn:schemas-microsoft-com:mac:vml" xmlns:p="http://schemas.openxmlformats.org/presentationml/2006/main" xmlns:c="http://schemas.openxmlformats.org/drawingml/2006/chart" xmlns:dgm="http://schemas.openxmlformats.org/drawingml/2006/diagram" xmlns:o="urn:schemas-microsoft-com:office:office" xmlns:v="urn:schemas-microsoft-com:vml" xmlns:pvml="urn:schemas-microsoft-com:office:powerpoint" xmlns:com="http://schemas.openxmlformats.org/drawingml/2006/compatibility" xmlns:p14="http://schemas.microsoft.com/office/powerpoint/2010/main">
+<p:sld xmlns:a="http://schemas.openxmlformats.org/drawingml/2006/main" xmlns:r="http://schemas.openxmlformats.org/officeDocument/2006/relationships" xmlns:p="http://schemas.openxmlformats.org/presentationml/2006/main">
   <p:cSld>
     <p:bg>
       <p:bgPr>
         <a:solidFill>
           <a:srgbClr val="F3F3F3"/>
         </a:solidFill>
+        <a:effectLst/>
       </p:bgPr>
     </p:bg>
     <p:spTree>
       <p:nvGrpSpPr>
-        <p:cNvPr id="116" name="Shape 116"/>
+        <p:cNvPr id="1" name="Shape 116"/>
         <p:cNvGrpSpPr/>
         <p:nvPr/>
       </p:nvGrpSpPr>
@@ -6506,7 +6071,9 @@
       <p:sp>
         <p:nvSpPr>
           <p:cNvPr id="117" name="Shape 117"/>
-          <p:cNvSpPr txBox="1"/>
+          <p:cNvSpPr txBox="1">
+            <a:spLocks noGrp="1"/>
+          </p:cNvSpPr>
           <p:nvPr>
             <p:ph type="title"/>
           </p:nvPr>
@@ -6521,7 +6088,7 @@
           </a:prstGeom>
         </p:spPr>
         <p:txBody>
-          <a:bodyPr anchorCtr="0" anchor="t" bIns="91425" lIns="91425" rIns="91425" tIns="91425">
+          <a:bodyPr lIns="91425" tIns="91425" rIns="91425" bIns="91425" anchor="t" anchorCtr="0">
             <a:noAutofit/>
           </a:bodyPr>
           <a:lstStyle/>
@@ -6576,11 +6143,11 @@
 </file>
 
 <file path=ppt/slides/slide12.xml><?xml version="1.0" encoding="utf-8"?>
-<p:sld xmlns:a="http://schemas.openxmlformats.org/drawingml/2006/main" xmlns:r="http://schemas.openxmlformats.org/officeDocument/2006/relationships" xmlns:mc="http://schemas.openxmlformats.org/markup-compatibility/2006" xmlns:mv="urn:schemas-microsoft-com:mac:vml" xmlns:p="http://schemas.openxmlformats.org/presentationml/2006/main" xmlns:c="http://schemas.openxmlformats.org/drawingml/2006/chart" xmlns:dgm="http://schemas.openxmlformats.org/drawingml/2006/diagram" xmlns:o="urn:schemas-microsoft-com:office:office" xmlns:v="urn:schemas-microsoft-com:vml" xmlns:pvml="urn:schemas-microsoft-com:office:powerpoint" xmlns:com="http://schemas.openxmlformats.org/drawingml/2006/compatibility" xmlns:p14="http://schemas.microsoft.com/office/powerpoint/2010/main">
+<p:sld xmlns:a="http://schemas.openxmlformats.org/drawingml/2006/main" xmlns:r="http://schemas.openxmlformats.org/officeDocument/2006/relationships" xmlns:p="http://schemas.openxmlformats.org/presentationml/2006/main">
   <p:cSld>
     <p:spTree>
       <p:nvGrpSpPr>
-        <p:cNvPr id="122" name="Shape 122"/>
+        <p:cNvPr id="1" name="Shape 122"/>
         <p:cNvGrpSpPr/>
         <p:nvPr/>
       </p:nvGrpSpPr>
@@ -6595,7 +6162,9 @@
       <p:sp>
         <p:nvSpPr>
           <p:cNvPr id="123" name="Shape 123"/>
-          <p:cNvSpPr txBox="1"/>
+          <p:cNvSpPr txBox="1">
+            <a:spLocks noGrp="1"/>
+          </p:cNvSpPr>
           <p:nvPr>
             <p:ph type="title"/>
           </p:nvPr>
@@ -6610,7 +6179,7 @@
           </a:prstGeom>
         </p:spPr>
         <p:txBody>
-          <a:bodyPr anchorCtr="0" anchor="t" bIns="91425" lIns="91425" rIns="91425" tIns="91425">
+          <a:bodyPr lIns="91425" tIns="91425" rIns="91425" bIns="91425" anchor="t" anchorCtr="0">
             <a:noAutofit/>
           </a:bodyPr>
           <a:lstStyle/>
@@ -6633,9 +6202,6 @@
               </a:spcBef>
               <a:buNone/>
             </a:pPr>
-            <a:r>
-              <a:t/>
-            </a:r>
             <a:endParaRPr/>
           </a:p>
         </p:txBody>
@@ -6705,11 +6271,11 @@
 </file>
 
 <file path=ppt/slides/slide13.xml><?xml version="1.0" encoding="utf-8"?>
-<p:sld xmlns:a="http://schemas.openxmlformats.org/drawingml/2006/main" xmlns:r="http://schemas.openxmlformats.org/officeDocument/2006/relationships" xmlns:mc="http://schemas.openxmlformats.org/markup-compatibility/2006" xmlns:mv="urn:schemas-microsoft-com:mac:vml" xmlns:p="http://schemas.openxmlformats.org/presentationml/2006/main" xmlns:c="http://schemas.openxmlformats.org/drawingml/2006/chart" xmlns:dgm="http://schemas.openxmlformats.org/drawingml/2006/diagram" xmlns:o="urn:schemas-microsoft-com:office:office" xmlns:v="urn:schemas-microsoft-com:vml" xmlns:pvml="urn:schemas-microsoft-com:office:powerpoint" xmlns:com="http://schemas.openxmlformats.org/drawingml/2006/compatibility" xmlns:p14="http://schemas.microsoft.com/office/powerpoint/2010/main">
+<p:sld xmlns:a="http://schemas.openxmlformats.org/drawingml/2006/main" xmlns:r="http://schemas.openxmlformats.org/officeDocument/2006/relationships" xmlns:p="http://schemas.openxmlformats.org/presentationml/2006/main">
   <p:cSld>
     <p:spTree>
       <p:nvGrpSpPr>
-        <p:cNvPr id="129" name="Shape 129"/>
+        <p:cNvPr id="1" name="Shape 129"/>
         <p:cNvGrpSpPr/>
         <p:nvPr/>
       </p:nvGrpSpPr>
@@ -6724,7 +6290,9 @@
       <p:sp>
         <p:nvSpPr>
           <p:cNvPr id="130" name="Shape 130"/>
-          <p:cNvSpPr txBox="1"/>
+          <p:cNvSpPr txBox="1">
+            <a:spLocks noGrp="1"/>
+          </p:cNvSpPr>
           <p:nvPr>
             <p:ph type="title"/>
           </p:nvPr>
@@ -6739,7 +6307,7 @@
           </a:prstGeom>
         </p:spPr>
         <p:txBody>
-          <a:bodyPr anchorCtr="0" anchor="t" bIns="91425" lIns="91425" rIns="91425" tIns="91425">
+          <a:bodyPr lIns="91425" tIns="91425" rIns="91425" bIns="91425" anchor="t" anchorCtr="0">
             <a:noAutofit/>
           </a:bodyPr>
           <a:lstStyle/>
@@ -6760,9 +6328,11 @@
       <p:sp>
         <p:nvSpPr>
           <p:cNvPr id="131" name="Shape 131"/>
-          <p:cNvSpPr txBox="1"/>
+          <p:cNvSpPr txBox="1">
+            <a:spLocks noGrp="1"/>
+          </p:cNvSpPr>
           <p:nvPr>
-            <p:ph idx="1" type="body"/>
+            <p:ph type="body" idx="1"/>
           </p:nvPr>
         </p:nvSpPr>
         <p:spPr>
@@ -6775,12 +6345,12 @@
           </a:prstGeom>
         </p:spPr>
         <p:txBody>
-          <a:bodyPr anchorCtr="0" anchor="t" bIns="91425" lIns="91425" rIns="91425" tIns="91425">
+          <a:bodyPr lIns="91425" tIns="91425" rIns="91425" bIns="91425" anchor="t" anchorCtr="0">
             <a:noAutofit/>
           </a:bodyPr>
           <a:lstStyle/>
           <a:p>
-            <a:pPr indent="-228600" lvl="0" marL="457200" rtl="0">
+            <a:pPr marL="457200" lvl="0" indent="-228600" rtl="0">
               <a:lnSpc>
                 <a:spcPct val="150000"/>
               </a:lnSpc>
@@ -6792,7 +6362,7 @@
               </a:buClr>
             </a:pPr>
             <a:r>
-              <a:rPr lang="en">
+              <a:rPr lang="en" sz="1400" dirty="0">
                 <a:solidFill>
                   <a:srgbClr val="000000"/>
                 </a:solidFill>
@@ -6801,7 +6371,7 @@
             </a:r>
           </a:p>
           <a:p>
-            <a:pPr indent="-228600" lvl="0" marL="457200" rtl="0">
+            <a:pPr marL="457200" lvl="0" indent="-228600" rtl="0">
               <a:lnSpc>
                 <a:spcPct val="150000"/>
               </a:lnSpc>
@@ -6813,7 +6383,7 @@
               </a:buClr>
             </a:pPr>
             <a:r>
-              <a:rPr lang="en">
+              <a:rPr lang="en" sz="1400" dirty="0">
                 <a:solidFill>
                   <a:srgbClr val="000000"/>
                 </a:solidFill>
@@ -6822,7 +6392,7 @@
             </a:r>
           </a:p>
           <a:p>
-            <a:pPr indent="-228600" lvl="0" marL="457200" rtl="0">
+            <a:pPr marL="457200" lvl="0" indent="-228600" rtl="0">
               <a:lnSpc>
                 <a:spcPct val="150000"/>
               </a:lnSpc>
@@ -6834,7 +6404,7 @@
               </a:buClr>
             </a:pPr>
             <a:r>
-              <a:rPr lang="en">
+              <a:rPr lang="en" sz="1400" dirty="0">
                 <a:solidFill>
                   <a:srgbClr val="000000"/>
                 </a:solidFill>
@@ -6843,7 +6413,7 @@
             </a:r>
           </a:p>
           <a:p>
-            <a:pPr indent="-228600" lvl="0" marL="457200" rtl="0">
+            <a:pPr marL="457200" lvl="0" indent="-228600" rtl="0">
               <a:lnSpc>
                 <a:spcPct val="150000"/>
               </a:lnSpc>
@@ -6855,7 +6425,7 @@
               </a:buClr>
             </a:pPr>
             <a:r>
-              <a:rPr lang="en">
+              <a:rPr lang="en" sz="1400" dirty="0">
                 <a:solidFill>
                   <a:srgbClr val="000000"/>
                 </a:solidFill>
@@ -6864,7 +6434,7 @@
             </a:r>
           </a:p>
           <a:p>
-            <a:pPr indent="-228600" lvl="0" marL="457200" rtl="0">
+            <a:pPr marL="457200" lvl="0" indent="-228600" rtl="0">
               <a:lnSpc>
                 <a:spcPct val="150000"/>
               </a:lnSpc>
@@ -6876,7 +6446,7 @@
               </a:buClr>
             </a:pPr>
             <a:r>
-              <a:rPr lang="en">
+              <a:rPr lang="en" sz="1400" dirty="0">
                 <a:solidFill>
                   <a:srgbClr val="000000"/>
                 </a:solidFill>
@@ -6885,7 +6455,7 @@
             </a:r>
           </a:p>
           <a:p>
-            <a:pPr indent="-228600" lvl="0" marL="457200" rtl="0">
+            <a:pPr marL="457200" lvl="0" indent="-228600" rtl="0">
               <a:lnSpc>
                 <a:spcPct val="150000"/>
               </a:lnSpc>
@@ -6897,7 +6467,7 @@
               </a:buClr>
             </a:pPr>
             <a:r>
-              <a:rPr lang="en">
+              <a:rPr lang="en" sz="1400" dirty="0">
                 <a:solidFill>
                   <a:srgbClr val="000000"/>
                 </a:solidFill>
@@ -6906,7 +6476,7 @@
             </a:r>
           </a:p>
           <a:p>
-            <a:pPr indent="-228600" lvl="0" marL="457200" rtl="0">
+            <a:pPr marL="457200" lvl="0" indent="-228600" rtl="0">
               <a:lnSpc>
                 <a:spcPct val="150000"/>
               </a:lnSpc>
@@ -6918,7 +6488,7 @@
               </a:buClr>
             </a:pPr>
             <a:r>
-              <a:rPr lang="en">
+              <a:rPr lang="en" sz="1400" dirty="0">
                 <a:solidFill>
                   <a:srgbClr val="000000"/>
                 </a:solidFill>
@@ -6936,10 +6506,7 @@
               </a:spcBef>
               <a:buNone/>
             </a:pPr>
-            <a:r>
-              <a:t/>
-            </a:r>
-            <a:endParaRPr>
+            <a:endParaRPr sz="1400" dirty="0">
               <a:solidFill>
                 <a:srgbClr val="000000"/>
               </a:solidFill>
@@ -6956,11 +6523,11 @@
 </file>
 
 <file path=ppt/slides/slide14.xml><?xml version="1.0" encoding="utf-8"?>
-<p:sld xmlns:a="http://schemas.openxmlformats.org/drawingml/2006/main" xmlns:r="http://schemas.openxmlformats.org/officeDocument/2006/relationships" xmlns:mc="http://schemas.openxmlformats.org/markup-compatibility/2006" xmlns:mv="urn:schemas-microsoft-com:mac:vml" xmlns:p="http://schemas.openxmlformats.org/presentationml/2006/main" xmlns:c="http://schemas.openxmlformats.org/drawingml/2006/chart" xmlns:dgm="http://schemas.openxmlformats.org/drawingml/2006/diagram" xmlns:o="urn:schemas-microsoft-com:office:office" xmlns:v="urn:schemas-microsoft-com:vml" xmlns:pvml="urn:schemas-microsoft-com:office:powerpoint" xmlns:com="http://schemas.openxmlformats.org/drawingml/2006/compatibility" xmlns:p14="http://schemas.microsoft.com/office/powerpoint/2010/main">
+<p:sld xmlns:a="http://schemas.openxmlformats.org/drawingml/2006/main" xmlns:r="http://schemas.openxmlformats.org/officeDocument/2006/relationships" xmlns:p="http://schemas.openxmlformats.org/presentationml/2006/main">
   <p:cSld>
     <p:spTree>
       <p:nvGrpSpPr>
-        <p:cNvPr id="135" name="Shape 135"/>
+        <p:cNvPr id="1" name="Shape 135"/>
         <p:cNvGrpSpPr/>
         <p:nvPr/>
       </p:nvGrpSpPr>
@@ -6975,7 +6542,9 @@
       <p:sp>
         <p:nvSpPr>
           <p:cNvPr id="136" name="Shape 136"/>
-          <p:cNvSpPr txBox="1"/>
+          <p:cNvSpPr txBox="1">
+            <a:spLocks noGrp="1"/>
+          </p:cNvSpPr>
           <p:nvPr>
             <p:ph type="title"/>
           </p:nvPr>
@@ -6990,7 +6559,7 @@
           </a:prstGeom>
         </p:spPr>
         <p:txBody>
-          <a:bodyPr anchorCtr="0" anchor="t" bIns="91425" lIns="91425" rIns="91425" tIns="91425">
+          <a:bodyPr lIns="91425" tIns="91425" rIns="91425" bIns="91425" anchor="t" anchorCtr="0">
             <a:noAutofit/>
           </a:bodyPr>
           <a:lstStyle/>
@@ -7017,11 +6586,11 @@
 </file>
 
 <file path=ppt/slides/slide2.xml><?xml version="1.0" encoding="utf-8"?>
-<p:sld xmlns:a="http://schemas.openxmlformats.org/drawingml/2006/main" xmlns:r="http://schemas.openxmlformats.org/officeDocument/2006/relationships" xmlns:mc="http://schemas.openxmlformats.org/markup-compatibility/2006" xmlns:mv="urn:schemas-microsoft-com:mac:vml" xmlns:p="http://schemas.openxmlformats.org/presentationml/2006/main" xmlns:c="http://schemas.openxmlformats.org/drawingml/2006/chart" xmlns:dgm="http://schemas.openxmlformats.org/drawingml/2006/diagram" xmlns:o="urn:schemas-microsoft-com:office:office" xmlns:v="urn:schemas-microsoft-com:vml" xmlns:pvml="urn:schemas-microsoft-com:office:powerpoint" xmlns:com="http://schemas.openxmlformats.org/drawingml/2006/compatibility" xmlns:p14="http://schemas.microsoft.com/office/powerpoint/2010/main">
+<p:sld xmlns:a="http://schemas.openxmlformats.org/drawingml/2006/main" xmlns:r="http://schemas.openxmlformats.org/officeDocument/2006/relationships" xmlns:p="http://schemas.openxmlformats.org/presentationml/2006/main">
   <p:cSld>
     <p:spTree>
       <p:nvGrpSpPr>
-        <p:cNvPr id="61" name="Shape 61"/>
+        <p:cNvPr id="1" name="Shape 61"/>
         <p:cNvGrpSpPr/>
         <p:nvPr/>
       </p:nvGrpSpPr>
@@ -7036,7 +6605,9 @@
       <p:sp>
         <p:nvSpPr>
           <p:cNvPr id="62" name="Shape 62"/>
-          <p:cNvSpPr txBox="1"/>
+          <p:cNvSpPr txBox="1">
+            <a:spLocks noGrp="1"/>
+          </p:cNvSpPr>
           <p:nvPr>
             <p:ph type="title"/>
           </p:nvPr>
@@ -7051,7 +6622,7 @@
           </a:prstGeom>
         </p:spPr>
         <p:txBody>
-          <a:bodyPr anchorCtr="0" anchor="t" bIns="91425" lIns="91425" rIns="91425" tIns="91425">
+          <a:bodyPr lIns="91425" tIns="91425" rIns="91425" bIns="91425" anchor="t" anchorCtr="0">
             <a:noAutofit/>
           </a:bodyPr>
           <a:lstStyle/>
@@ -7072,9 +6643,11 @@
       <p:sp>
         <p:nvSpPr>
           <p:cNvPr id="63" name="Shape 63"/>
-          <p:cNvSpPr txBox="1"/>
+          <p:cNvSpPr txBox="1">
+            <a:spLocks noGrp="1"/>
+          </p:cNvSpPr>
           <p:nvPr>
-            <p:ph idx="1" type="body"/>
+            <p:ph type="body" idx="1"/>
           </p:nvPr>
         </p:nvSpPr>
         <p:spPr>
@@ -7087,12 +6660,12 @@
           </a:prstGeom>
         </p:spPr>
         <p:txBody>
-          <a:bodyPr anchorCtr="0" anchor="t" bIns="91425" lIns="91425" rIns="91425" tIns="91425">
+          <a:bodyPr lIns="91425" tIns="91425" rIns="91425" bIns="91425" anchor="t" anchorCtr="0">
             <a:noAutofit/>
           </a:bodyPr>
           <a:lstStyle/>
           <a:p>
-            <a:pPr indent="-228600" lvl="0" marL="457200" rtl="0">
+            <a:pPr marL="457200" lvl="0" indent="-228600" rtl="0">
               <a:spcBef>
                 <a:spcPts val="1000"/>
               </a:spcBef>
@@ -7114,7 +6687,7 @@
             </a:r>
           </a:p>
           <a:p>
-            <a:pPr indent="-228600" lvl="0" marL="457200" rtl="0">
+            <a:pPr marL="457200" lvl="0" indent="-228600" rtl="0">
               <a:spcBef>
                 <a:spcPts val="1000"/>
               </a:spcBef>
@@ -7136,7 +6709,7 @@
             </a:r>
           </a:p>
           <a:p>
-            <a:pPr indent="-228600" lvl="0" marL="457200" rtl="0">
+            <a:pPr marL="457200" lvl="0" indent="-228600" rtl="0">
               <a:spcBef>
                 <a:spcPts val="0"/>
               </a:spcBef>
@@ -7155,7 +6728,7 @@
             </a:r>
           </a:p>
           <a:p>
-            <a:pPr indent="-228600" lvl="1" marL="914400" rtl="0">
+            <a:pPr marL="914400" lvl="1" indent="-228600" rtl="0">
               <a:spcBef>
                 <a:spcPts val="0"/>
               </a:spcBef>
@@ -7174,7 +6747,7 @@
             </a:r>
           </a:p>
           <a:p>
-            <a:pPr indent="-228600" lvl="1" marL="914400" rtl="0">
+            <a:pPr marL="914400" lvl="1" indent="-228600" rtl="0">
               <a:spcBef>
                 <a:spcPts val="1000"/>
               </a:spcBef>
@@ -7196,7 +6769,7 @@
             </a:r>
           </a:p>
           <a:p>
-            <a:pPr indent="-228600" lvl="0" marL="457200" rtl="0">
+            <a:pPr marL="457200" lvl="0" indent="-228600" rtl="0">
               <a:spcBef>
                 <a:spcPts val="1000"/>
               </a:spcBef>
@@ -7218,7 +6791,7 @@
             </a:r>
           </a:p>
           <a:p>
-            <a:pPr indent="-228600" lvl="0" marL="457200" rtl="0">
+            <a:pPr marL="457200" lvl="0" indent="-228600" rtl="0">
               <a:spcBef>
                 <a:spcPts val="0"/>
               </a:spcBef>
@@ -7237,15 +6810,12 @@
             </a:r>
           </a:p>
           <a:p>
-            <a:pPr indent="0" lvl="0" marL="0">
+            <a:pPr marL="0" lvl="0" indent="0">
               <a:spcBef>
                 <a:spcPts val="0"/>
               </a:spcBef>
               <a:buNone/>
             </a:pPr>
-            <a:r>
-              <a:t/>
-            </a:r>
             <a:endParaRPr/>
           </a:p>
         </p:txBody>
@@ -7259,11 +6829,11 @@
 </file>
 
 <file path=ppt/slides/slide3.xml><?xml version="1.0" encoding="utf-8"?>
-<p:sld xmlns:a="http://schemas.openxmlformats.org/drawingml/2006/main" xmlns:r="http://schemas.openxmlformats.org/officeDocument/2006/relationships" xmlns:mc="http://schemas.openxmlformats.org/markup-compatibility/2006" xmlns:mv="urn:schemas-microsoft-com:mac:vml" xmlns:p="http://schemas.openxmlformats.org/presentationml/2006/main" xmlns:c="http://schemas.openxmlformats.org/drawingml/2006/chart" xmlns:dgm="http://schemas.openxmlformats.org/drawingml/2006/diagram" xmlns:o="urn:schemas-microsoft-com:office:office" xmlns:v="urn:schemas-microsoft-com:vml" xmlns:pvml="urn:schemas-microsoft-com:office:powerpoint" xmlns:com="http://schemas.openxmlformats.org/drawingml/2006/compatibility" xmlns:p14="http://schemas.microsoft.com/office/powerpoint/2010/main">
+<p:sld xmlns:a="http://schemas.openxmlformats.org/drawingml/2006/main" xmlns:r="http://schemas.openxmlformats.org/officeDocument/2006/relationships" xmlns:p="http://schemas.openxmlformats.org/presentationml/2006/main">
   <p:cSld>
     <p:spTree>
       <p:nvGrpSpPr>
-        <p:cNvPr id="67" name="Shape 67"/>
+        <p:cNvPr id="1" name="Shape 67"/>
         <p:cNvGrpSpPr/>
         <p:nvPr/>
       </p:nvGrpSpPr>
@@ -7278,7 +6848,9 @@
       <p:sp>
         <p:nvSpPr>
           <p:cNvPr id="68" name="Shape 68"/>
-          <p:cNvSpPr txBox="1"/>
+          <p:cNvSpPr txBox="1">
+            <a:spLocks noGrp="1"/>
+          </p:cNvSpPr>
           <p:nvPr>
             <p:ph type="title"/>
           </p:nvPr>
@@ -7293,7 +6865,7 @@
           </a:prstGeom>
         </p:spPr>
         <p:txBody>
-          <a:bodyPr anchorCtr="0" anchor="t" bIns="91425" lIns="91425" rIns="91425" tIns="91425">
+          <a:bodyPr lIns="91425" tIns="91425" rIns="91425" bIns="91425" anchor="t" anchorCtr="0">
             <a:noAutofit/>
           </a:bodyPr>
           <a:lstStyle/>
@@ -7314,9 +6886,11 @@
       <p:sp>
         <p:nvSpPr>
           <p:cNvPr id="69" name="Shape 69"/>
-          <p:cNvSpPr txBox="1"/>
+          <p:cNvSpPr txBox="1">
+            <a:spLocks noGrp="1"/>
+          </p:cNvSpPr>
           <p:nvPr>
-            <p:ph idx="1" type="body"/>
+            <p:ph type="body" idx="1"/>
           </p:nvPr>
         </p:nvSpPr>
         <p:spPr>
@@ -7329,12 +6903,12 @@
           </a:prstGeom>
         </p:spPr>
         <p:txBody>
-          <a:bodyPr anchorCtr="0" anchor="t" bIns="91425" lIns="91425" rIns="91425" tIns="91425">
+          <a:bodyPr lIns="91425" tIns="91425" rIns="91425" bIns="91425" anchor="t" anchorCtr="0">
             <a:noAutofit/>
           </a:bodyPr>
           <a:lstStyle/>
           <a:p>
-            <a:pPr lvl="0" rtl="0" algn="ctr">
+            <a:pPr lvl="0" algn="ctr" rtl="0">
               <a:spcBef>
                 <a:spcPts val="0"/>
               </a:spcBef>
@@ -7349,15 +6923,7 @@
                   <a:srgbClr val="000000"/>
                 </a:solidFill>
               </a:rPr>
-              <a:t>C</a:t>
-            </a:r>
-            <a:r>
-              <a:rPr lang="en">
-                <a:solidFill>
-                  <a:srgbClr val="000000"/>
-                </a:solidFill>
-              </a:rPr>
-              <a:t>reate a tool that eases the process of locating </a:t>
+              <a:t>Create a tool that eases the process of locating </a:t>
             </a:r>
             <a:br>
               <a:rPr lang="en">
@@ -7379,7 +6945,7 @@
               <a:t> </a:t>
             </a:r>
             <a:r>
-              <a:rPr b="1" lang="en">
+              <a:rPr lang="en" b="1">
                 <a:solidFill>
                   <a:srgbClr val="45818E"/>
                 </a:solidFill>
@@ -7398,11 +6964,11 @@
 </file>
 
 <file path=ppt/slides/slide4.xml><?xml version="1.0" encoding="utf-8"?>
-<p:sld xmlns:a="http://schemas.openxmlformats.org/drawingml/2006/main" xmlns:r="http://schemas.openxmlformats.org/officeDocument/2006/relationships" xmlns:mc="http://schemas.openxmlformats.org/markup-compatibility/2006" xmlns:mv="urn:schemas-microsoft-com:mac:vml" xmlns:p="http://schemas.openxmlformats.org/presentationml/2006/main" xmlns:c="http://schemas.openxmlformats.org/drawingml/2006/chart" xmlns:dgm="http://schemas.openxmlformats.org/drawingml/2006/diagram" xmlns:o="urn:schemas-microsoft-com:office:office" xmlns:v="urn:schemas-microsoft-com:vml" xmlns:pvml="urn:schemas-microsoft-com:office:powerpoint" xmlns:com="http://schemas.openxmlformats.org/drawingml/2006/compatibility" xmlns:p14="http://schemas.microsoft.com/office/powerpoint/2010/main">
+<p:sld xmlns:a="http://schemas.openxmlformats.org/drawingml/2006/main" xmlns:r="http://schemas.openxmlformats.org/officeDocument/2006/relationships" xmlns:p="http://schemas.openxmlformats.org/presentationml/2006/main">
   <p:cSld>
     <p:spTree>
       <p:nvGrpSpPr>
-        <p:cNvPr id="73" name="Shape 73"/>
+        <p:cNvPr id="1" name="Shape 73"/>
         <p:cNvGrpSpPr/>
         <p:nvPr/>
       </p:nvGrpSpPr>
@@ -7417,7 +6983,9 @@
       <p:sp>
         <p:nvSpPr>
           <p:cNvPr id="74" name="Shape 74"/>
-          <p:cNvSpPr txBox="1"/>
+          <p:cNvSpPr txBox="1">
+            <a:spLocks noGrp="1"/>
+          </p:cNvSpPr>
           <p:nvPr>
             <p:ph type="title"/>
           </p:nvPr>
@@ -7432,7 +7000,7 @@
           </a:prstGeom>
         </p:spPr>
         <p:txBody>
-          <a:bodyPr anchorCtr="0" anchor="t" bIns="91425" lIns="91425" rIns="91425" tIns="91425">
+          <a:bodyPr lIns="91425" tIns="91425" rIns="91425" bIns="91425" anchor="t" anchorCtr="0">
             <a:noAutofit/>
           </a:bodyPr>
           <a:lstStyle/>
@@ -7453,9 +7021,11 @@
       <p:sp>
         <p:nvSpPr>
           <p:cNvPr id="75" name="Shape 75"/>
-          <p:cNvSpPr txBox="1"/>
+          <p:cNvSpPr txBox="1">
+            <a:spLocks noGrp="1"/>
+          </p:cNvSpPr>
           <p:nvPr>
-            <p:ph idx="1" type="body"/>
+            <p:ph type="body" idx="1"/>
           </p:nvPr>
         </p:nvSpPr>
         <p:spPr>
@@ -7471,12 +7041,12 @@
           </a:ln>
         </p:spPr>
         <p:txBody>
-          <a:bodyPr anchorCtr="0" anchor="t" bIns="91425" lIns="91425" rIns="91425" tIns="91425">
+          <a:bodyPr lIns="91425" tIns="91425" rIns="91425" bIns="91425" anchor="t" anchorCtr="0">
             <a:noAutofit/>
           </a:bodyPr>
           <a:lstStyle/>
           <a:p>
-            <a:pPr indent="-228600" lvl="0" marL="457200" rtl="0">
+            <a:pPr marL="457200" lvl="0" indent="-228600" rtl="0">
               <a:lnSpc>
                 <a:spcPct val="115000"/>
               </a:lnSpc>
@@ -7499,20 +7069,12 @@
               <a:t>Focus on locating </a:t>
             </a:r>
             <a:r>
-              <a:rPr b="1" lang="en">
+              <a:rPr lang="en" b="1">
                 <a:solidFill>
                   <a:srgbClr val="45818E"/>
                 </a:solidFill>
               </a:rPr>
-              <a:t>r</a:t>
-            </a:r>
-            <a:r>
-              <a:rPr b="1" lang="en">
-                <a:solidFill>
-                  <a:srgbClr val="45818E"/>
-                </a:solidFill>
-              </a:rPr>
-              <a:t>etailers that accept SNAP</a:t>
+              <a:t>retailers that accept SNAP</a:t>
             </a:r>
             <a:r>
               <a:rPr lang="en"/>
@@ -7524,19 +7086,11 @@
                   <a:srgbClr val="000000"/>
                 </a:solidFill>
               </a:rPr>
-              <a:t>(Supplemental Nutrition Assistance Program) </a:t>
+              <a:t>(Supplemental Nutrition Assistance Program) benefits</a:t>
             </a:r>
-            <a:r>
-              <a:rPr lang="en">
-                <a:solidFill>
-                  <a:srgbClr val="000000"/>
-                </a:solidFill>
-              </a:rPr>
-              <a:t>benefits</a:t>
-            </a:r>
-          </a:p>
-          <a:p>
-            <a:pPr indent="-228600" lvl="0" marL="457200" rtl="0">
+          </a:p>
+          <a:p>
+            <a:pPr marL="457200" lvl="0" indent="-228600" rtl="0">
               <a:lnSpc>
                 <a:spcPct val="115000"/>
               </a:lnSpc>
@@ -7556,15 +7110,7 @@
                   <a:srgbClr val="000000"/>
                 </a:solidFill>
               </a:rPr>
-              <a:t>Create</a:t>
-            </a:r>
-            <a:r>
-              <a:rPr lang="en">
-                <a:solidFill>
-                  <a:srgbClr val="000000"/>
-                </a:solidFill>
-              </a:rPr>
-              <a:t> tool that helps users optimize value of SNAP benefits </a:t>
+              <a:t>Create tool that helps users optimize value of SNAP benefits </a:t>
             </a:r>
           </a:p>
         </p:txBody>
@@ -7578,11 +7124,11 @@
 </file>
 
 <file path=ppt/slides/slide5.xml><?xml version="1.0" encoding="utf-8"?>
-<p:sld xmlns:a="http://schemas.openxmlformats.org/drawingml/2006/main" xmlns:r="http://schemas.openxmlformats.org/officeDocument/2006/relationships" xmlns:mc="http://schemas.openxmlformats.org/markup-compatibility/2006" xmlns:mv="urn:schemas-microsoft-com:mac:vml" xmlns:p="http://schemas.openxmlformats.org/presentationml/2006/main" xmlns:c="http://schemas.openxmlformats.org/drawingml/2006/chart" xmlns:dgm="http://schemas.openxmlformats.org/drawingml/2006/diagram" xmlns:o="urn:schemas-microsoft-com:office:office" xmlns:v="urn:schemas-microsoft-com:vml" xmlns:pvml="urn:schemas-microsoft-com:office:powerpoint" xmlns:com="http://schemas.openxmlformats.org/drawingml/2006/compatibility" xmlns:p14="http://schemas.microsoft.com/office/powerpoint/2010/main">
+<p:sld xmlns:a="http://schemas.openxmlformats.org/drawingml/2006/main" xmlns:r="http://schemas.openxmlformats.org/officeDocument/2006/relationships" xmlns:p="http://schemas.openxmlformats.org/presentationml/2006/main">
   <p:cSld>
     <p:spTree>
       <p:nvGrpSpPr>
-        <p:cNvPr id="79" name="Shape 79"/>
+        <p:cNvPr id="1" name="Shape 79"/>
         <p:cNvGrpSpPr/>
         <p:nvPr/>
       </p:nvGrpSpPr>
@@ -7597,7 +7143,9 @@
       <p:sp>
         <p:nvSpPr>
           <p:cNvPr id="80" name="Shape 80"/>
-          <p:cNvSpPr txBox="1"/>
+          <p:cNvSpPr txBox="1">
+            <a:spLocks noGrp="1"/>
+          </p:cNvSpPr>
           <p:nvPr>
             <p:ph type="title"/>
           </p:nvPr>
@@ -7612,7 +7160,7 @@
           </a:prstGeom>
         </p:spPr>
         <p:txBody>
-          <a:bodyPr anchorCtr="0" anchor="t" bIns="91425" lIns="91425" rIns="91425" tIns="91425">
+          <a:bodyPr lIns="91425" tIns="91425" rIns="91425" bIns="91425" anchor="t" anchorCtr="0">
             <a:noAutofit/>
           </a:bodyPr>
           <a:lstStyle/>
@@ -7641,9 +7189,6 @@
               </a:spcBef>
               <a:buNone/>
             </a:pPr>
-            <a:r>
-              <a:t/>
-            </a:r>
             <a:endParaRPr/>
           </a:p>
         </p:txBody>
@@ -7657,11 +7202,11 @@
 </file>
 
 <file path=ppt/slides/slide6.xml><?xml version="1.0" encoding="utf-8"?>
-<p:sld xmlns:a="http://schemas.openxmlformats.org/drawingml/2006/main" xmlns:r="http://schemas.openxmlformats.org/officeDocument/2006/relationships" xmlns:mc="http://schemas.openxmlformats.org/markup-compatibility/2006" xmlns:mv="urn:schemas-microsoft-com:mac:vml" xmlns:p="http://schemas.openxmlformats.org/presentationml/2006/main" xmlns:c="http://schemas.openxmlformats.org/drawingml/2006/chart" xmlns:dgm="http://schemas.openxmlformats.org/drawingml/2006/diagram" xmlns:o="urn:schemas-microsoft-com:office:office" xmlns:v="urn:schemas-microsoft-com:vml" xmlns:pvml="urn:schemas-microsoft-com:office:powerpoint" xmlns:com="http://schemas.openxmlformats.org/drawingml/2006/compatibility" xmlns:p14="http://schemas.microsoft.com/office/powerpoint/2010/main">
+<p:sld xmlns:a="http://schemas.openxmlformats.org/drawingml/2006/main" xmlns:r="http://schemas.openxmlformats.org/officeDocument/2006/relationships" xmlns:p="http://schemas.openxmlformats.org/presentationml/2006/main">
   <p:cSld>
     <p:spTree>
       <p:nvGrpSpPr>
-        <p:cNvPr id="84" name="Shape 84"/>
+        <p:cNvPr id="1" name="Shape 84"/>
         <p:cNvGrpSpPr/>
         <p:nvPr/>
       </p:nvGrpSpPr>
@@ -7676,7 +7221,9 @@
       <p:sp>
         <p:nvSpPr>
           <p:cNvPr id="85" name="Shape 85"/>
-          <p:cNvSpPr txBox="1"/>
+          <p:cNvSpPr txBox="1">
+            <a:spLocks noGrp="1"/>
+          </p:cNvSpPr>
           <p:nvPr>
             <p:ph type="title"/>
           </p:nvPr>
@@ -7691,7 +7238,7 @@
           </a:prstGeom>
         </p:spPr>
         <p:txBody>
-          <a:bodyPr anchorCtr="0" anchor="t" bIns="91425" lIns="91425" rIns="91425" tIns="91425">
+          <a:bodyPr lIns="91425" tIns="91425" rIns="91425" bIns="91425" anchor="t" anchorCtr="0">
             <a:noAutofit/>
           </a:bodyPr>
           <a:lstStyle/>
@@ -7712,9 +7259,11 @@
       <p:sp>
         <p:nvSpPr>
           <p:cNvPr id="86" name="Shape 86"/>
-          <p:cNvSpPr txBox="1"/>
+          <p:cNvSpPr txBox="1">
+            <a:spLocks noGrp="1"/>
+          </p:cNvSpPr>
           <p:nvPr>
-            <p:ph idx="1" type="body"/>
+            <p:ph type="body" idx="1"/>
           </p:nvPr>
         </p:nvSpPr>
         <p:spPr>
@@ -7727,12 +7276,12 @@
           </a:prstGeom>
         </p:spPr>
         <p:txBody>
-          <a:bodyPr anchorCtr="0" anchor="t" bIns="91425" lIns="91425" rIns="91425" tIns="91425">
+          <a:bodyPr lIns="91425" tIns="91425" rIns="91425" bIns="91425" anchor="t" anchorCtr="0">
             <a:noAutofit/>
           </a:bodyPr>
           <a:lstStyle/>
           <a:p>
-            <a:pPr indent="-336550" lvl="0" marL="457200" rtl="0">
+            <a:pPr marL="457200" lvl="0" indent="-336550" rtl="0">
               <a:spcBef>
                 <a:spcPts val="1400"/>
               </a:spcBef>
@@ -7754,7 +7303,7 @@
             </a:r>
           </a:p>
           <a:p>
-            <a:pPr indent="-336550" lvl="0" marL="457200" rtl="0">
+            <a:pPr marL="457200" lvl="0" indent="-336550" rtl="0">
               <a:spcBef>
                 <a:spcPts val="1400"/>
               </a:spcBef>
@@ -7776,7 +7325,7 @@
             </a:r>
           </a:p>
           <a:p>
-            <a:pPr indent="-336550" lvl="0" marL="457200" rtl="0">
+            <a:pPr marL="457200" lvl="0" indent="-336550" rtl="0">
               <a:spcBef>
                 <a:spcPts val="1400"/>
               </a:spcBef>
@@ -7798,7 +7347,7 @@
             </a:r>
           </a:p>
           <a:p>
-            <a:pPr indent="-336550" lvl="0" marL="457200" rtl="0">
+            <a:pPr marL="457200" lvl="0" indent="-336550" rtl="0">
               <a:spcBef>
                 <a:spcPts val="1400"/>
               </a:spcBef>
@@ -7820,7 +7369,7 @@
             </a:r>
           </a:p>
           <a:p>
-            <a:pPr indent="-336550" lvl="0" marL="457200" rtl="0">
+            <a:pPr marL="457200" lvl="0" indent="-336550" rtl="0">
               <a:spcBef>
                 <a:spcPts val="1400"/>
               </a:spcBef>
@@ -7851,9 +7400,6 @@
               </a:spcAft>
               <a:buNone/>
             </a:pPr>
-            <a:r>
-              <a:t/>
-            </a:r>
             <a:endParaRPr sz="1700">
               <a:solidFill>
                 <a:srgbClr val="000000"/>
@@ -7875,11 +7421,11 @@
 </file>
 
 <file path=ppt/slides/slide7.xml><?xml version="1.0" encoding="utf-8"?>
-<p:sld xmlns:a="http://schemas.openxmlformats.org/drawingml/2006/main" xmlns:r="http://schemas.openxmlformats.org/officeDocument/2006/relationships" xmlns:mc="http://schemas.openxmlformats.org/markup-compatibility/2006" xmlns:mv="urn:schemas-microsoft-com:mac:vml" xmlns:p="http://schemas.openxmlformats.org/presentationml/2006/main" xmlns:c="http://schemas.openxmlformats.org/drawingml/2006/chart" xmlns:dgm="http://schemas.openxmlformats.org/drawingml/2006/diagram" xmlns:o="urn:schemas-microsoft-com:office:office" xmlns:v="urn:schemas-microsoft-com:vml" xmlns:pvml="urn:schemas-microsoft-com:office:powerpoint" xmlns:com="http://schemas.openxmlformats.org/drawingml/2006/compatibility" xmlns:p14="http://schemas.microsoft.com/office/powerpoint/2010/main">
+<p:sld xmlns:a="http://schemas.openxmlformats.org/drawingml/2006/main" xmlns:r="http://schemas.openxmlformats.org/officeDocument/2006/relationships" xmlns:p="http://schemas.openxmlformats.org/presentationml/2006/main">
   <p:cSld>
     <p:spTree>
       <p:nvGrpSpPr>
-        <p:cNvPr id="90" name="Shape 90"/>
+        <p:cNvPr id="1" name="Shape 90"/>
         <p:cNvGrpSpPr/>
         <p:nvPr/>
       </p:nvGrpSpPr>
@@ -7894,7 +7440,9 @@
       <p:sp>
         <p:nvSpPr>
           <p:cNvPr id="91" name="Shape 91"/>
-          <p:cNvSpPr txBox="1"/>
+          <p:cNvSpPr txBox="1">
+            <a:spLocks noGrp="1"/>
+          </p:cNvSpPr>
           <p:nvPr>
             <p:ph type="title"/>
           </p:nvPr>
@@ -7909,7 +7457,7 @@
           </a:prstGeom>
         </p:spPr>
         <p:txBody>
-          <a:bodyPr anchorCtr="0" anchor="t" bIns="91425" lIns="91425" rIns="91425" tIns="91425">
+          <a:bodyPr lIns="91425" tIns="91425" rIns="91425" bIns="91425" anchor="t" anchorCtr="0">
             <a:noAutofit/>
           </a:bodyPr>
           <a:lstStyle/>
@@ -7930,9 +7478,11 @@
       <p:sp>
         <p:nvSpPr>
           <p:cNvPr id="92" name="Shape 92"/>
-          <p:cNvSpPr txBox="1"/>
+          <p:cNvSpPr txBox="1">
+            <a:spLocks noGrp="1"/>
+          </p:cNvSpPr>
           <p:nvPr>
-            <p:ph idx="1" type="body"/>
+            <p:ph type="body" idx="1"/>
           </p:nvPr>
         </p:nvSpPr>
         <p:spPr>
@@ -7945,12 +7495,12 @@
           </a:prstGeom>
         </p:spPr>
         <p:txBody>
-          <a:bodyPr anchorCtr="0" anchor="t" bIns="91425" lIns="91425" rIns="91425" tIns="91425">
+          <a:bodyPr lIns="91425" tIns="91425" rIns="91425" bIns="91425" anchor="t" anchorCtr="0">
             <a:noAutofit/>
           </a:bodyPr>
           <a:lstStyle/>
           <a:p>
-            <a:pPr indent="-228600" lvl="0" marL="457200" rtl="0">
+            <a:pPr marL="457200" lvl="0" indent="-228600" rtl="0">
               <a:lnSpc>
                 <a:spcPct val="115000"/>
               </a:lnSpc>
@@ -7970,19 +7520,11 @@
                   <a:srgbClr val="000000"/>
                 </a:solidFill>
               </a:rPr>
-              <a:t>More specific </a:t>
+              <a:t>More specific price estimates</a:t>
             </a:r>
-            <a:r>
-              <a:rPr lang="en">
-                <a:solidFill>
-                  <a:srgbClr val="000000"/>
-                </a:solidFill>
-              </a:rPr>
-              <a:t>price estimates</a:t>
-            </a:r>
-          </a:p>
-          <a:p>
-            <a:pPr indent="-228600" lvl="1" marL="914400" rtl="0">
+          </a:p>
+          <a:p>
+            <a:pPr marL="914400" lvl="1" indent="-228600" rtl="0">
               <a:lnSpc>
                 <a:spcPct val="115000"/>
               </a:lnSpc>
@@ -8006,7 +7548,7 @@
             </a:r>
           </a:p>
           <a:p>
-            <a:pPr indent="-228600" lvl="1" marL="914400" rtl="0">
+            <a:pPr marL="914400" lvl="1" indent="-228600" rtl="0">
               <a:lnSpc>
                 <a:spcPct val="115000"/>
               </a:lnSpc>
@@ -8030,7 +7572,7 @@
             </a:r>
           </a:p>
           <a:p>
-            <a:pPr indent="-228600" lvl="1" marL="914400" rtl="0">
+            <a:pPr marL="914400" lvl="1" indent="-228600" rtl="0">
               <a:lnSpc>
                 <a:spcPct val="115000"/>
               </a:lnSpc>
@@ -8054,7 +7596,7 @@
             </a:r>
           </a:p>
           <a:p>
-            <a:pPr indent="-228600" lvl="0" marL="457200" rtl="0">
+            <a:pPr marL="457200" lvl="0" indent="-228600" rtl="0">
               <a:lnSpc>
                 <a:spcPct val="115000"/>
               </a:lnSpc>
@@ -8090,9 +7632,6 @@
               </a:spcAft>
               <a:buNone/>
             </a:pPr>
-            <a:r>
-              <a:t/>
-            </a:r>
             <a:endParaRPr>
               <a:solidFill>
                 <a:srgbClr val="000000"/>
@@ -8109,9 +7648,6 @@
               </a:spcBef>
               <a:buNone/>
             </a:pPr>
-            <a:r>
-              <a:t/>
-            </a:r>
             <a:endParaRPr/>
           </a:p>
         </p:txBody>
@@ -8181,11 +7717,11 @@
 </file>
 
 <file path=ppt/slides/slide8.xml><?xml version="1.0" encoding="utf-8"?>
-<p:sld xmlns:a="http://schemas.openxmlformats.org/drawingml/2006/main" xmlns:r="http://schemas.openxmlformats.org/officeDocument/2006/relationships" xmlns:mc="http://schemas.openxmlformats.org/markup-compatibility/2006" xmlns:mv="urn:schemas-microsoft-com:mac:vml" xmlns:p="http://schemas.openxmlformats.org/presentationml/2006/main" xmlns:c="http://schemas.openxmlformats.org/drawingml/2006/chart" xmlns:dgm="http://schemas.openxmlformats.org/drawingml/2006/diagram" xmlns:o="urn:schemas-microsoft-com:office:office" xmlns:v="urn:schemas-microsoft-com:vml" xmlns:pvml="urn:schemas-microsoft-com:office:powerpoint" xmlns:com="http://schemas.openxmlformats.org/drawingml/2006/compatibility" xmlns:p14="http://schemas.microsoft.com/office/powerpoint/2010/main">
+<p:sld xmlns:a="http://schemas.openxmlformats.org/drawingml/2006/main" xmlns:r="http://schemas.openxmlformats.org/officeDocument/2006/relationships" xmlns:p="http://schemas.openxmlformats.org/presentationml/2006/main">
   <p:cSld>
     <p:spTree>
       <p:nvGrpSpPr>
-        <p:cNvPr id="98" name="Shape 98"/>
+        <p:cNvPr id="1" name="Shape 98"/>
         <p:cNvGrpSpPr/>
         <p:nvPr/>
       </p:nvGrpSpPr>
@@ -8200,7 +7736,9 @@
       <p:sp>
         <p:nvSpPr>
           <p:cNvPr id="99" name="Shape 99"/>
-          <p:cNvSpPr txBox="1"/>
+          <p:cNvSpPr txBox="1">
+            <a:spLocks noGrp="1"/>
+          </p:cNvSpPr>
           <p:nvPr>
             <p:ph type="title"/>
           </p:nvPr>
@@ -8215,7 +7753,7 @@
           </a:prstGeom>
         </p:spPr>
         <p:txBody>
-          <a:bodyPr anchorCtr="0" anchor="t" bIns="91425" lIns="91425" rIns="91425" tIns="91425">
+          <a:bodyPr lIns="91425" tIns="91425" rIns="91425" bIns="91425" anchor="t" anchorCtr="0">
             <a:noAutofit/>
           </a:bodyPr>
           <a:lstStyle/>
@@ -8235,7 +7773,7 @@
       </p:sp>
       <p:pic>
         <p:nvPicPr>
-          <p:cNvPr descr="Picture1.png" id="100" name="Shape 100"/>
+          <p:cNvPr id="100" name="Shape 100" descr="Picture1.png"/>
           <p:cNvPicPr preferRelativeResize="0"/>
           <p:nvPr/>
         </p:nvPicPr>
@@ -8270,11 +7808,11 @@
 </file>
 
 <file path=ppt/slides/slide9.xml><?xml version="1.0" encoding="utf-8"?>
-<p:sld xmlns:a="http://schemas.openxmlformats.org/drawingml/2006/main" xmlns:r="http://schemas.openxmlformats.org/officeDocument/2006/relationships" xmlns:mc="http://schemas.openxmlformats.org/markup-compatibility/2006" xmlns:mv="urn:schemas-microsoft-com:mac:vml" xmlns:p="http://schemas.openxmlformats.org/presentationml/2006/main" xmlns:c="http://schemas.openxmlformats.org/drawingml/2006/chart" xmlns:dgm="http://schemas.openxmlformats.org/drawingml/2006/diagram" xmlns:o="urn:schemas-microsoft-com:office:office" xmlns:v="urn:schemas-microsoft-com:vml" xmlns:pvml="urn:schemas-microsoft-com:office:powerpoint" xmlns:com="http://schemas.openxmlformats.org/drawingml/2006/compatibility" xmlns:p14="http://schemas.microsoft.com/office/powerpoint/2010/main">
+<p:sld xmlns:a="http://schemas.openxmlformats.org/drawingml/2006/main" xmlns:r="http://schemas.openxmlformats.org/officeDocument/2006/relationships" xmlns:p="http://schemas.openxmlformats.org/presentationml/2006/main">
   <p:cSld>
     <p:spTree>
       <p:nvGrpSpPr>
-        <p:cNvPr id="104" name="Shape 104"/>
+        <p:cNvPr id="1" name="Shape 104"/>
         <p:cNvGrpSpPr/>
         <p:nvPr/>
       </p:nvGrpSpPr>
@@ -8289,7 +7827,9 @@
       <p:sp>
         <p:nvSpPr>
           <p:cNvPr id="105" name="Shape 105"/>
-          <p:cNvSpPr txBox="1"/>
+          <p:cNvSpPr txBox="1">
+            <a:spLocks noGrp="1"/>
+          </p:cNvSpPr>
           <p:nvPr>
             <p:ph type="title"/>
           </p:nvPr>
@@ -8304,7 +7844,7 @@
           </a:prstGeom>
         </p:spPr>
         <p:txBody>
-          <a:bodyPr anchorCtr="0" anchor="t" bIns="91425" lIns="91425" rIns="91425" tIns="91425">
+          <a:bodyPr lIns="91425" tIns="91425" rIns="91425" bIns="91425" anchor="t" anchorCtr="0">
             <a:noAutofit/>
           </a:bodyPr>
           <a:lstStyle/>
@@ -8359,7 +7899,288 @@
 </file>
 
 <file path=ppt/theme/theme1.xml><?xml version="1.0" encoding="utf-8"?>
-<a:theme xmlns:a="http://schemas.openxmlformats.org/drawingml/2006/main" xmlns:r="http://schemas.openxmlformats.org/officeDocument/2006/relationships" name="Custom Theme">
+<a:theme xmlns:a="http://schemas.openxmlformats.org/drawingml/2006/main" name="beach-day">
+  <a:themeElements>
+    <a:clrScheme name="Beach Day">
+      <a:dk1>
+        <a:srgbClr val="00FDC8"/>
+      </a:dk1>
+      <a:lt1>
+        <a:srgbClr val="FFFFFF"/>
+      </a:lt1>
+      <a:dk2>
+        <a:srgbClr val="666666"/>
+      </a:dk2>
+      <a:lt2>
+        <a:srgbClr val="EEEEEE"/>
+      </a:lt2>
+      <a:accent1>
+        <a:srgbClr val="212121"/>
+      </a:accent1>
+      <a:accent2>
+        <a:srgbClr val="455A64"/>
+      </a:accent2>
+      <a:accent3>
+        <a:srgbClr val="78909C"/>
+      </a:accent3>
+      <a:accent4>
+        <a:srgbClr val="7C7CE0"/>
+      </a:accent4>
+      <a:accent5>
+        <a:srgbClr val="DB4437"/>
+      </a:accent5>
+      <a:accent6>
+        <a:srgbClr val="F6CD4C"/>
+      </a:accent6>
+      <a:hlink>
+        <a:srgbClr val="DB4437"/>
+      </a:hlink>
+      <a:folHlink>
+        <a:srgbClr val="DB4437"/>
+      </a:folHlink>
+    </a:clrScheme>
+    <a:fontScheme name="Office">
+      <a:majorFont>
+        <a:latin typeface="Arial"/>
+        <a:ea typeface=""/>
+        <a:cs typeface=""/>
+        <a:font script="Jpan" typeface="ＭＳ Ｐゴシック"/>
+        <a:font script="Hang" typeface="맑은 고딕"/>
+        <a:font script="Hans" typeface="宋体"/>
+        <a:font script="Hant" typeface="新細明體"/>
+        <a:font script="Arab" typeface="Times New Roman"/>
+        <a:font script="Hebr" typeface="Times New Roman"/>
+        <a:font script="Thai" typeface="Angsana New"/>
+        <a:font script="Ethi" typeface="Nyala"/>
+        <a:font script="Beng" typeface="Vrinda"/>
+        <a:font script="Gujr" typeface="Shruti"/>
+        <a:font script="Khmr" typeface="MoolBoran"/>
+        <a:font script="Knda" typeface="Tunga"/>
+        <a:font script="Guru" typeface="Raavi"/>
+        <a:font script="Cans" typeface="Euphemia"/>
+        <a:font script="Cher" typeface="Plantagenet Cherokee"/>
+        <a:font script="Yiii" typeface="Microsoft Yi Baiti"/>
+        <a:font script="Tibt" typeface="Microsoft Himalaya"/>
+        <a:font script="Thaa" typeface="MV Boli"/>
+        <a:font script="Deva" typeface="Mangal"/>
+        <a:font script="Telu" typeface="Gautami"/>
+        <a:font script="Taml" typeface="Latha"/>
+        <a:font script="Syrc" typeface="Estrangelo Edessa"/>
+        <a:font script="Orya" typeface="Kalinga"/>
+        <a:font script="Mlym" typeface="Kartika"/>
+        <a:font script="Laoo" typeface="DokChampa"/>
+        <a:font script="Sinh" typeface="Iskoola Pota"/>
+        <a:font script="Mong" typeface="Mongolian Baiti"/>
+        <a:font script="Viet" typeface="Times New Roman"/>
+        <a:font script="Uigh" typeface="Microsoft Uighur"/>
+        <a:font script="Geor" typeface="Sylfaen"/>
+      </a:majorFont>
+      <a:minorFont>
+        <a:latin typeface="Arial"/>
+        <a:ea typeface=""/>
+        <a:cs typeface=""/>
+        <a:font script="Jpan" typeface="ＭＳ Ｐゴシック"/>
+        <a:font script="Hang" typeface="맑은 고딕"/>
+        <a:font script="Hans" typeface="宋体"/>
+        <a:font script="Hant" typeface="新細明體"/>
+        <a:font script="Arab" typeface="Arial"/>
+        <a:font script="Hebr" typeface="Arial"/>
+        <a:font script="Thai" typeface="Cordia New"/>
+        <a:font script="Ethi" typeface="Nyala"/>
+        <a:font script="Beng" typeface="Vrinda"/>
+        <a:font script="Gujr" typeface="Shruti"/>
+        <a:font script="Khmr" typeface="DaunPenh"/>
+        <a:font script="Knda" typeface="Tunga"/>
+        <a:font script="Guru" typeface="Raavi"/>
+        <a:font script="Cans" typeface="Euphemia"/>
+        <a:font script="Cher" typeface="Plantagenet Cherokee"/>
+        <a:font script="Yiii" typeface="Microsoft Yi Baiti"/>
+        <a:font script="Tibt" typeface="Microsoft Himalaya"/>
+        <a:font script="Thaa" typeface="MV Boli"/>
+        <a:font script="Deva" typeface="Mangal"/>
+        <a:font script="Telu" typeface="Gautami"/>
+        <a:font script="Taml" typeface="Latha"/>
+        <a:font script="Syrc" typeface="Estrangelo Edessa"/>
+        <a:font script="Orya" typeface="Kalinga"/>
+        <a:font script="Mlym" typeface="Kartika"/>
+        <a:font script="Laoo" typeface="DokChampa"/>
+        <a:font script="Sinh" typeface="Iskoola Pota"/>
+        <a:font script="Mong" typeface="Mongolian Baiti"/>
+        <a:font script="Viet" typeface="Arial"/>
+        <a:font script="Uigh" typeface="Microsoft Uighur"/>
+        <a:font script="Geor" typeface="Sylfaen"/>
+      </a:minorFont>
+    </a:fontScheme>
+    <a:fmtScheme name="Office">
+      <a:fillStyleLst>
+        <a:solidFill>
+          <a:schemeClr val="phClr"/>
+        </a:solidFill>
+        <a:gradFill rotWithShape="1">
+          <a:gsLst>
+            <a:gs pos="0">
+              <a:schemeClr val="phClr">
+                <a:tint val="50000"/>
+                <a:satMod val="300000"/>
+              </a:schemeClr>
+            </a:gs>
+            <a:gs pos="35000">
+              <a:schemeClr val="phClr">
+                <a:tint val="37000"/>
+                <a:satMod val="300000"/>
+              </a:schemeClr>
+            </a:gs>
+            <a:gs pos="100000">
+              <a:schemeClr val="phClr">
+                <a:tint val="15000"/>
+                <a:satMod val="350000"/>
+              </a:schemeClr>
+            </a:gs>
+          </a:gsLst>
+          <a:lin ang="16200000" scaled="1"/>
+        </a:gradFill>
+        <a:gradFill rotWithShape="1">
+          <a:gsLst>
+            <a:gs pos="0">
+              <a:schemeClr val="phClr">
+                <a:tint val="100000"/>
+                <a:shade val="100000"/>
+                <a:satMod val="130000"/>
+              </a:schemeClr>
+            </a:gs>
+            <a:gs pos="100000">
+              <a:schemeClr val="phClr">
+                <a:tint val="50000"/>
+                <a:shade val="100000"/>
+                <a:satMod val="350000"/>
+              </a:schemeClr>
+            </a:gs>
+          </a:gsLst>
+          <a:lin ang="16200000" scaled="0"/>
+        </a:gradFill>
+      </a:fillStyleLst>
+      <a:lnStyleLst>
+        <a:ln w="9525" cap="flat" cmpd="sng" algn="ctr">
+          <a:solidFill>
+            <a:schemeClr val="phClr">
+              <a:shade val="95000"/>
+              <a:satMod val="105000"/>
+            </a:schemeClr>
+          </a:solidFill>
+          <a:prstDash val="solid"/>
+        </a:ln>
+        <a:ln w="25400" cap="flat" cmpd="sng" algn="ctr">
+          <a:solidFill>
+            <a:schemeClr val="phClr"/>
+          </a:solidFill>
+          <a:prstDash val="solid"/>
+        </a:ln>
+        <a:ln w="38100" cap="flat" cmpd="sng" algn="ctr">
+          <a:solidFill>
+            <a:schemeClr val="phClr"/>
+          </a:solidFill>
+          <a:prstDash val="solid"/>
+        </a:ln>
+      </a:lnStyleLst>
+      <a:effectStyleLst>
+        <a:effectStyle>
+          <a:effectLst>
+            <a:outerShdw blurRad="40000" dist="20000" dir="5400000" rotWithShape="0">
+              <a:srgbClr val="000000">
+                <a:alpha val="38000"/>
+              </a:srgbClr>
+            </a:outerShdw>
+          </a:effectLst>
+        </a:effectStyle>
+        <a:effectStyle>
+          <a:effectLst>
+            <a:outerShdw blurRad="40000" dist="23000" dir="5400000" rotWithShape="0">
+              <a:srgbClr val="000000">
+                <a:alpha val="35000"/>
+              </a:srgbClr>
+            </a:outerShdw>
+          </a:effectLst>
+        </a:effectStyle>
+        <a:effectStyle>
+          <a:effectLst>
+            <a:outerShdw blurRad="40000" dist="23000" dir="5400000" rotWithShape="0">
+              <a:srgbClr val="000000">
+                <a:alpha val="35000"/>
+              </a:srgbClr>
+            </a:outerShdw>
+          </a:effectLst>
+          <a:scene3d>
+            <a:camera prst="orthographicFront">
+              <a:rot lat="0" lon="0" rev="0"/>
+            </a:camera>
+            <a:lightRig rig="threePt" dir="t">
+              <a:rot lat="0" lon="0" rev="1200000"/>
+            </a:lightRig>
+          </a:scene3d>
+          <a:sp3d>
+            <a:bevelT w="63500" h="25400"/>
+          </a:sp3d>
+        </a:effectStyle>
+      </a:effectStyleLst>
+      <a:bgFillStyleLst>
+        <a:solidFill>
+          <a:schemeClr val="phClr"/>
+        </a:solidFill>
+        <a:gradFill rotWithShape="1">
+          <a:gsLst>
+            <a:gs pos="0">
+              <a:schemeClr val="phClr">
+                <a:tint val="40000"/>
+                <a:satMod val="350000"/>
+              </a:schemeClr>
+            </a:gs>
+            <a:gs pos="40000">
+              <a:schemeClr val="phClr">
+                <a:tint val="45000"/>
+                <a:shade val="99000"/>
+                <a:satMod val="350000"/>
+              </a:schemeClr>
+            </a:gs>
+            <a:gs pos="100000">
+              <a:schemeClr val="phClr">
+                <a:shade val="20000"/>
+                <a:satMod val="255000"/>
+              </a:schemeClr>
+            </a:gs>
+          </a:gsLst>
+          <a:path path="circle">
+            <a:fillToRect l="50000" t="-80000" r="50000" b="180000"/>
+          </a:path>
+        </a:gradFill>
+        <a:gradFill rotWithShape="1">
+          <a:gsLst>
+            <a:gs pos="0">
+              <a:schemeClr val="phClr">
+                <a:tint val="80000"/>
+                <a:satMod val="300000"/>
+              </a:schemeClr>
+            </a:gs>
+            <a:gs pos="100000">
+              <a:schemeClr val="phClr">
+                <a:shade val="30000"/>
+                <a:satMod val="200000"/>
+              </a:schemeClr>
+            </a:gs>
+          </a:gsLst>
+          <a:path path="circle">
+            <a:fillToRect l="50000" t="50000" r="50000" b="50000"/>
+          </a:path>
+        </a:gradFill>
+      </a:bgFillStyleLst>
+    </a:fmtScheme>
+  </a:themeElements>
+  <a:objectDefaults/>
+  <a:extraClrSchemeLst/>
+</a:theme>
+</file>
+
+<file path=ppt/theme/theme2.xml><?xml version="1.0" encoding="utf-8"?>
+<a:theme xmlns:a="http://schemas.openxmlformats.org/drawingml/2006/main" name="Custom Theme">
   <a:themeElements>
     <a:clrScheme name="Default">
       <a:dk1>
@@ -8634,284 +8455,7 @@
       </a:bgFillStyleLst>
     </a:fmtScheme>
   </a:themeElements>
-</a:theme>
-</file>
-
-<file path=ppt/theme/theme2.xml><?xml version="1.0" encoding="utf-8"?>
-<a:theme xmlns:a="http://schemas.openxmlformats.org/drawingml/2006/main" xmlns:r="http://schemas.openxmlformats.org/officeDocument/2006/relationships" name="beach-day">
-  <a:themeElements>
-    <a:clrScheme name="Beach Day">
-      <a:dk1>
-        <a:srgbClr val="00FDC8"/>
-      </a:dk1>
-      <a:lt1>
-        <a:srgbClr val="FFFFFF"/>
-      </a:lt1>
-      <a:dk2>
-        <a:srgbClr val="666666"/>
-      </a:dk2>
-      <a:lt2>
-        <a:srgbClr val="EEEEEE"/>
-      </a:lt2>
-      <a:accent1>
-        <a:srgbClr val="212121"/>
-      </a:accent1>
-      <a:accent2>
-        <a:srgbClr val="455A64"/>
-      </a:accent2>
-      <a:accent3>
-        <a:srgbClr val="78909C"/>
-      </a:accent3>
-      <a:accent4>
-        <a:srgbClr val="7C7CE0"/>
-      </a:accent4>
-      <a:accent5>
-        <a:srgbClr val="DB4437"/>
-      </a:accent5>
-      <a:accent6>
-        <a:srgbClr val="F6CD4C"/>
-      </a:accent6>
-      <a:hlink>
-        <a:srgbClr val="DB4437"/>
-      </a:hlink>
-      <a:folHlink>
-        <a:srgbClr val="DB4437"/>
-      </a:folHlink>
-    </a:clrScheme>
-    <a:fontScheme name="Office">
-      <a:majorFont>
-        <a:latin typeface="Arial"/>
-        <a:ea typeface=""/>
-        <a:cs typeface=""/>
-        <a:font script="Jpan" typeface="ＭＳ Ｐゴシック"/>
-        <a:font script="Hang" typeface="맑은 고딕"/>
-        <a:font script="Hans" typeface="宋体"/>
-        <a:font script="Hant" typeface="新細明體"/>
-        <a:font script="Arab" typeface="Times New Roman"/>
-        <a:font script="Hebr" typeface="Times New Roman"/>
-        <a:font script="Thai" typeface="Angsana New"/>
-        <a:font script="Ethi" typeface="Nyala"/>
-        <a:font script="Beng" typeface="Vrinda"/>
-        <a:font script="Gujr" typeface="Shruti"/>
-        <a:font script="Khmr" typeface="MoolBoran"/>
-        <a:font script="Knda" typeface="Tunga"/>
-        <a:font script="Guru" typeface="Raavi"/>
-        <a:font script="Cans" typeface="Euphemia"/>
-        <a:font script="Cher" typeface="Plantagenet Cherokee"/>
-        <a:font script="Yiii" typeface="Microsoft Yi Baiti"/>
-        <a:font script="Tibt" typeface="Microsoft Himalaya"/>
-        <a:font script="Thaa" typeface="MV Boli"/>
-        <a:font script="Deva" typeface="Mangal"/>
-        <a:font script="Telu" typeface="Gautami"/>
-        <a:font script="Taml" typeface="Latha"/>
-        <a:font script="Syrc" typeface="Estrangelo Edessa"/>
-        <a:font script="Orya" typeface="Kalinga"/>
-        <a:font script="Mlym" typeface="Kartika"/>
-        <a:font script="Laoo" typeface="DokChampa"/>
-        <a:font script="Sinh" typeface="Iskoola Pota"/>
-        <a:font script="Mong" typeface="Mongolian Baiti"/>
-        <a:font script="Viet" typeface="Times New Roman"/>
-        <a:font script="Uigh" typeface="Microsoft Uighur"/>
-        <a:font script="Geor" typeface="Sylfaen"/>
-      </a:majorFont>
-      <a:minorFont>
-        <a:latin typeface="Arial"/>
-        <a:ea typeface=""/>
-        <a:cs typeface=""/>
-        <a:font script="Jpan" typeface="ＭＳ Ｐゴシック"/>
-        <a:font script="Hang" typeface="맑은 고딕"/>
-        <a:font script="Hans" typeface="宋体"/>
-        <a:font script="Hant" typeface="新細明體"/>
-        <a:font script="Arab" typeface="Arial"/>
-        <a:font script="Hebr" typeface="Arial"/>
-        <a:font script="Thai" typeface="Cordia New"/>
-        <a:font script="Ethi" typeface="Nyala"/>
-        <a:font script="Beng" typeface="Vrinda"/>
-        <a:font script="Gujr" typeface="Shruti"/>
-        <a:font script="Khmr" typeface="DaunPenh"/>
-        <a:font script="Knda" typeface="Tunga"/>
-        <a:font script="Guru" typeface="Raavi"/>
-        <a:font script="Cans" typeface="Euphemia"/>
-        <a:font script="Cher" typeface="Plantagenet Cherokee"/>
-        <a:font script="Yiii" typeface="Microsoft Yi Baiti"/>
-        <a:font script="Tibt" typeface="Microsoft Himalaya"/>
-        <a:font script="Thaa" typeface="MV Boli"/>
-        <a:font script="Deva" typeface="Mangal"/>
-        <a:font script="Telu" typeface="Gautami"/>
-        <a:font script="Taml" typeface="Latha"/>
-        <a:font script="Syrc" typeface="Estrangelo Edessa"/>
-        <a:font script="Orya" typeface="Kalinga"/>
-        <a:font script="Mlym" typeface="Kartika"/>
-        <a:font script="Laoo" typeface="DokChampa"/>
-        <a:font script="Sinh" typeface="Iskoola Pota"/>
-        <a:font script="Mong" typeface="Mongolian Baiti"/>
-        <a:font script="Viet" typeface="Arial"/>
-        <a:font script="Uigh" typeface="Microsoft Uighur"/>
-        <a:font script="Geor" typeface="Sylfaen"/>
-      </a:minorFont>
-    </a:fontScheme>
-    <a:fmtScheme name="Office">
-      <a:fillStyleLst>
-        <a:solidFill>
-          <a:schemeClr val="phClr"/>
-        </a:solidFill>
-        <a:gradFill rotWithShape="1">
-          <a:gsLst>
-            <a:gs pos="0">
-              <a:schemeClr val="phClr">
-                <a:tint val="50000"/>
-                <a:satMod val="300000"/>
-              </a:schemeClr>
-            </a:gs>
-            <a:gs pos="35000">
-              <a:schemeClr val="phClr">
-                <a:tint val="37000"/>
-                <a:satMod val="300000"/>
-              </a:schemeClr>
-            </a:gs>
-            <a:gs pos="100000">
-              <a:schemeClr val="phClr">
-                <a:tint val="15000"/>
-                <a:satMod val="350000"/>
-              </a:schemeClr>
-            </a:gs>
-          </a:gsLst>
-          <a:lin ang="16200000" scaled="1"/>
-        </a:gradFill>
-        <a:gradFill rotWithShape="1">
-          <a:gsLst>
-            <a:gs pos="0">
-              <a:schemeClr val="phClr">
-                <a:tint val="100000"/>
-                <a:shade val="100000"/>
-                <a:satMod val="130000"/>
-              </a:schemeClr>
-            </a:gs>
-            <a:gs pos="100000">
-              <a:schemeClr val="phClr">
-                <a:tint val="50000"/>
-                <a:shade val="100000"/>
-                <a:satMod val="350000"/>
-              </a:schemeClr>
-            </a:gs>
-          </a:gsLst>
-          <a:lin ang="16200000" scaled="0"/>
-        </a:gradFill>
-      </a:fillStyleLst>
-      <a:lnStyleLst>
-        <a:ln w="9525" cap="flat" cmpd="sng" algn="ctr">
-          <a:solidFill>
-            <a:schemeClr val="phClr">
-              <a:shade val="95000"/>
-              <a:satMod val="105000"/>
-            </a:schemeClr>
-          </a:solidFill>
-          <a:prstDash val="solid"/>
-        </a:ln>
-        <a:ln w="25400" cap="flat" cmpd="sng" algn="ctr">
-          <a:solidFill>
-            <a:schemeClr val="phClr"/>
-          </a:solidFill>
-          <a:prstDash val="solid"/>
-        </a:ln>
-        <a:ln w="38100" cap="flat" cmpd="sng" algn="ctr">
-          <a:solidFill>
-            <a:schemeClr val="phClr"/>
-          </a:solidFill>
-          <a:prstDash val="solid"/>
-        </a:ln>
-      </a:lnStyleLst>
-      <a:effectStyleLst>
-        <a:effectStyle>
-          <a:effectLst>
-            <a:outerShdw blurRad="40000" dist="20000" dir="5400000" rotWithShape="0">
-              <a:srgbClr val="000000">
-                <a:alpha val="38000"/>
-              </a:srgbClr>
-            </a:outerShdw>
-          </a:effectLst>
-        </a:effectStyle>
-        <a:effectStyle>
-          <a:effectLst>
-            <a:outerShdw blurRad="40000" dist="23000" dir="5400000" rotWithShape="0">
-              <a:srgbClr val="000000">
-                <a:alpha val="35000"/>
-              </a:srgbClr>
-            </a:outerShdw>
-          </a:effectLst>
-        </a:effectStyle>
-        <a:effectStyle>
-          <a:effectLst>
-            <a:outerShdw blurRad="40000" dist="23000" dir="5400000" rotWithShape="0">
-              <a:srgbClr val="000000">
-                <a:alpha val="35000"/>
-              </a:srgbClr>
-            </a:outerShdw>
-          </a:effectLst>
-          <a:scene3d>
-            <a:camera prst="orthographicFront">
-              <a:rot lat="0" lon="0" rev="0"/>
-            </a:camera>
-            <a:lightRig rig="threePt" dir="t">
-              <a:rot lat="0" lon="0" rev="1200000"/>
-            </a:lightRig>
-          </a:scene3d>
-          <a:sp3d>
-            <a:bevelT w="63500" h="25400"/>
-          </a:sp3d>
-        </a:effectStyle>
-      </a:effectStyleLst>
-      <a:bgFillStyleLst>
-        <a:solidFill>
-          <a:schemeClr val="phClr"/>
-        </a:solidFill>
-        <a:gradFill rotWithShape="1">
-          <a:gsLst>
-            <a:gs pos="0">
-              <a:schemeClr val="phClr">
-                <a:tint val="40000"/>
-                <a:satMod val="350000"/>
-              </a:schemeClr>
-            </a:gs>
-            <a:gs pos="40000">
-              <a:schemeClr val="phClr">
-                <a:tint val="45000"/>
-                <a:shade val="99000"/>
-                <a:satMod val="350000"/>
-              </a:schemeClr>
-            </a:gs>
-            <a:gs pos="100000">
-              <a:schemeClr val="phClr">
-                <a:shade val="20000"/>
-                <a:satMod val="255000"/>
-              </a:schemeClr>
-            </a:gs>
-          </a:gsLst>
-          <a:path path="circle">
-            <a:fillToRect l="50000" t="-80000" r="50000" b="180000"/>
-          </a:path>
-        </a:gradFill>
-        <a:gradFill rotWithShape="1">
-          <a:gsLst>
-            <a:gs pos="0">
-              <a:schemeClr val="phClr">
-                <a:tint val="80000"/>
-                <a:satMod val="300000"/>
-              </a:schemeClr>
-            </a:gs>
-            <a:gs pos="100000">
-              <a:schemeClr val="phClr">
-                <a:shade val="30000"/>
-                <a:satMod val="200000"/>
-              </a:schemeClr>
-            </a:gs>
-          </a:gsLst>
-          <a:path path="circle">
-            <a:fillToRect l="50000" t="50000" r="50000" b="50000"/>
-          </a:path>
-        </a:gradFill>
-      </a:bgFillStyleLst>
-    </a:fmtScheme>
-  </a:themeElements>
+  <a:objectDefaults/>
+  <a:extraClrSchemeLst/>
 </a:theme>
 </file>
--- a/SnapMap Final Presentation.pptx
+++ b/SnapMap Final Presentation.pptx
@@ -5,7 +5,7 @@
     <p:sldMasterId id="2147483659" r:id="rId1"/>
   </p:sldMasterIdLst>
   <p:notesMasterIdLst>
-    <p:notesMasterId r:id="rId16"/>
+    <p:notesMasterId r:id="rId18"/>
   </p:notesMasterIdLst>
   <p:sldIdLst>
     <p:sldId id="256" r:id="rId2"/>
@@ -13,28 +13,30 @@
     <p:sldId id="258" r:id="rId4"/>
     <p:sldId id="259" r:id="rId5"/>
     <p:sldId id="260" r:id="rId6"/>
-    <p:sldId id="261" r:id="rId7"/>
-    <p:sldId id="262" r:id="rId8"/>
-    <p:sldId id="263" r:id="rId9"/>
-    <p:sldId id="264" r:id="rId10"/>
-    <p:sldId id="265" r:id="rId11"/>
-    <p:sldId id="266" r:id="rId12"/>
-    <p:sldId id="267" r:id="rId13"/>
-    <p:sldId id="268" r:id="rId14"/>
-    <p:sldId id="269" r:id="rId15"/>
+    <p:sldId id="271" r:id="rId7"/>
+    <p:sldId id="270" r:id="rId8"/>
+    <p:sldId id="261" r:id="rId9"/>
+    <p:sldId id="262" r:id="rId10"/>
+    <p:sldId id="263" r:id="rId11"/>
+    <p:sldId id="264" r:id="rId12"/>
+    <p:sldId id="265" r:id="rId13"/>
+    <p:sldId id="266" r:id="rId14"/>
+    <p:sldId id="267" r:id="rId15"/>
+    <p:sldId id="268" r:id="rId16"/>
+    <p:sldId id="269" r:id="rId17"/>
   </p:sldIdLst>
   <p:sldSz cx="9144000" cy="5143500" type="screen16x9"/>
   <p:notesSz cx="6858000" cy="9144000"/>
   <p:embeddedFontLst>
     <p:embeddedFont>
       <p:font typeface="Amatic SC" panose="020B0604020202020204" charset="-79"/>
-      <p:regular r:id="rId17"/>
-      <p:bold r:id="rId18"/>
+      <p:regular r:id="rId19"/>
+      <p:bold r:id="rId20"/>
     </p:embeddedFont>
     <p:embeddedFont>
       <p:font typeface="Source Code Pro" panose="020B0604020202020204" charset="0"/>
-      <p:regular r:id="rId19"/>
-      <p:bold r:id="rId20"/>
+      <p:regular r:id="rId21"/>
+      <p:bold r:id="rId22"/>
     </p:embeddedFont>
   </p:embeddedFontLst>
   <p:defaultTextStyle>
@@ -239,6 +241,11 @@
       </a:defRPr>
     </a:lvl9pPr>
   </p:defaultTextStyle>
+  <p:extLst>
+    <p:ext uri="{EFAFB233-063F-42B5-8137-9DF3F51BA10A}">
+      <p15:sldGuideLst xmlns:p15="http://schemas.microsoft.com/office/powerpoint/2012/main"/>
+    </p:ext>
+  </p:extLst>
 </p:presentation>
 </file>
 
@@ -5957,6 +5964,188 @@
   <p:cSld>
     <p:spTree>
       <p:nvGrpSpPr>
+        <p:cNvPr id="1" name="Shape 98"/>
+        <p:cNvGrpSpPr/>
+        <p:nvPr/>
+      </p:nvGrpSpPr>
+      <p:grpSpPr>
+        <a:xfrm>
+          <a:off x="0" y="0"/>
+          <a:ext cx="0" cy="0"/>
+          <a:chOff x="0" y="0"/>
+          <a:chExt cx="0" cy="0"/>
+        </a:xfrm>
+      </p:grpSpPr>
+      <p:sp>
+        <p:nvSpPr>
+          <p:cNvPr id="99" name="Shape 99"/>
+          <p:cNvSpPr txBox="1">
+            <a:spLocks noGrp="1"/>
+          </p:cNvSpPr>
+          <p:nvPr>
+            <p:ph type="title"/>
+          </p:nvPr>
+        </p:nvSpPr>
+        <p:spPr>
+          <a:xfrm>
+            <a:off x="311700" y="292850"/>
+            <a:ext cx="8520600" cy="801000"/>
+          </a:xfrm>
+          <a:prstGeom prst="rect">
+            <a:avLst/>
+          </a:prstGeom>
+        </p:spPr>
+        <p:txBody>
+          <a:bodyPr lIns="91425" tIns="91425" rIns="91425" bIns="91425" anchor="t" anchorCtr="0">
+            <a:noAutofit/>
+          </a:bodyPr>
+          <a:lstStyle/>
+          <a:p>
+            <a:pPr lvl="0">
+              <a:spcBef>
+                <a:spcPts val="0"/>
+              </a:spcBef>
+              <a:buNone/>
+            </a:pPr>
+            <a:r>
+              <a:rPr lang="en"/>
+              <a:t>Structure</a:t>
+            </a:r>
+          </a:p>
+        </p:txBody>
+      </p:sp>
+      <p:pic>
+        <p:nvPicPr>
+          <p:cNvPr id="100" name="Shape 100" descr="Picture1.png"/>
+          <p:cNvPicPr preferRelativeResize="0"/>
+          <p:nvPr/>
+        </p:nvPicPr>
+        <p:blipFill>
+          <a:blip r:embed="rId3">
+            <a:alphaModFix/>
+          </a:blip>
+          <a:stretch>
+            <a:fillRect/>
+          </a:stretch>
+        </p:blipFill>
+        <p:spPr>
+          <a:xfrm>
+            <a:off x="599275" y="1093850"/>
+            <a:ext cx="7945448" cy="3744851"/>
+          </a:xfrm>
+          <a:prstGeom prst="rect">
+            <a:avLst/>
+          </a:prstGeom>
+          <a:noFill/>
+          <a:ln>
+            <a:noFill/>
+          </a:ln>
+        </p:spPr>
+      </p:pic>
+    </p:spTree>
+  </p:cSld>
+  <p:clrMapOvr>
+    <a:masterClrMapping/>
+  </p:clrMapOvr>
+</p:sld>
+</file>
+
+<file path=ppt/slides/slide11.xml><?xml version="1.0" encoding="utf-8"?>
+<p:sld xmlns:a="http://schemas.openxmlformats.org/drawingml/2006/main" xmlns:r="http://schemas.openxmlformats.org/officeDocument/2006/relationships" xmlns:p="http://schemas.openxmlformats.org/presentationml/2006/main">
+  <p:cSld>
+    <p:spTree>
+      <p:nvGrpSpPr>
+        <p:cNvPr id="1" name="Shape 104"/>
+        <p:cNvGrpSpPr/>
+        <p:nvPr/>
+      </p:nvGrpSpPr>
+      <p:grpSpPr>
+        <a:xfrm>
+          <a:off x="0" y="0"/>
+          <a:ext cx="0" cy="0"/>
+          <a:chOff x="0" y="0"/>
+          <a:chExt cx="0" cy="0"/>
+        </a:xfrm>
+      </p:grpSpPr>
+      <p:sp>
+        <p:nvSpPr>
+          <p:cNvPr id="105" name="Shape 105"/>
+          <p:cNvSpPr txBox="1">
+            <a:spLocks noGrp="1"/>
+          </p:cNvSpPr>
+          <p:nvPr>
+            <p:ph type="title"/>
+          </p:nvPr>
+        </p:nvSpPr>
+        <p:spPr>
+          <a:xfrm>
+            <a:off x="311700" y="292850"/>
+            <a:ext cx="8520600" cy="801000"/>
+          </a:xfrm>
+          <a:prstGeom prst="rect">
+            <a:avLst/>
+          </a:prstGeom>
+        </p:spPr>
+        <p:txBody>
+          <a:bodyPr lIns="91425" tIns="91425" rIns="91425" bIns="91425" anchor="t" anchorCtr="0">
+            <a:noAutofit/>
+          </a:bodyPr>
+          <a:lstStyle/>
+          <a:p>
+            <a:pPr lvl="0">
+              <a:spcBef>
+                <a:spcPts val="0"/>
+              </a:spcBef>
+              <a:buNone/>
+            </a:pPr>
+            <a:r>
+              <a:rPr lang="en"/>
+              <a:t>Challenge: Record Linkage</a:t>
+            </a:r>
+          </a:p>
+        </p:txBody>
+      </p:sp>
+      <p:pic>
+        <p:nvPicPr>
+          <p:cNvPr id="106" name="Shape 106"/>
+          <p:cNvPicPr preferRelativeResize="0"/>
+          <p:nvPr/>
+        </p:nvPicPr>
+        <p:blipFill>
+          <a:blip r:embed="rId3">
+            <a:alphaModFix/>
+          </a:blip>
+          <a:stretch>
+            <a:fillRect/>
+          </a:stretch>
+        </p:blipFill>
+        <p:spPr>
+          <a:xfrm>
+            <a:off x="2958724" y="1347400"/>
+            <a:ext cx="2952150" cy="3373875"/>
+          </a:xfrm>
+          <a:prstGeom prst="rect">
+            <a:avLst/>
+          </a:prstGeom>
+          <a:noFill/>
+          <a:ln>
+            <a:noFill/>
+          </a:ln>
+        </p:spPr>
+      </p:pic>
+    </p:spTree>
+  </p:cSld>
+  <p:clrMapOvr>
+    <a:masterClrMapping/>
+  </p:clrMapOvr>
+</p:sld>
+</file>
+
+<file path=ppt/slides/slide12.xml><?xml version="1.0" encoding="utf-8"?>
+<p:sld xmlns:a="http://schemas.openxmlformats.org/drawingml/2006/main" xmlns:r="http://schemas.openxmlformats.org/officeDocument/2006/relationships" xmlns:p="http://schemas.openxmlformats.org/presentationml/2006/main">
+  <p:cSld>
+    <p:spTree>
+      <p:nvGrpSpPr>
         <p:cNvPr id="1" name="Shape 110"/>
         <p:cNvGrpSpPr/>
         <p:nvPr/>
@@ -6043,7 +6232,7 @@
 </p:sld>
 </file>
 
-<file path=ppt/slides/slide11.xml><?xml version="1.0" encoding="utf-8"?>
+<file path=ppt/slides/slide13.xml><?xml version="1.0" encoding="utf-8"?>
 <p:sld xmlns:a="http://schemas.openxmlformats.org/drawingml/2006/main" xmlns:r="http://schemas.openxmlformats.org/officeDocument/2006/relationships" xmlns:p="http://schemas.openxmlformats.org/presentationml/2006/main">
   <p:cSld>
     <p:bg>
@@ -6142,7 +6331,7 @@
 </p:sld>
 </file>
 
-<file path=ppt/slides/slide12.xml><?xml version="1.0" encoding="utf-8"?>
+<file path=ppt/slides/slide14.xml><?xml version="1.0" encoding="utf-8"?>
 <p:sld xmlns:a="http://schemas.openxmlformats.org/drawingml/2006/main" xmlns:r="http://schemas.openxmlformats.org/officeDocument/2006/relationships" xmlns:p="http://schemas.openxmlformats.org/presentationml/2006/main">
   <p:cSld>
     <p:spTree>
@@ -6270,7 +6459,7 @@
 </p:sld>
 </file>
 
-<file path=ppt/slides/slide13.xml><?xml version="1.0" encoding="utf-8"?>
+<file path=ppt/slides/slide15.xml><?xml version="1.0" encoding="utf-8"?>
 <p:sld xmlns:a="http://schemas.openxmlformats.org/drawingml/2006/main" xmlns:r="http://schemas.openxmlformats.org/officeDocument/2006/relationships" xmlns:p="http://schemas.openxmlformats.org/presentationml/2006/main">
   <p:cSld>
     <p:spTree>
@@ -6522,7 +6711,7 @@
 </p:sld>
 </file>
 
-<file path=ppt/slides/slide14.xml><?xml version="1.0" encoding="utf-8"?>
+<file path=ppt/slides/slide16.xml><?xml version="1.0" encoding="utf-8"?>
 <p:sld xmlns:a="http://schemas.openxmlformats.org/drawingml/2006/main" xmlns:r="http://schemas.openxmlformats.org/officeDocument/2006/relationships" xmlns:p="http://schemas.openxmlformats.org/presentationml/2006/main">
   <p:cSld>
     <p:spTree>
@@ -7206,6 +7395,126 @@
   <p:cSld>
     <p:spTree>
       <p:nvGrpSpPr>
+        <p:cNvPr id="1" name=""/>
+        <p:cNvGrpSpPr/>
+        <p:nvPr/>
+      </p:nvGrpSpPr>
+      <p:grpSpPr>
+        <a:xfrm>
+          <a:off x="0" y="0"/>
+          <a:ext cx="0" cy="0"/>
+          <a:chOff x="0" y="0"/>
+          <a:chExt cx="0" cy="0"/>
+        </a:xfrm>
+      </p:grpSpPr>
+      <p:pic>
+        <p:nvPicPr>
+          <p:cNvPr id="4" name="Picture 3">
+            <a:extLst>
+              <a:ext uri="{FF2B5EF4-FFF2-40B4-BE49-F238E27FC236}">
+                <a16:creationId xmlns:a16="http://schemas.microsoft.com/office/drawing/2014/main" id="{D7334A29-FD3B-4C04-A780-53B58696ECDF}"/>
+              </a:ext>
+            </a:extLst>
+          </p:cNvPr>
+          <p:cNvPicPr>
+            <a:picLocks noChangeAspect="1"/>
+          </p:cNvPicPr>
+          <p:nvPr/>
+        </p:nvPicPr>
+        <p:blipFill>
+          <a:blip r:embed="rId2"/>
+          <a:stretch>
+            <a:fillRect/>
+          </a:stretch>
+        </p:blipFill>
+        <p:spPr>
+          <a:xfrm>
+            <a:off x="6139" y="163260"/>
+            <a:ext cx="9129910" cy="4816979"/>
+          </a:xfrm>
+          <a:prstGeom prst="rect">
+            <a:avLst/>
+          </a:prstGeom>
+        </p:spPr>
+      </p:pic>
+    </p:spTree>
+    <p:extLst>
+      <p:ext uri="{BB962C8B-B14F-4D97-AF65-F5344CB8AC3E}">
+        <p14:creationId xmlns:p14="http://schemas.microsoft.com/office/powerpoint/2010/main" val="1218402863"/>
+      </p:ext>
+    </p:extLst>
+  </p:cSld>
+  <p:clrMapOvr>
+    <a:masterClrMapping/>
+  </p:clrMapOvr>
+</p:sld>
+</file>
+
+<file path=ppt/slides/slide7.xml><?xml version="1.0" encoding="utf-8"?>
+<p:sld xmlns:a="http://schemas.openxmlformats.org/drawingml/2006/main" xmlns:r="http://schemas.openxmlformats.org/officeDocument/2006/relationships" xmlns:p="http://schemas.openxmlformats.org/presentationml/2006/main">
+  <p:cSld>
+    <p:spTree>
+      <p:nvGrpSpPr>
+        <p:cNvPr id="1" name=""/>
+        <p:cNvGrpSpPr/>
+        <p:nvPr/>
+      </p:nvGrpSpPr>
+      <p:grpSpPr>
+        <a:xfrm>
+          <a:off x="0" y="0"/>
+          <a:ext cx="0" cy="0"/>
+          <a:chOff x="0" y="0"/>
+          <a:chExt cx="0" cy="0"/>
+        </a:xfrm>
+      </p:grpSpPr>
+      <p:pic>
+        <p:nvPicPr>
+          <p:cNvPr id="4" name="Picture 3">
+            <a:extLst>
+              <a:ext uri="{FF2B5EF4-FFF2-40B4-BE49-F238E27FC236}">
+                <a16:creationId xmlns:a16="http://schemas.microsoft.com/office/drawing/2014/main" id="{CB057BDA-590E-4BCE-912E-D6A202DBDAE8}"/>
+              </a:ext>
+            </a:extLst>
+          </p:cNvPr>
+          <p:cNvPicPr>
+            <a:picLocks noChangeAspect="1"/>
+          </p:cNvPicPr>
+          <p:nvPr/>
+        </p:nvPicPr>
+        <p:blipFill>
+          <a:blip r:embed="rId2"/>
+          <a:stretch>
+            <a:fillRect/>
+          </a:stretch>
+        </p:blipFill>
+        <p:spPr>
+          <a:xfrm>
+            <a:off x="0" y="161925"/>
+            <a:ext cx="9144000" cy="4819650"/>
+          </a:xfrm>
+          <a:prstGeom prst="rect">
+            <a:avLst/>
+          </a:prstGeom>
+        </p:spPr>
+      </p:pic>
+    </p:spTree>
+    <p:extLst>
+      <p:ext uri="{BB962C8B-B14F-4D97-AF65-F5344CB8AC3E}">
+        <p14:creationId xmlns:p14="http://schemas.microsoft.com/office/powerpoint/2010/main" val="229485247"/>
+      </p:ext>
+    </p:extLst>
+  </p:cSld>
+  <p:clrMapOvr>
+    <a:masterClrMapping/>
+  </p:clrMapOvr>
+</p:sld>
+</file>
+
+<file path=ppt/slides/slide8.xml><?xml version="1.0" encoding="utf-8"?>
+<p:sld xmlns:a="http://schemas.openxmlformats.org/drawingml/2006/main" xmlns:r="http://schemas.openxmlformats.org/officeDocument/2006/relationships" xmlns:p="http://schemas.openxmlformats.org/presentationml/2006/main">
+  <p:cSld>
+    <p:spTree>
+      <p:nvGrpSpPr>
         <p:cNvPr id="1" name="Shape 84"/>
         <p:cNvGrpSpPr/>
         <p:nvPr/>
@@ -7420,7 +7729,7 @@
 </p:sld>
 </file>
 
-<file path=ppt/slides/slide7.xml><?xml version="1.0" encoding="utf-8"?>
+<file path=ppt/slides/slide9.xml><?xml version="1.0" encoding="utf-8"?>
 <p:sld xmlns:a="http://schemas.openxmlformats.org/drawingml/2006/main" xmlns:r="http://schemas.openxmlformats.org/officeDocument/2006/relationships" xmlns:p="http://schemas.openxmlformats.org/presentationml/2006/main">
   <p:cSld>
     <p:spTree>
@@ -7698,188 +8007,6 @@
           <a:xfrm>
             <a:off x="4351150" y="3654505"/>
             <a:ext cx="4380449" cy="1356044"/>
-          </a:xfrm>
-          <a:prstGeom prst="rect">
-            <a:avLst/>
-          </a:prstGeom>
-          <a:noFill/>
-          <a:ln>
-            <a:noFill/>
-          </a:ln>
-        </p:spPr>
-      </p:pic>
-    </p:spTree>
-  </p:cSld>
-  <p:clrMapOvr>
-    <a:masterClrMapping/>
-  </p:clrMapOvr>
-</p:sld>
-</file>
-
-<file path=ppt/slides/slide8.xml><?xml version="1.0" encoding="utf-8"?>
-<p:sld xmlns:a="http://schemas.openxmlformats.org/drawingml/2006/main" xmlns:r="http://schemas.openxmlformats.org/officeDocument/2006/relationships" xmlns:p="http://schemas.openxmlformats.org/presentationml/2006/main">
-  <p:cSld>
-    <p:spTree>
-      <p:nvGrpSpPr>
-        <p:cNvPr id="1" name="Shape 98"/>
-        <p:cNvGrpSpPr/>
-        <p:nvPr/>
-      </p:nvGrpSpPr>
-      <p:grpSpPr>
-        <a:xfrm>
-          <a:off x="0" y="0"/>
-          <a:ext cx="0" cy="0"/>
-          <a:chOff x="0" y="0"/>
-          <a:chExt cx="0" cy="0"/>
-        </a:xfrm>
-      </p:grpSpPr>
-      <p:sp>
-        <p:nvSpPr>
-          <p:cNvPr id="99" name="Shape 99"/>
-          <p:cNvSpPr txBox="1">
-            <a:spLocks noGrp="1"/>
-          </p:cNvSpPr>
-          <p:nvPr>
-            <p:ph type="title"/>
-          </p:nvPr>
-        </p:nvSpPr>
-        <p:spPr>
-          <a:xfrm>
-            <a:off x="311700" y="292850"/>
-            <a:ext cx="8520600" cy="801000"/>
-          </a:xfrm>
-          <a:prstGeom prst="rect">
-            <a:avLst/>
-          </a:prstGeom>
-        </p:spPr>
-        <p:txBody>
-          <a:bodyPr lIns="91425" tIns="91425" rIns="91425" bIns="91425" anchor="t" anchorCtr="0">
-            <a:noAutofit/>
-          </a:bodyPr>
-          <a:lstStyle/>
-          <a:p>
-            <a:pPr lvl="0">
-              <a:spcBef>
-                <a:spcPts val="0"/>
-              </a:spcBef>
-              <a:buNone/>
-            </a:pPr>
-            <a:r>
-              <a:rPr lang="en"/>
-              <a:t>Structure</a:t>
-            </a:r>
-          </a:p>
-        </p:txBody>
-      </p:sp>
-      <p:pic>
-        <p:nvPicPr>
-          <p:cNvPr id="100" name="Shape 100" descr="Picture1.png"/>
-          <p:cNvPicPr preferRelativeResize="0"/>
-          <p:nvPr/>
-        </p:nvPicPr>
-        <p:blipFill>
-          <a:blip r:embed="rId3">
-            <a:alphaModFix/>
-          </a:blip>
-          <a:stretch>
-            <a:fillRect/>
-          </a:stretch>
-        </p:blipFill>
-        <p:spPr>
-          <a:xfrm>
-            <a:off x="599275" y="1093850"/>
-            <a:ext cx="7945448" cy="3744851"/>
-          </a:xfrm>
-          <a:prstGeom prst="rect">
-            <a:avLst/>
-          </a:prstGeom>
-          <a:noFill/>
-          <a:ln>
-            <a:noFill/>
-          </a:ln>
-        </p:spPr>
-      </p:pic>
-    </p:spTree>
-  </p:cSld>
-  <p:clrMapOvr>
-    <a:masterClrMapping/>
-  </p:clrMapOvr>
-</p:sld>
-</file>
-
-<file path=ppt/slides/slide9.xml><?xml version="1.0" encoding="utf-8"?>
-<p:sld xmlns:a="http://schemas.openxmlformats.org/drawingml/2006/main" xmlns:r="http://schemas.openxmlformats.org/officeDocument/2006/relationships" xmlns:p="http://schemas.openxmlformats.org/presentationml/2006/main">
-  <p:cSld>
-    <p:spTree>
-      <p:nvGrpSpPr>
-        <p:cNvPr id="1" name="Shape 104"/>
-        <p:cNvGrpSpPr/>
-        <p:nvPr/>
-      </p:nvGrpSpPr>
-      <p:grpSpPr>
-        <a:xfrm>
-          <a:off x="0" y="0"/>
-          <a:ext cx="0" cy="0"/>
-          <a:chOff x="0" y="0"/>
-          <a:chExt cx="0" cy="0"/>
-        </a:xfrm>
-      </p:grpSpPr>
-      <p:sp>
-        <p:nvSpPr>
-          <p:cNvPr id="105" name="Shape 105"/>
-          <p:cNvSpPr txBox="1">
-            <a:spLocks noGrp="1"/>
-          </p:cNvSpPr>
-          <p:nvPr>
-            <p:ph type="title"/>
-          </p:nvPr>
-        </p:nvSpPr>
-        <p:spPr>
-          <a:xfrm>
-            <a:off x="311700" y="292850"/>
-            <a:ext cx="8520600" cy="801000"/>
-          </a:xfrm>
-          <a:prstGeom prst="rect">
-            <a:avLst/>
-          </a:prstGeom>
-        </p:spPr>
-        <p:txBody>
-          <a:bodyPr lIns="91425" tIns="91425" rIns="91425" bIns="91425" anchor="t" anchorCtr="0">
-            <a:noAutofit/>
-          </a:bodyPr>
-          <a:lstStyle/>
-          <a:p>
-            <a:pPr lvl="0">
-              <a:spcBef>
-                <a:spcPts val="0"/>
-              </a:spcBef>
-              <a:buNone/>
-            </a:pPr>
-            <a:r>
-              <a:rPr lang="en"/>
-              <a:t>Challenge: Record Linkage</a:t>
-            </a:r>
-          </a:p>
-        </p:txBody>
-      </p:sp>
-      <p:pic>
-        <p:nvPicPr>
-          <p:cNvPr id="106" name="Shape 106"/>
-          <p:cNvPicPr preferRelativeResize="0"/>
-          <p:nvPr/>
-        </p:nvPicPr>
-        <p:blipFill>
-          <a:blip r:embed="rId3">
-            <a:alphaModFix/>
-          </a:blip>
-          <a:stretch>
-            <a:fillRect/>
-          </a:stretch>
-        </p:blipFill>
-        <p:spPr>
-          <a:xfrm>
-            <a:off x="2958724" y="1347400"/>
-            <a:ext cx="2952150" cy="3373875"/>
           </a:xfrm>
           <a:prstGeom prst="rect">
             <a:avLst/>

--- a/SnapMap Final Presentation.pptx
+++ b/SnapMap Final Presentation.pptx
@@ -7409,10 +7409,10 @@
       </p:grpSpPr>
       <p:pic>
         <p:nvPicPr>
-          <p:cNvPr id="4" name="Picture 3">
+          <p:cNvPr id="6" name="Picture 5">
             <a:extLst>
               <a:ext uri="{FF2B5EF4-FFF2-40B4-BE49-F238E27FC236}">
-                <a16:creationId xmlns:a16="http://schemas.microsoft.com/office/drawing/2014/main" id="{D7334A29-FD3B-4C04-A780-53B58696ECDF}"/>
+                <a16:creationId xmlns:a16="http://schemas.microsoft.com/office/drawing/2014/main" id="{ABB222E2-BBB2-4534-9285-02030172D0A4}"/>
               </a:ext>
             </a:extLst>
           </p:cNvPr>
@@ -7421,16 +7421,15 @@
           </p:cNvPicPr>
           <p:nvPr/>
         </p:nvPicPr>
-        <p:blipFill>
+        <p:blipFill rotWithShape="1">
           <a:blip r:embed="rId2"/>
-          <a:stretch>
-            <a:fillRect/>
-          </a:stretch>
+          <a:srcRect b="700"/>
+          <a:stretch/>
         </p:blipFill>
         <p:spPr>
           <a:xfrm>
-            <a:off x="6139" y="163260"/>
-            <a:ext cx="9129910" cy="4816979"/>
+            <a:off x="8888" y="309247"/>
+            <a:ext cx="9126224" cy="4493341"/>
           </a:xfrm>
           <a:prstGeom prst="rect">
             <a:avLst/>
@@ -7469,10 +7468,10 @@
       </p:grpSpPr>
       <p:pic>
         <p:nvPicPr>
-          <p:cNvPr id="4" name="Picture 3">
+          <p:cNvPr id="6" name="Picture 5">
             <a:extLst>
               <a:ext uri="{FF2B5EF4-FFF2-40B4-BE49-F238E27FC236}">
-                <a16:creationId xmlns:a16="http://schemas.microsoft.com/office/drawing/2014/main" id="{CB057BDA-590E-4BCE-912E-D6A202DBDAE8}"/>
+                <a16:creationId xmlns:a16="http://schemas.microsoft.com/office/drawing/2014/main" id="{9EB86986-29FF-4860-9956-CCFF0F6CEF5D}"/>
               </a:ext>
             </a:extLst>
           </p:cNvPr>
@@ -7489,8 +7488,8 @@
         </p:blipFill>
         <p:spPr>
           <a:xfrm>
-            <a:off x="0" y="161925"/>
-            <a:ext cx="9144000" cy="4819650"/>
+            <a:off x="0" y="328612"/>
+            <a:ext cx="9144000" cy="4486275"/>
           </a:xfrm>
           <a:prstGeom prst="rect">
             <a:avLst/>
